--- a/Slides/RaspiDotnet.pptx
+++ b/Slides/RaspiDotnet.pptx
@@ -9,7 +9,7 @@
     <p:sldMasterId id="2147483700" r:id="rId5"/>
   </p:sldMasterIdLst>
   <p:notesMasterIdLst>
-    <p:notesMasterId r:id="rId22"/>
+    <p:notesMasterId r:id="rId30"/>
   </p:notesMasterIdLst>
   <p:sldIdLst>
     <p:sldId id="256" r:id="rId6"/>
@@ -22,12 +22,20 @@
     <p:sldId id="263" r:id="rId13"/>
     <p:sldId id="264" r:id="rId14"/>
     <p:sldId id="265" r:id="rId15"/>
-    <p:sldId id="266" r:id="rId16"/>
-    <p:sldId id="267" r:id="rId17"/>
-    <p:sldId id="268" r:id="rId18"/>
-    <p:sldId id="269" r:id="rId19"/>
-    <p:sldId id="270" r:id="rId20"/>
-    <p:sldId id="271" r:id="rId21"/>
+    <p:sldId id="272" r:id="rId16"/>
+    <p:sldId id="273" r:id="rId17"/>
+    <p:sldId id="274" r:id="rId18"/>
+    <p:sldId id="275" r:id="rId19"/>
+    <p:sldId id="276" r:id="rId20"/>
+    <p:sldId id="277" r:id="rId21"/>
+    <p:sldId id="278" r:id="rId22"/>
+    <p:sldId id="279" r:id="rId23"/>
+    <p:sldId id="266" r:id="rId24"/>
+    <p:sldId id="267" r:id="rId25"/>
+    <p:sldId id="268" r:id="rId26"/>
+    <p:sldId id="269" r:id="rId27"/>
+    <p:sldId id="270" r:id="rId28"/>
+    <p:sldId id="271" r:id="rId29"/>
   </p:sldIdLst>
   <p:sldSz cx="11998325" cy="7559675"/>
   <p:notesSz cx="7559675" cy="10691813"/>
@@ -126,6 +134,11 @@
       </a:defRPr>
     </a:lvl9pPr>
   </p:defaultTextStyle>
+  <p:extLst>
+    <p:ext uri="{EFAFB233-063F-42B5-8137-9DF3F51BA10A}">
+      <p15:sldGuideLst xmlns:p15="http://schemas.microsoft.com/office/powerpoint/2012/main"/>
+    </p:ext>
+  </p:extLst>
 </p:presentation>
 </file>
 
@@ -476,8 +489,8 @@
         </p:nvSpPr>
         <p:spPr>
           <a:xfrm>
-            <a:off x="598320" y="812520"/>
-            <a:ext cx="6362280" cy="4008240"/>
+            <a:off x="598488" y="812800"/>
+            <a:ext cx="6362700" cy="4008438"/>
           </a:xfrm>
           <a:prstGeom prst="rect">
             <a:avLst/>
@@ -522,6 +535,552 @@
         </p:txBody>
       </p:sp>
     </p:spTree>
+  </p:cSld>
+  <p:clrMapOvr>
+    <a:masterClrMapping/>
+  </p:clrMapOvr>
+</p:notes>
+</file>
+
+<file path=ppt/notesSlides/notesSlide2.xml><?xml version="1.0" encoding="utf-8"?>
+<p:notes xmlns:a="http://schemas.openxmlformats.org/drawingml/2006/main" xmlns:r="http://schemas.openxmlformats.org/officeDocument/2006/relationships" xmlns:p="http://schemas.openxmlformats.org/presentationml/2006/main">
+  <p:cSld>
+    <p:spTree>
+      <p:nvGrpSpPr>
+        <p:cNvPr id="1" name=""/>
+        <p:cNvGrpSpPr/>
+        <p:nvPr/>
+      </p:nvGrpSpPr>
+      <p:grpSpPr>
+        <a:xfrm>
+          <a:off x="0" y="0"/>
+          <a:ext cx="0" cy="0"/>
+          <a:chOff x="0" y="0"/>
+          <a:chExt cx="0" cy="0"/>
+        </a:xfrm>
+      </p:grpSpPr>
+      <p:sp>
+        <p:nvSpPr>
+          <p:cNvPr id="2" name="Folienbildplatzhalter 1"/>
+          <p:cNvSpPr>
+            <a:spLocks noGrp="1" noRot="1" noChangeAspect="1"/>
+          </p:cNvSpPr>
+          <p:nvPr>
+            <p:ph type="sldImg"/>
+          </p:nvPr>
+        </p:nvSpPr>
+        <p:spPr>
+          <a:xfrm>
+            <a:off x="598488" y="812800"/>
+            <a:ext cx="6362700" cy="4008438"/>
+          </a:xfrm>
+        </p:spPr>
+      </p:sp>
+      <p:sp>
+        <p:nvSpPr>
+          <p:cNvPr id="3" name="Notizenplatzhalter 2"/>
+          <p:cNvSpPr>
+            <a:spLocks noGrp="1"/>
+          </p:cNvSpPr>
+          <p:nvPr>
+            <p:ph type="body" idx="1"/>
+          </p:nvPr>
+        </p:nvSpPr>
+        <p:spPr/>
+        <p:txBody>
+          <a:bodyPr/>
+          <a:lstStyle/>
+          <a:p>
+            <a:endParaRPr lang="de-DE" dirty="0"/>
+          </a:p>
+        </p:txBody>
+      </p:sp>
+      <p:sp>
+        <p:nvSpPr>
+          <p:cNvPr id="4" name="Foliennummernplatzhalter 3"/>
+          <p:cNvSpPr>
+            <a:spLocks noGrp="1"/>
+          </p:cNvSpPr>
+          <p:nvPr>
+            <p:ph type="sldNum" idx="10"/>
+          </p:nvPr>
+        </p:nvSpPr>
+        <p:spPr/>
+        <p:txBody>
+          <a:bodyPr/>
+          <a:lstStyle/>
+          <a:p>
+            <a:pPr algn="r"/>
+            <a:fld id="{30188104-4A55-4174-8619-F54A96B2F329}" type="slidenum">
+              <a:rPr lang="de-DE" sz="1400" b="0" strike="noStrike" spc="-1" smtClean="0">
+                <a:latin typeface="Times New Roman"/>
+              </a:rPr>
+              <a:t>14</a:t>
+            </a:fld>
+            <a:endParaRPr lang="de-DE" sz="1400" b="0" strike="noStrike" spc="-1">
+              <a:latin typeface="Times New Roman"/>
+            </a:endParaRPr>
+          </a:p>
+        </p:txBody>
+      </p:sp>
+    </p:spTree>
+    <p:extLst>
+      <p:ext uri="{BB962C8B-B14F-4D97-AF65-F5344CB8AC3E}">
+        <p14:creationId xmlns:p14="http://schemas.microsoft.com/office/powerpoint/2010/main" val="4109345318"/>
+      </p:ext>
+    </p:extLst>
+  </p:cSld>
+  <p:clrMapOvr>
+    <a:masterClrMapping/>
+  </p:clrMapOvr>
+</p:notes>
+</file>
+
+<file path=ppt/notesSlides/notesSlide3.xml><?xml version="1.0" encoding="utf-8"?>
+<p:notes xmlns:a="http://schemas.openxmlformats.org/drawingml/2006/main" xmlns:r="http://schemas.openxmlformats.org/officeDocument/2006/relationships" xmlns:p="http://schemas.openxmlformats.org/presentationml/2006/main">
+  <p:cSld>
+    <p:spTree>
+      <p:nvGrpSpPr>
+        <p:cNvPr id="1" name=""/>
+        <p:cNvGrpSpPr/>
+        <p:nvPr/>
+      </p:nvGrpSpPr>
+      <p:grpSpPr>
+        <a:xfrm>
+          <a:off x="0" y="0"/>
+          <a:ext cx="0" cy="0"/>
+          <a:chOff x="0" y="0"/>
+          <a:chExt cx="0" cy="0"/>
+        </a:xfrm>
+      </p:grpSpPr>
+      <p:sp>
+        <p:nvSpPr>
+          <p:cNvPr id="2" name="Folienbildplatzhalter 1"/>
+          <p:cNvSpPr>
+            <a:spLocks noGrp="1" noRot="1" noChangeAspect="1"/>
+          </p:cNvSpPr>
+          <p:nvPr>
+            <p:ph type="sldImg"/>
+          </p:nvPr>
+        </p:nvSpPr>
+        <p:spPr>
+          <a:xfrm>
+            <a:off x="598488" y="812800"/>
+            <a:ext cx="6362700" cy="4008438"/>
+          </a:xfrm>
+        </p:spPr>
+      </p:sp>
+      <p:sp>
+        <p:nvSpPr>
+          <p:cNvPr id="3" name="Notizenplatzhalter 2"/>
+          <p:cNvSpPr>
+            <a:spLocks noGrp="1"/>
+          </p:cNvSpPr>
+          <p:nvPr>
+            <p:ph type="body" idx="1"/>
+          </p:nvPr>
+        </p:nvSpPr>
+        <p:spPr/>
+        <p:txBody>
+          <a:bodyPr/>
+          <a:lstStyle/>
+          <a:p>
+            <a:r>
+              <a:rPr lang="de-DE" dirty="0"/>
+              <a:t>Hinweis: Publish: </a:t>
+            </a:r>
+            <a:r>
+              <a:rPr lang="de-DE" dirty="0" err="1"/>
+              <a:t>Installing</a:t>
+            </a:r>
+            <a:r>
+              <a:rPr lang="de-DE" dirty="0"/>
+              <a:t>: </a:t>
+            </a:r>
+            <a:r>
+              <a:rPr lang="de-DE" dirty="0" err="1"/>
+              <a:t>runtime.linux</a:t>
+            </a:r>
+            <a:r>
+              <a:rPr lang="de-DE" dirty="0"/>
+              <a:t>-arm…</a:t>
+            </a:r>
+          </a:p>
+        </p:txBody>
+      </p:sp>
+      <p:sp>
+        <p:nvSpPr>
+          <p:cNvPr id="4" name="Foliennummernplatzhalter 3"/>
+          <p:cNvSpPr>
+            <a:spLocks noGrp="1"/>
+          </p:cNvSpPr>
+          <p:nvPr>
+            <p:ph type="sldNum" idx="10"/>
+          </p:nvPr>
+        </p:nvSpPr>
+        <p:spPr/>
+        <p:txBody>
+          <a:bodyPr/>
+          <a:lstStyle/>
+          <a:p>
+            <a:pPr algn="r"/>
+            <a:fld id="{30188104-4A55-4174-8619-F54A96B2F329}" type="slidenum">
+              <a:rPr lang="de-DE" sz="1400" b="0" strike="noStrike" spc="-1" smtClean="0">
+                <a:latin typeface="Times New Roman"/>
+              </a:rPr>
+              <a:t>15</a:t>
+            </a:fld>
+            <a:endParaRPr lang="de-DE" sz="1400" b="0" strike="noStrike" spc="-1">
+              <a:latin typeface="Times New Roman"/>
+            </a:endParaRPr>
+          </a:p>
+        </p:txBody>
+      </p:sp>
+    </p:spTree>
+    <p:extLst>
+      <p:ext uri="{BB962C8B-B14F-4D97-AF65-F5344CB8AC3E}">
+        <p14:creationId xmlns:p14="http://schemas.microsoft.com/office/powerpoint/2010/main" val="3317565755"/>
+      </p:ext>
+    </p:extLst>
+  </p:cSld>
+  <p:clrMapOvr>
+    <a:masterClrMapping/>
+  </p:clrMapOvr>
+</p:notes>
+</file>
+
+<file path=ppt/notesSlides/notesSlide4.xml><?xml version="1.0" encoding="utf-8"?>
+<p:notes xmlns:a="http://schemas.openxmlformats.org/drawingml/2006/main" xmlns:r="http://schemas.openxmlformats.org/officeDocument/2006/relationships" xmlns:p="http://schemas.openxmlformats.org/presentationml/2006/main">
+  <p:cSld>
+    <p:spTree>
+      <p:nvGrpSpPr>
+        <p:cNvPr id="1" name=""/>
+        <p:cNvGrpSpPr/>
+        <p:nvPr/>
+      </p:nvGrpSpPr>
+      <p:grpSpPr>
+        <a:xfrm>
+          <a:off x="0" y="0"/>
+          <a:ext cx="0" cy="0"/>
+          <a:chOff x="0" y="0"/>
+          <a:chExt cx="0" cy="0"/>
+        </a:xfrm>
+      </p:grpSpPr>
+      <p:sp>
+        <p:nvSpPr>
+          <p:cNvPr id="2" name="Folienbildplatzhalter 1"/>
+          <p:cNvSpPr>
+            <a:spLocks noGrp="1" noRot="1" noChangeAspect="1"/>
+          </p:cNvSpPr>
+          <p:nvPr>
+            <p:ph type="sldImg"/>
+          </p:nvPr>
+        </p:nvSpPr>
+        <p:spPr>
+          <a:xfrm>
+            <a:off x="598488" y="812800"/>
+            <a:ext cx="6362700" cy="4008438"/>
+          </a:xfrm>
+        </p:spPr>
+      </p:sp>
+      <p:sp>
+        <p:nvSpPr>
+          <p:cNvPr id="3" name="Notizenplatzhalter 2"/>
+          <p:cNvSpPr>
+            <a:spLocks noGrp="1"/>
+          </p:cNvSpPr>
+          <p:nvPr>
+            <p:ph type="body" idx="1"/>
+          </p:nvPr>
+        </p:nvSpPr>
+        <p:spPr/>
+        <p:txBody>
+          <a:bodyPr/>
+          <a:lstStyle/>
+          <a:p>
+            <a:r>
+              <a:rPr lang="de-DE" dirty="0"/>
+              <a:t>Hinweis: Publish: </a:t>
+            </a:r>
+            <a:r>
+              <a:rPr lang="de-DE" dirty="0" err="1"/>
+              <a:t>Installing</a:t>
+            </a:r>
+            <a:r>
+              <a:rPr lang="de-DE" dirty="0"/>
+              <a:t>: </a:t>
+            </a:r>
+            <a:r>
+              <a:rPr lang="de-DE" dirty="0" err="1"/>
+              <a:t>runtime.linux</a:t>
+            </a:r>
+            <a:r>
+              <a:rPr lang="de-DE" dirty="0"/>
+              <a:t>-arm…</a:t>
+            </a:r>
+          </a:p>
+        </p:txBody>
+      </p:sp>
+      <p:sp>
+        <p:nvSpPr>
+          <p:cNvPr id="4" name="Foliennummernplatzhalter 3"/>
+          <p:cNvSpPr>
+            <a:spLocks noGrp="1"/>
+          </p:cNvSpPr>
+          <p:nvPr>
+            <p:ph type="sldNum" idx="10"/>
+          </p:nvPr>
+        </p:nvSpPr>
+        <p:spPr/>
+        <p:txBody>
+          <a:bodyPr/>
+          <a:lstStyle/>
+          <a:p>
+            <a:pPr algn="r"/>
+            <a:fld id="{30188104-4A55-4174-8619-F54A96B2F329}" type="slidenum">
+              <a:rPr lang="de-DE" sz="1400" b="0" strike="noStrike" spc="-1" smtClean="0">
+                <a:latin typeface="Times New Roman"/>
+              </a:rPr>
+              <a:t>16</a:t>
+            </a:fld>
+            <a:endParaRPr lang="de-DE" sz="1400" b="0" strike="noStrike" spc="-1">
+              <a:latin typeface="Times New Roman"/>
+            </a:endParaRPr>
+          </a:p>
+        </p:txBody>
+      </p:sp>
+    </p:spTree>
+    <p:extLst>
+      <p:ext uri="{BB962C8B-B14F-4D97-AF65-F5344CB8AC3E}">
+        <p14:creationId xmlns:p14="http://schemas.microsoft.com/office/powerpoint/2010/main" val="259327469"/>
+      </p:ext>
+    </p:extLst>
+  </p:cSld>
+  <p:clrMapOvr>
+    <a:masterClrMapping/>
+  </p:clrMapOvr>
+</p:notes>
+</file>
+
+<file path=ppt/notesSlides/notesSlide5.xml><?xml version="1.0" encoding="utf-8"?>
+<p:notes xmlns:a="http://schemas.openxmlformats.org/drawingml/2006/main" xmlns:r="http://schemas.openxmlformats.org/officeDocument/2006/relationships" xmlns:p="http://schemas.openxmlformats.org/presentationml/2006/main">
+  <p:cSld>
+    <p:spTree>
+      <p:nvGrpSpPr>
+        <p:cNvPr id="1" name=""/>
+        <p:cNvGrpSpPr/>
+        <p:nvPr/>
+      </p:nvGrpSpPr>
+      <p:grpSpPr>
+        <a:xfrm>
+          <a:off x="0" y="0"/>
+          <a:ext cx="0" cy="0"/>
+          <a:chOff x="0" y="0"/>
+          <a:chExt cx="0" cy="0"/>
+        </a:xfrm>
+      </p:grpSpPr>
+      <p:sp>
+        <p:nvSpPr>
+          <p:cNvPr id="2" name="Folienbildplatzhalter 1"/>
+          <p:cNvSpPr>
+            <a:spLocks noGrp="1" noRot="1" noChangeAspect="1"/>
+          </p:cNvSpPr>
+          <p:nvPr>
+            <p:ph type="sldImg"/>
+          </p:nvPr>
+        </p:nvSpPr>
+        <p:spPr>
+          <a:xfrm>
+            <a:off x="598488" y="812800"/>
+            <a:ext cx="6362700" cy="4008438"/>
+          </a:xfrm>
+        </p:spPr>
+      </p:sp>
+      <p:sp>
+        <p:nvSpPr>
+          <p:cNvPr id="3" name="Notizenplatzhalter 2"/>
+          <p:cNvSpPr>
+            <a:spLocks noGrp="1"/>
+          </p:cNvSpPr>
+          <p:nvPr>
+            <p:ph type="body" idx="1"/>
+          </p:nvPr>
+        </p:nvSpPr>
+        <p:spPr/>
+        <p:txBody>
+          <a:bodyPr/>
+          <a:lstStyle/>
+          <a:p>
+            <a:r>
+              <a:rPr lang="de-DE" dirty="0"/>
+              <a:t>Hinweis: Publish: </a:t>
+            </a:r>
+            <a:r>
+              <a:rPr lang="de-DE" dirty="0" err="1"/>
+              <a:t>Installing</a:t>
+            </a:r>
+            <a:r>
+              <a:rPr lang="de-DE" dirty="0"/>
+              <a:t>: </a:t>
+            </a:r>
+            <a:r>
+              <a:rPr lang="de-DE" dirty="0" err="1"/>
+              <a:t>runtime.linux</a:t>
+            </a:r>
+            <a:r>
+              <a:rPr lang="de-DE" dirty="0"/>
+              <a:t>-arm…</a:t>
+            </a:r>
+          </a:p>
+        </p:txBody>
+      </p:sp>
+      <p:sp>
+        <p:nvSpPr>
+          <p:cNvPr id="4" name="Foliennummernplatzhalter 3"/>
+          <p:cNvSpPr>
+            <a:spLocks noGrp="1"/>
+          </p:cNvSpPr>
+          <p:nvPr>
+            <p:ph type="sldNum" idx="10"/>
+          </p:nvPr>
+        </p:nvSpPr>
+        <p:spPr/>
+        <p:txBody>
+          <a:bodyPr/>
+          <a:lstStyle/>
+          <a:p>
+            <a:pPr algn="r"/>
+            <a:fld id="{30188104-4A55-4174-8619-F54A96B2F329}" type="slidenum">
+              <a:rPr lang="de-DE" sz="1400" b="0" strike="noStrike" spc="-1" smtClean="0">
+                <a:latin typeface="Times New Roman"/>
+              </a:rPr>
+              <a:t>17</a:t>
+            </a:fld>
+            <a:endParaRPr lang="de-DE" sz="1400" b="0" strike="noStrike" spc="-1">
+              <a:latin typeface="Times New Roman"/>
+            </a:endParaRPr>
+          </a:p>
+        </p:txBody>
+      </p:sp>
+    </p:spTree>
+    <p:extLst>
+      <p:ext uri="{BB962C8B-B14F-4D97-AF65-F5344CB8AC3E}">
+        <p14:creationId xmlns:p14="http://schemas.microsoft.com/office/powerpoint/2010/main" val="2983523806"/>
+      </p:ext>
+    </p:extLst>
+  </p:cSld>
+  <p:clrMapOvr>
+    <a:masterClrMapping/>
+  </p:clrMapOvr>
+</p:notes>
+</file>
+
+<file path=ppt/notesSlides/notesSlide6.xml><?xml version="1.0" encoding="utf-8"?>
+<p:notes xmlns:a="http://schemas.openxmlformats.org/drawingml/2006/main" xmlns:r="http://schemas.openxmlformats.org/officeDocument/2006/relationships" xmlns:p="http://schemas.openxmlformats.org/presentationml/2006/main">
+  <p:cSld>
+    <p:spTree>
+      <p:nvGrpSpPr>
+        <p:cNvPr id="1" name=""/>
+        <p:cNvGrpSpPr/>
+        <p:nvPr/>
+      </p:nvGrpSpPr>
+      <p:grpSpPr>
+        <a:xfrm>
+          <a:off x="0" y="0"/>
+          <a:ext cx="0" cy="0"/>
+          <a:chOff x="0" y="0"/>
+          <a:chExt cx="0" cy="0"/>
+        </a:xfrm>
+      </p:grpSpPr>
+      <p:sp>
+        <p:nvSpPr>
+          <p:cNvPr id="2" name="Folienbildplatzhalter 1"/>
+          <p:cNvSpPr>
+            <a:spLocks noGrp="1" noRot="1" noChangeAspect="1"/>
+          </p:cNvSpPr>
+          <p:nvPr>
+            <p:ph type="sldImg"/>
+          </p:nvPr>
+        </p:nvSpPr>
+        <p:spPr>
+          <a:xfrm>
+            <a:off x="598488" y="812800"/>
+            <a:ext cx="6362700" cy="4008438"/>
+          </a:xfrm>
+        </p:spPr>
+      </p:sp>
+      <p:sp>
+        <p:nvSpPr>
+          <p:cNvPr id="3" name="Notizenplatzhalter 2"/>
+          <p:cNvSpPr>
+            <a:spLocks noGrp="1"/>
+          </p:cNvSpPr>
+          <p:nvPr>
+            <p:ph type="body" idx="1"/>
+          </p:nvPr>
+        </p:nvSpPr>
+        <p:spPr/>
+        <p:txBody>
+          <a:bodyPr/>
+          <a:lstStyle/>
+          <a:p>
+            <a:r>
+              <a:rPr lang="de-DE" dirty="0"/>
+              <a:t>Hinweis: Publish: </a:t>
+            </a:r>
+            <a:r>
+              <a:rPr lang="de-DE" dirty="0" err="1"/>
+              <a:t>Installing</a:t>
+            </a:r>
+            <a:r>
+              <a:rPr lang="de-DE" dirty="0"/>
+              <a:t>: </a:t>
+            </a:r>
+            <a:r>
+              <a:rPr lang="de-DE" dirty="0" err="1"/>
+              <a:t>runtime.linux</a:t>
+            </a:r>
+            <a:r>
+              <a:rPr lang="de-DE" dirty="0"/>
+              <a:t>-arm…</a:t>
+            </a:r>
+          </a:p>
+        </p:txBody>
+      </p:sp>
+      <p:sp>
+        <p:nvSpPr>
+          <p:cNvPr id="4" name="Foliennummernplatzhalter 3"/>
+          <p:cNvSpPr>
+            <a:spLocks noGrp="1"/>
+          </p:cNvSpPr>
+          <p:nvPr>
+            <p:ph type="sldNum" idx="10"/>
+          </p:nvPr>
+        </p:nvSpPr>
+        <p:spPr/>
+        <p:txBody>
+          <a:bodyPr/>
+          <a:lstStyle/>
+          <a:p>
+            <a:pPr algn="r"/>
+            <a:fld id="{30188104-4A55-4174-8619-F54A96B2F329}" type="slidenum">
+              <a:rPr lang="de-DE" sz="1400" b="0" strike="noStrike" spc="-1" smtClean="0">
+                <a:latin typeface="Times New Roman"/>
+              </a:rPr>
+              <a:t>18</a:t>
+            </a:fld>
+            <a:endParaRPr lang="de-DE" sz="1400" b="0" strike="noStrike" spc="-1">
+              <a:latin typeface="Times New Roman"/>
+            </a:endParaRPr>
+          </a:p>
+        </p:txBody>
+      </p:sp>
+    </p:spTree>
+    <p:extLst>
+      <p:ext uri="{BB962C8B-B14F-4D97-AF65-F5344CB8AC3E}">
+        <p14:creationId xmlns:p14="http://schemas.microsoft.com/office/powerpoint/2010/main" val="2088173723"/>
+      </p:ext>
+    </p:extLst>
   </p:cSld>
   <p:clrMapOvr>
     <a:masterClrMapping/>
@@ -10489,7 +11048,7 @@
           </a:bodyPr>
           <a:lstStyle/>
           <a:p>
-            <a:pPr marL="432000" indent="-323280">
+            <a:pPr marL="108720">
               <a:lnSpc>
                 <a:spcPct val="100000"/>
               </a:lnSpc>
@@ -10500,20 +11059,32 @@
                 <a:srgbClr val="000000"/>
               </a:buClr>
               <a:buSzPct val="45000"/>
-              <a:buFont typeface="Wingdings" charset="2"/>
-              <a:buChar char=""/>
             </a:pPr>
             <a:r>
-              <a:rPr lang="de-DE" sz="2800" b="0" strike="noStrike" spc="-1" dirty="0" err="1">
+              <a:rPr lang="de-DE" sz="2800" b="1" strike="noStrike" spc="-1" dirty="0">
                 <a:solidFill>
                   <a:srgbClr val="000000"/>
                 </a:solidFill>
                 <a:latin typeface="Arial"/>
                 <a:ea typeface="DejaVu Sans"/>
               </a:rPr>
-              <a:t>sds</a:t>
-            </a:r>
-            <a:endParaRPr lang="de-DE" sz="2800" b="0" strike="noStrike" spc="-1" dirty="0">
+              <a:t>Grundlegende Einstellungen</a:t>
+            </a:r>
+          </a:p>
+          <a:p>
+            <a:pPr marL="108720">
+              <a:lnSpc>
+                <a:spcPct val="100000"/>
+              </a:lnSpc>
+              <a:spcBef>
+                <a:spcPts val="1417"/>
+              </a:spcBef>
+              <a:buClr>
+                <a:srgbClr val="000000"/>
+              </a:buClr>
+              <a:buSzPct val="45000"/>
+            </a:pPr>
+            <a:endParaRPr lang="de-DE" sz="2800" b="1" strike="noStrike" spc="-1" dirty="0">
               <a:latin typeface="Arial"/>
             </a:endParaRPr>
           </a:p>
@@ -10575,6 +11146,42 @@
           </a:p>
         </p:txBody>
       </p:sp>
+      <p:pic>
+        <p:nvPicPr>
+          <p:cNvPr id="3" name="Grafik 2">
+            <a:extLst>
+              <a:ext uri="{FF2B5EF4-FFF2-40B4-BE49-F238E27FC236}">
+                <a16:creationId xmlns:a16="http://schemas.microsoft.com/office/drawing/2014/main" id="{6F3DDEC4-AB4F-4A68-B361-2F26B1C193D3}"/>
+              </a:ext>
+            </a:extLst>
+          </p:cNvPr>
+          <p:cNvPicPr>
+            <a:picLocks noChangeAspect="1"/>
+          </p:cNvPicPr>
+          <p:nvPr/>
+        </p:nvPicPr>
+        <p:blipFill>
+          <a:blip r:embed="rId2">
+            <a:extLst>
+              <a:ext uri="{28A0092B-C50C-407E-A947-70E740481C1C}">
+                <a14:useLocalDpi xmlns:a14="http://schemas.microsoft.com/office/drawing/2010/main" val="0"/>
+              </a:ext>
+            </a:extLst>
+          </a:blip>
+          <a:stretch>
+            <a:fillRect/>
+          </a:stretch>
+        </p:blipFill>
+        <p:spPr>
+          <a:xfrm>
+            <a:off x="4110681" y="2511455"/>
+            <a:ext cx="7285839" cy="4711225"/>
+          </a:xfrm>
+          <a:prstGeom prst="rect">
+            <a:avLst/>
+          </a:prstGeom>
+        </p:spPr>
+      </p:pic>
     </p:spTree>
   </p:cSld>
   <p:clrMapOvr>
@@ -10629,14 +11236,14 @@
       </p:grpSpPr>
       <p:sp>
         <p:nvSpPr>
-          <p:cNvPr id="223" name="CustomShape 1"/>
+          <p:cNvPr id="221" name="CustomShape 1"/>
           <p:cNvSpPr/>
           <p:nvPr/>
         </p:nvSpPr>
         <p:spPr>
           <a:xfrm>
-            <a:off x="599040" y="841320"/>
-            <a:ext cx="10797480" cy="5850720"/>
+            <a:off x="599040" y="1828800"/>
+            <a:ext cx="10829880" cy="5393880"/>
           </a:xfrm>
           <a:prstGeom prst="rect">
             <a:avLst/>
@@ -10659,466 +11266,325 @@
           <a:fontRef idx="minor"/>
         </p:style>
         <p:txBody>
-          <a:bodyPr lIns="0" tIns="0" rIns="0" bIns="0"/>
-          <a:lstStyle/>
-          <a:p>
-            <a:pPr marL="343080" indent="-342000">
+          <a:bodyPr lIns="0" tIns="0" rIns="0" bIns="0">
+            <a:normAutofit/>
+          </a:bodyPr>
+          <a:lstStyle/>
+          <a:p>
+            <a:pPr marL="108720">
               <a:lnSpc>
                 <a:spcPct val="100000"/>
               </a:lnSpc>
+              <a:spcBef>
+                <a:spcPts val="1417"/>
+              </a:spcBef>
               <a:buClr>
-                <a:srgbClr val="04617B"/>
+                <a:srgbClr val="000000"/>
               </a:buClr>
-              <a:buFont typeface="Arial"/>
-              <a:buChar char="•"/>
+              <a:buSzPct val="45000"/>
             </a:pPr>
             <a:r>
-              <a:rPr lang="de-DE" sz="2400" b="1" strike="noStrike" spc="-1">
-                <a:solidFill>
-                  <a:srgbClr val="04617B"/>
-                </a:solidFill>
-                <a:latin typeface="Source Sans Pro Black"/>
+              <a:rPr lang="de-DE" sz="2800" b="1" strike="noStrike" spc="-1" dirty="0">
+                <a:solidFill>
+                  <a:srgbClr val="000000"/>
+                </a:solidFill>
+                <a:latin typeface="Arial"/>
                 <a:ea typeface="DejaVu Sans"/>
               </a:rPr>
-              <a:t>Mehr Hardware</a:t>
-            </a:r>
-            <a:endParaRPr lang="de-DE" sz="2400" b="0" strike="noStrike" spc="-1">
-              <a:latin typeface="Arial"/>
-            </a:endParaRPr>
-          </a:p>
-          <a:p>
-            <a:pPr marL="800280" lvl="1" indent="-342000">
+              <a:t>Externer Zugriff</a:t>
+            </a:r>
+          </a:p>
+          <a:p>
+            <a:pPr marL="565920" indent="-457200">
               <a:lnSpc>
                 <a:spcPct val="100000"/>
               </a:lnSpc>
+              <a:spcBef>
+                <a:spcPts val="1417"/>
+              </a:spcBef>
               <a:buClr>
-                <a:srgbClr val="04617B"/>
+                <a:srgbClr val="000000"/>
               </a:buClr>
-              <a:buFont typeface="Arial"/>
+              <a:buSzPct val="45000"/>
+              <a:buFont typeface="Arial" panose="020B0604020202020204" pitchFamily="34" charset="0"/>
               <a:buChar char="•"/>
             </a:pPr>
             <a:r>
-              <a:rPr lang="de-DE" sz="2400" b="1" strike="noStrike" spc="-1">
-                <a:solidFill>
-                  <a:srgbClr val="04617B"/>
-                </a:solidFill>
-                <a:latin typeface="Source Sans Pro Black"/>
+              <a:rPr lang="de-DE" sz="2800" b="1" strike="noStrike" spc="-1" dirty="0">
+                <a:solidFill>
+                  <a:srgbClr val="000000"/>
+                </a:solidFill>
+                <a:latin typeface="Arial"/>
                 <a:ea typeface="DejaVu Sans"/>
               </a:rPr>
-              <a:t>Pi Modelle, SD-Karten</a:t>
-            </a:r>
-            <a:endParaRPr lang="de-DE" sz="2400" b="0" strike="noStrike" spc="-1">
-              <a:latin typeface="Arial"/>
-            </a:endParaRPr>
-          </a:p>
-          <a:p>
-            <a:pPr marL="800280" lvl="1" indent="-342000">
+              <a:t>SSH </a:t>
+            </a:r>
+            <a:r>
+              <a:rPr lang="de-DE" sz="2800" b="0" strike="noStrike" spc="-1" dirty="0">
+                <a:solidFill>
+                  <a:srgbClr val="000000"/>
+                </a:solidFill>
+                <a:latin typeface="Arial"/>
+                <a:ea typeface="DejaVu Sans"/>
+              </a:rPr>
+              <a:t>– Secure Shell – Remotezugriff auf Kommandozeile</a:t>
+            </a:r>
+          </a:p>
+          <a:p>
+            <a:pPr marL="565920" indent="-457200">
               <a:lnSpc>
                 <a:spcPct val="100000"/>
               </a:lnSpc>
+              <a:spcBef>
+                <a:spcPts val="1417"/>
+              </a:spcBef>
               <a:buClr>
-                <a:srgbClr val="04617B"/>
+                <a:srgbClr val="000000"/>
               </a:buClr>
-              <a:buFont typeface="Arial"/>
+              <a:buSzPct val="45000"/>
+              <a:buFont typeface="Arial" panose="020B0604020202020204" pitchFamily="34" charset="0"/>
               <a:buChar char="•"/>
             </a:pPr>
             <a:r>
-              <a:rPr lang="de-DE" sz="2400" b="1" strike="noStrike" spc="-1">
-                <a:solidFill>
-                  <a:srgbClr val="04617B"/>
-                </a:solidFill>
-                <a:latin typeface="Source Sans Pro Black"/>
-                <a:ea typeface="DejaVu Sans"/>
-              </a:rPr>
-              <a:t>Stromversorgung</a:t>
-            </a:r>
-            <a:endParaRPr lang="de-DE" sz="2400" b="0" strike="noStrike" spc="-1">
-              <a:latin typeface="Arial"/>
-            </a:endParaRPr>
-          </a:p>
-          <a:p>
-            <a:pPr marL="800280" lvl="1" indent="-342000">
+              <a:rPr lang="de-DE" sz="2800" b="1" strike="noStrike" spc="-1" dirty="0">
+                <a:latin typeface="Arial"/>
+              </a:rPr>
+              <a:t>VNC </a:t>
+            </a:r>
+            <a:r>
+              <a:rPr lang="de-DE" sz="2800" b="0" strike="noStrike" spc="-1" dirty="0">
+                <a:latin typeface="Arial"/>
+              </a:rPr>
+              <a:t>– Remotezugriff auf GUI</a:t>
+            </a:r>
+          </a:p>
+          <a:p>
+            <a:pPr marL="108720">
+              <a:spcBef>
+                <a:spcPts val="1417"/>
+              </a:spcBef>
+              <a:buClr>
+                <a:srgbClr val="000000"/>
+              </a:buClr>
+              <a:buSzPct val="45000"/>
+            </a:pPr>
+            <a:r>
+              <a:rPr lang="de-DE" sz="2800" b="1" dirty="0"/>
+              <a:t>Geräteinterne Kommunikation zwischen Schaltungsteilen </a:t>
+            </a:r>
+            <a:endParaRPr lang="de-DE" sz="2800" spc="-1" dirty="0">
+              <a:latin typeface="Arial"/>
+            </a:endParaRPr>
+          </a:p>
+          <a:p>
+            <a:pPr marL="565920" indent="-457200">
+              <a:spcBef>
+                <a:spcPts val="1417"/>
+              </a:spcBef>
+              <a:buClr>
+                <a:srgbClr val="000000"/>
+              </a:buClr>
+              <a:buSzPct val="45000"/>
+              <a:buFont typeface="Arial" panose="020B0604020202020204" pitchFamily="34" charset="0"/>
+              <a:buChar char="•"/>
+            </a:pPr>
+            <a:r>
+              <a:rPr lang="de-DE" sz="2800" b="1" spc="-1" dirty="0">
+                <a:latin typeface="Arial"/>
+              </a:rPr>
+              <a:t>SPI </a:t>
+            </a:r>
+            <a:r>
+              <a:rPr lang="de-DE" sz="2800" spc="-1" dirty="0">
+                <a:latin typeface="Arial"/>
+              </a:rPr>
+              <a:t>–</a:t>
+            </a:r>
+            <a:r>
+              <a:rPr lang="de-DE" sz="2800" spc="-1" dirty="0"/>
+              <a:t> Serial </a:t>
+            </a:r>
+            <a:r>
+              <a:rPr lang="de-DE" sz="2800" spc="-1" dirty="0" err="1"/>
+              <a:t>Peripheral</a:t>
+            </a:r>
+            <a:r>
+              <a:rPr lang="de-DE" sz="2800" spc="-1" dirty="0"/>
+              <a:t> Interface </a:t>
+            </a:r>
+          </a:p>
+          <a:p>
+            <a:pPr marL="565920" indent="-457200">
               <a:lnSpc>
                 <a:spcPct val="100000"/>
               </a:lnSpc>
+              <a:spcBef>
+                <a:spcPts val="1417"/>
+              </a:spcBef>
               <a:buClr>
-                <a:srgbClr val="04617B"/>
+                <a:srgbClr val="000000"/>
               </a:buClr>
-              <a:buFont typeface="Arial"/>
+              <a:buSzPct val="45000"/>
+              <a:buFont typeface="Arial" panose="020B0604020202020204" pitchFamily="34" charset="0"/>
               <a:buChar char="•"/>
             </a:pPr>
             <a:r>
-              <a:rPr lang="de-DE" sz="2400" b="1" strike="noStrike" spc="-1">
-                <a:solidFill>
-                  <a:srgbClr val="04617B"/>
-                </a:solidFill>
-                <a:latin typeface="Source Sans Pro Black"/>
-                <a:ea typeface="DejaVu Sans"/>
-              </a:rPr>
-              <a:t>Zubehör</a:t>
-            </a:r>
-            <a:endParaRPr lang="de-DE" sz="2400" b="0" strike="noStrike" spc="-1">
-              <a:latin typeface="Arial"/>
-            </a:endParaRPr>
-          </a:p>
-          <a:p>
-            <a:pPr marL="343080" indent="-342000">
+              <a:rPr lang="de-DE" sz="2800" b="1" strike="noStrike" spc="-1" dirty="0">
+                <a:latin typeface="Arial"/>
+              </a:rPr>
+              <a:t>I2C </a:t>
+            </a:r>
+            <a:r>
+              <a:rPr lang="de-DE" sz="2800" spc="-1" dirty="0"/>
+              <a:t>– Inter-Integrated Circuit</a:t>
+            </a:r>
+          </a:p>
+          <a:p>
+            <a:pPr marL="565920" indent="-457200">
               <a:lnSpc>
                 <a:spcPct val="100000"/>
               </a:lnSpc>
+              <a:spcBef>
+                <a:spcPts val="1417"/>
+              </a:spcBef>
               <a:buClr>
-                <a:srgbClr val="04617B"/>
+                <a:srgbClr val="000000"/>
               </a:buClr>
-              <a:buFont typeface="Arial"/>
+              <a:buSzPct val="45000"/>
+              <a:buFont typeface="Arial" panose="020B0604020202020204" pitchFamily="34" charset="0"/>
               <a:buChar char="•"/>
             </a:pPr>
             <a:r>
-              <a:rPr lang="de-DE" sz="2400" b="1" strike="noStrike" spc="-1">
-                <a:solidFill>
-                  <a:srgbClr val="04617B"/>
-                </a:solidFill>
-                <a:latin typeface="Source Sans Pro Black"/>
-                <a:ea typeface="DejaVu Sans"/>
-              </a:rPr>
-              <a:t>Erweiterungen</a:t>
-            </a:r>
-            <a:endParaRPr lang="de-DE" sz="2400" b="0" strike="noStrike" spc="-1">
-              <a:latin typeface="Arial"/>
-            </a:endParaRPr>
-          </a:p>
-          <a:p>
-            <a:pPr marL="800280" lvl="1" indent="-342000">
-              <a:lnSpc>
-                <a:spcPct val="100000"/>
-              </a:lnSpc>
-              <a:buClr>
-                <a:srgbClr val="04617B"/>
-              </a:buClr>
-              <a:buFont typeface="Arial"/>
-              <a:buChar char="•"/>
-            </a:pPr>
-            <a:r>
-              <a:rPr lang="de-DE" sz="2400" b="1" strike="noStrike" spc="-1">
-                <a:solidFill>
-                  <a:srgbClr val="04617B"/>
-                </a:solidFill>
-                <a:latin typeface="Source Sans Pro Black"/>
-                <a:ea typeface="DejaVu Sans"/>
-              </a:rPr>
-              <a:t>Hardware und das mit dem Löten </a:t>
-            </a:r>
-            <a:endParaRPr lang="de-DE" sz="2400" b="0" strike="noStrike" spc="-1">
-              <a:latin typeface="Arial"/>
-            </a:endParaRPr>
-          </a:p>
-          <a:p>
-            <a:pPr marL="800280" lvl="1" indent="-342000">
-              <a:lnSpc>
-                <a:spcPct val="100000"/>
-              </a:lnSpc>
-              <a:buClr>
-                <a:srgbClr val="04617B"/>
-              </a:buClr>
-              <a:buFont typeface="Arial"/>
-              <a:buChar char="•"/>
-            </a:pPr>
-            <a:r>
-              <a:rPr lang="de-DE" sz="2400" b="1" strike="noStrike" spc="-1">
-                <a:solidFill>
-                  <a:srgbClr val="04617B"/>
-                </a:solidFill>
-                <a:latin typeface="Source Sans Pro Black"/>
-                <a:ea typeface="DejaVu Sans"/>
-              </a:rPr>
-              <a:t>GrovePi</a:t>
-            </a:r>
-            <a:endParaRPr lang="de-DE" sz="2400" b="0" strike="noStrike" spc="-1">
-              <a:latin typeface="Arial"/>
-            </a:endParaRPr>
-          </a:p>
-          <a:p>
-            <a:pPr marL="343080" indent="-342000">
-              <a:lnSpc>
-                <a:spcPct val="100000"/>
-              </a:lnSpc>
-              <a:buClr>
-                <a:srgbClr val="04617B"/>
-              </a:buClr>
-              <a:buFont typeface="Arial"/>
-              <a:buChar char="•"/>
-            </a:pPr>
-            <a:r>
-              <a:rPr lang="de-DE" sz="2400" b="1" strike="noStrike" spc="-1">
-                <a:solidFill>
-                  <a:srgbClr val="04617B"/>
-                </a:solidFill>
-                <a:latin typeface="Source Sans Pro Black"/>
-                <a:ea typeface="DejaVu Sans"/>
-              </a:rPr>
-              <a:t>Mono vs. Core</a:t>
-            </a:r>
-            <a:endParaRPr lang="de-DE" sz="2400" b="0" strike="noStrike" spc="-1">
-              <a:latin typeface="Arial"/>
-            </a:endParaRPr>
-          </a:p>
-          <a:p>
-            <a:pPr marL="343080" indent="-342000">
-              <a:lnSpc>
-                <a:spcPct val="100000"/>
-              </a:lnSpc>
-              <a:buClr>
-                <a:srgbClr val="04617B"/>
-              </a:buClr>
-              <a:buFont typeface="Arial"/>
-              <a:buChar char="•"/>
-            </a:pPr>
-            <a:r>
-              <a:rPr lang="de-DE" sz="2400" b="1" strike="noStrike" spc="-1">
-                <a:solidFill>
-                  <a:srgbClr val="04617B"/>
-                </a:solidFill>
-                <a:latin typeface="Source Sans Pro Black"/>
-                <a:ea typeface="DejaVu Sans"/>
-              </a:rPr>
-              <a:t>Entwicklungsumgebung</a:t>
-            </a:r>
-            <a:endParaRPr lang="de-DE" sz="2400" b="0" strike="noStrike" spc="-1">
-              <a:latin typeface="Arial"/>
-            </a:endParaRPr>
-          </a:p>
-          <a:p>
-            <a:pPr marL="800280" lvl="1" indent="-342000">
-              <a:lnSpc>
-                <a:spcPct val="100000"/>
-              </a:lnSpc>
-              <a:buClr>
-                <a:srgbClr val="04617B"/>
-              </a:buClr>
-              <a:buFont typeface="Arial"/>
-              <a:buChar char="•"/>
-            </a:pPr>
-            <a:r>
-              <a:rPr lang="de-DE" sz="2400" b="1" strike="noStrike" spc="-1">
-                <a:solidFill>
-                  <a:srgbClr val="04617B"/>
-                </a:solidFill>
-                <a:latin typeface="Source Sans Pro Black"/>
-                <a:ea typeface="DejaVu Sans"/>
-              </a:rPr>
-              <a:t>VS2017</a:t>
-            </a:r>
-            <a:endParaRPr lang="de-DE" sz="2400" b="0" strike="noStrike" spc="-1">
-              <a:latin typeface="Arial"/>
-            </a:endParaRPr>
-          </a:p>
-          <a:p>
-            <a:pPr marL="800280" lvl="1" indent="-342000">
-              <a:lnSpc>
-                <a:spcPct val="100000"/>
-              </a:lnSpc>
-              <a:buClr>
-                <a:srgbClr val="04617B"/>
-              </a:buClr>
-              <a:buFont typeface="Arial"/>
-              <a:buChar char="•"/>
-            </a:pPr>
-            <a:r>
-              <a:rPr lang="de-DE" sz="2400" b="1" strike="noStrike" spc="-1">
-                <a:solidFill>
-                  <a:srgbClr val="04617B"/>
-                </a:solidFill>
-                <a:latin typeface="Source Sans Pro Black"/>
-                <a:ea typeface="DejaVu Sans"/>
-              </a:rPr>
-              <a:t>VsCode</a:t>
-            </a:r>
-            <a:endParaRPr lang="de-DE" sz="2400" b="0" strike="noStrike" spc="-1">
-              <a:latin typeface="Arial"/>
-            </a:endParaRPr>
-          </a:p>
-          <a:p>
-            <a:pPr marL="800280" lvl="1" indent="-342000">
-              <a:lnSpc>
-                <a:spcPct val="100000"/>
-              </a:lnSpc>
-              <a:buClr>
-                <a:srgbClr val="04617B"/>
-              </a:buClr>
-              <a:buFont typeface="Arial"/>
-              <a:buChar char="•"/>
-            </a:pPr>
-            <a:r>
-              <a:rPr lang="de-DE" sz="2400" b="1" strike="noStrike" spc="-1">
-                <a:solidFill>
-                  <a:srgbClr val="04617B"/>
-                </a:solidFill>
-                <a:latin typeface="Source Sans Pro Black"/>
-                <a:ea typeface="DejaVu Sans"/>
-              </a:rPr>
-              <a:t>Rider</a:t>
-            </a:r>
-            <a:endParaRPr lang="de-DE" sz="2400" b="0" strike="noStrike" spc="-1">
-              <a:latin typeface="Arial"/>
-            </a:endParaRPr>
-          </a:p>
-          <a:p>
-            <a:pPr marL="343080" indent="-342000">
-              <a:lnSpc>
-                <a:spcPct val="100000"/>
-              </a:lnSpc>
-              <a:buClr>
-                <a:srgbClr val="04617B"/>
-              </a:buClr>
-              <a:buFont typeface="Arial"/>
-              <a:buChar char="•"/>
-            </a:pPr>
-            <a:r>
-              <a:rPr lang="de-DE" sz="2400" b="1" strike="noStrike" spc="-1">
-                <a:solidFill>
-                  <a:srgbClr val="04617B"/>
-                </a:solidFill>
-                <a:latin typeface="Source Sans Pro Black"/>
-                <a:ea typeface="DejaVu Sans"/>
-              </a:rPr>
-              <a:t>Bits &amp; Bytes</a:t>
-            </a:r>
-            <a:endParaRPr lang="de-DE" sz="2400" b="0" strike="noStrike" spc="-1">
-              <a:latin typeface="Arial"/>
-            </a:endParaRPr>
-          </a:p>
-          <a:p>
-            <a:pPr marL="343080" indent="-342000">
-              <a:lnSpc>
-                <a:spcPct val="100000"/>
-              </a:lnSpc>
-              <a:buClr>
-                <a:srgbClr val="04617B"/>
-              </a:buClr>
-              <a:buFont typeface="Arial"/>
-              <a:buChar char="•"/>
-            </a:pPr>
-            <a:r>
-              <a:rPr lang="de-DE" sz="2400" b="1" strike="noStrike" spc="-1">
-                <a:solidFill>
-                  <a:srgbClr val="04617B"/>
-                </a:solidFill>
-                <a:latin typeface="Source Sans Pro Black"/>
-                <a:ea typeface="DejaVu Sans"/>
-              </a:rPr>
-              <a:t>Debugging</a:t>
-            </a:r>
-            <a:endParaRPr lang="de-DE" sz="2400" b="0" strike="noStrike" spc="-1">
-              <a:latin typeface="Arial"/>
-            </a:endParaRPr>
-          </a:p>
-          <a:p>
-            <a:pPr marL="343080" indent="-342000">
-              <a:lnSpc>
-                <a:spcPct val="100000"/>
-              </a:lnSpc>
-              <a:buClr>
-                <a:srgbClr val="04617B"/>
-              </a:buClr>
-              <a:buFont typeface="Arial"/>
-              <a:buChar char="•"/>
-            </a:pPr>
-            <a:r>
-              <a:rPr lang="de-DE" sz="2400" b="1" strike="noStrike" spc="-1">
-                <a:solidFill>
-                  <a:srgbClr val="04617B"/>
-                </a:solidFill>
-                <a:latin typeface="Source Sans Pro Black"/>
-                <a:ea typeface="DejaVu Sans"/>
-              </a:rPr>
-              <a:t>VNC</a:t>
-            </a:r>
-            <a:endParaRPr lang="de-DE" sz="2400" b="0" strike="noStrike" spc="-1">
-              <a:latin typeface="Arial"/>
-            </a:endParaRPr>
-          </a:p>
-          <a:p>
-            <a:pPr marL="343080" indent="-342000">
-              <a:lnSpc>
-                <a:spcPct val="100000"/>
-              </a:lnSpc>
-              <a:buClr>
-                <a:srgbClr val="04617B"/>
-              </a:buClr>
-              <a:buFont typeface="Arial"/>
-              <a:buChar char="•"/>
-            </a:pPr>
-            <a:r>
-              <a:rPr lang="de-DE" sz="2400" b="1" strike="noStrike" spc="-1">
-                <a:solidFill>
-                  <a:srgbClr val="04617B"/>
-                </a:solidFill>
-                <a:latin typeface="Source Sans Pro Black"/>
-                <a:ea typeface="DejaVu Sans"/>
-              </a:rPr>
-              <a:t>Autostart, Daemon</a:t>
-            </a:r>
-            <a:endParaRPr lang="de-DE" sz="2400" b="0" strike="noStrike" spc="-1">
-              <a:latin typeface="Arial"/>
-            </a:endParaRPr>
-          </a:p>
-          <a:p>
-            <a:pPr marL="343080" indent="-342000">
-              <a:lnSpc>
-                <a:spcPct val="100000"/>
-              </a:lnSpc>
-              <a:buClr>
-                <a:srgbClr val="04617B"/>
-              </a:buClr>
-              <a:buFont typeface="Arial"/>
-              <a:buChar char="•"/>
-            </a:pPr>
-            <a:r>
-              <a:rPr lang="de-DE" sz="2400" b="1" strike="noStrike" spc="-1">
-                <a:solidFill>
-                  <a:srgbClr val="04617B"/>
-                </a:solidFill>
-                <a:latin typeface="Source Sans Pro Black"/>
-                <a:ea typeface="DejaVu Sans"/>
-              </a:rPr>
-              <a:t>Ausschalten </a:t>
-            </a:r>
-            <a:r>
-              <a:rPr lang="de-DE" sz="2400" b="1" strike="noStrike" spc="-1">
-                <a:solidFill>
-                  <a:srgbClr val="04617B"/>
-                </a:solidFill>
-                <a:latin typeface="Wingdings"/>
-                <a:ea typeface="DejaVu Sans"/>
-              </a:rPr>
-              <a:t></a:t>
-            </a:r>
-            <a:endParaRPr lang="de-DE" sz="2400" b="0" strike="noStrike" spc="-1">
-              <a:latin typeface="Arial"/>
-            </a:endParaRPr>
-          </a:p>
+              <a:rPr lang="de-DE" sz="2800" b="1" spc="-1" dirty="0" err="1">
+                <a:latin typeface="Arial"/>
+              </a:rPr>
+              <a:t>Eindraht</a:t>
+            </a:r>
+            <a:r>
+              <a:rPr lang="de-DE" sz="2800" b="1" spc="-1" dirty="0">
+                <a:latin typeface="Arial"/>
+              </a:rPr>
+              <a:t>-Bus</a:t>
+            </a:r>
+            <a:r>
+              <a:rPr lang="de-DE" sz="2800" spc="-1" dirty="0">
+                <a:latin typeface="Arial"/>
+              </a:rPr>
+              <a:t> (</a:t>
+            </a:r>
+            <a:r>
+              <a:rPr lang="de-DE" sz="2800" spc="-1" dirty="0" err="1">
+                <a:latin typeface="Arial"/>
+              </a:rPr>
+              <a:t>OneWire</a:t>
+            </a:r>
+            <a:r>
+              <a:rPr lang="de-DE" sz="2800" spc="-1" dirty="0">
+                <a:latin typeface="Arial"/>
+              </a:rPr>
+              <a:t>)</a:t>
+            </a:r>
+          </a:p>
+        </p:txBody>
+      </p:sp>
+      <p:sp>
+        <p:nvSpPr>
+          <p:cNvPr id="222" name="CustomShape 2"/>
+          <p:cNvSpPr/>
+          <p:nvPr/>
+        </p:nvSpPr>
+        <p:spPr>
+          <a:xfrm>
+            <a:off x="1778040" y="301320"/>
+            <a:ext cx="9618480" cy="1261080"/>
+          </a:xfrm>
+          <a:prstGeom prst="rect">
+            <a:avLst/>
+          </a:prstGeom>
+          <a:noFill/>
+          <a:ln>
+            <a:noFill/>
+          </a:ln>
+        </p:spPr>
+        <p:style>
+          <a:lnRef idx="0">
+            <a:scrgbClr r="0" g="0" b="0"/>
+          </a:lnRef>
+          <a:fillRef idx="0">
+            <a:scrgbClr r="0" g="0" b="0"/>
+          </a:fillRef>
+          <a:effectRef idx="0">
+            <a:scrgbClr r="0" g="0" b="0"/>
+          </a:effectRef>
+          <a:fontRef idx="minor"/>
+        </p:style>
+        <p:txBody>
+          <a:bodyPr lIns="0" tIns="0" rIns="0" bIns="0" anchor="ctr"/>
+          <a:lstStyle/>
           <a:p>
             <a:pPr>
               <a:lnSpc>
-                <a:spcPct val="100000"/>
+                <a:spcPct val="90000"/>
               </a:lnSpc>
             </a:pPr>
-            <a:endParaRPr lang="de-DE" sz="2400" b="0" strike="noStrike" spc="-1">
-              <a:latin typeface="Arial"/>
-            </a:endParaRPr>
-          </a:p>
-          <a:p>
-            <a:pPr>
-              <a:lnSpc>
-                <a:spcPct val="100000"/>
-              </a:lnSpc>
-            </a:pPr>
-            <a:endParaRPr lang="de-DE" sz="2400" b="0" strike="noStrike" spc="-1">
-              <a:latin typeface="Arial"/>
-            </a:endParaRPr>
-          </a:p>
-        </p:txBody>
-      </p:sp>
+            <a:r>
+              <a:rPr lang="de-DE" sz="4400" b="0" strike="noStrike" spc="-1" dirty="0">
+                <a:solidFill>
+                  <a:srgbClr val="000000"/>
+                </a:solidFill>
+                <a:latin typeface="Arial"/>
+                <a:ea typeface="DejaVu Sans"/>
+              </a:rPr>
+              <a:t>Schnittstellen</a:t>
+            </a:r>
+            <a:endParaRPr lang="de-DE" sz="4400" b="0" strike="noStrike" spc="-1" dirty="0">
+              <a:latin typeface="Arial"/>
+            </a:endParaRPr>
+          </a:p>
+        </p:txBody>
+      </p:sp>
+      <p:pic>
+        <p:nvPicPr>
+          <p:cNvPr id="4" name="Grafik 3">
+            <a:extLst>
+              <a:ext uri="{FF2B5EF4-FFF2-40B4-BE49-F238E27FC236}">
+                <a16:creationId xmlns:a16="http://schemas.microsoft.com/office/drawing/2014/main" id="{73E0200A-0994-450A-AFBE-B51188198C69}"/>
+              </a:ext>
+            </a:extLst>
+          </p:cNvPr>
+          <p:cNvPicPr>
+            <a:picLocks noChangeAspect="1"/>
+          </p:cNvPicPr>
+          <p:nvPr/>
+        </p:nvPicPr>
+        <p:blipFill>
+          <a:blip r:embed="rId2">
+            <a:extLst>
+              <a:ext uri="{28A0092B-C50C-407E-A947-70E740481C1C}">
+                <a14:useLocalDpi xmlns:a14="http://schemas.microsoft.com/office/drawing/2010/main" val="0"/>
+              </a:ext>
+            </a:extLst>
+          </a:blip>
+          <a:stretch>
+            <a:fillRect/>
+          </a:stretch>
+        </p:blipFill>
+        <p:spPr>
+          <a:xfrm>
+            <a:off x="7142205" y="4471722"/>
+            <a:ext cx="4254315" cy="2750958"/>
+          </a:xfrm>
+          <a:prstGeom prst="rect">
+            <a:avLst/>
+          </a:prstGeom>
+        </p:spPr>
+      </p:pic>
     </p:spTree>
+    <p:extLst>
+      <p:ext uri="{BB962C8B-B14F-4D97-AF65-F5344CB8AC3E}">
+        <p14:creationId xmlns:p14="http://schemas.microsoft.com/office/powerpoint/2010/main" val="1040661887"/>
+      </p:ext>
+    </p:extLst>
   </p:cSld>
   <p:clrMapOvr>
     <a:masterClrMapping/>
@@ -11172,14 +11638,14 @@
       </p:grpSpPr>
       <p:sp>
         <p:nvSpPr>
-          <p:cNvPr id="224" name="CustomShape 1"/>
+          <p:cNvPr id="221" name="CustomShape 1"/>
           <p:cNvSpPr/>
           <p:nvPr/>
         </p:nvSpPr>
         <p:spPr>
           <a:xfrm>
-            <a:off x="599040" y="301320"/>
-            <a:ext cx="10797480" cy="5850720"/>
+            <a:off x="599040" y="1828800"/>
+            <a:ext cx="10829880" cy="5393880"/>
           </a:xfrm>
           <a:prstGeom prst="rect">
             <a:avLst/>
@@ -11202,80 +11668,146 @@
           <a:fontRef idx="minor"/>
         </p:style>
         <p:txBody>
-          <a:bodyPr lIns="0" tIns="0" rIns="0" bIns="0" anchor="ctr"/>
-          <a:lstStyle/>
-          <a:p>
-            <a:pPr>
+          <a:bodyPr lIns="0" tIns="0" rIns="0" bIns="0">
+            <a:normAutofit/>
+          </a:bodyPr>
+          <a:lstStyle/>
+          <a:p>
+            <a:pPr marL="108720">
               <a:lnSpc>
-                <a:spcPct val="90000"/>
+                <a:spcPct val="100000"/>
               </a:lnSpc>
               <a:spcBef>
-                <a:spcPts val="1001"/>
+                <a:spcPts val="1417"/>
               </a:spcBef>
+              <a:buClr>
+                <a:srgbClr val="000000"/>
+              </a:buClr>
+              <a:buSzPct val="45000"/>
             </a:pPr>
-            <a:r>
-              <a:rPr lang="de-DE" sz="2800" b="0" strike="noStrike" spc="-1">
-                <a:solidFill>
-                  <a:srgbClr val="000000"/>
-                </a:solidFill>
-                <a:latin typeface="Arial"/>
-                <a:ea typeface="DejaVu Sans"/>
-              </a:rPr>
-              <a:t>NET Core 2.1 is supported on Raspberry Pi 2+. </a:t>
-            </a:r>
-            <a:endParaRPr lang="de-DE" sz="2800" b="0" strike="noStrike" spc="-1">
-              <a:latin typeface="Arial"/>
-            </a:endParaRPr>
-          </a:p>
-          <a:p>
-            <a:pPr>
-              <a:lnSpc>
-                <a:spcPct val="90000"/>
-              </a:lnSpc>
-              <a:spcBef>
-                <a:spcPts val="1001"/>
-              </a:spcBef>
+            <a:endParaRPr lang="de-DE" sz="2800" spc="-1" dirty="0">
+              <a:latin typeface="Arial"/>
+            </a:endParaRPr>
+          </a:p>
+        </p:txBody>
+      </p:sp>
+      <p:sp>
+        <p:nvSpPr>
+          <p:cNvPr id="3" name="Textplatzhalter 2">
+            <a:extLst>
+              <a:ext uri="{FF2B5EF4-FFF2-40B4-BE49-F238E27FC236}">
+                <a16:creationId xmlns:a16="http://schemas.microsoft.com/office/drawing/2014/main" id="{ABB4AAFD-BF27-4FB9-99EC-996AD555BAF4}"/>
+              </a:ext>
+            </a:extLst>
+          </p:cNvPr>
+          <p:cNvSpPr>
+            <a:spLocks noGrp="1"/>
+          </p:cNvSpPr>
+          <p:nvPr>
+            <p:ph type="subTitle"/>
+          </p:nvPr>
+        </p:nvSpPr>
+        <p:spPr/>
+        <p:txBody>
+          <a:bodyPr>
+            <a:normAutofit/>
+          </a:bodyPr>
+          <a:lstStyle/>
+          <a:p>
+            <a:pPr marL="0" indent="0" algn="ctr">
+              <a:buNone/>
             </a:pPr>
-            <a:r>
-              <a:rPr lang="de-DE" sz="2800" b="0" strike="noStrike" spc="-1">
-                <a:solidFill>
-                  <a:srgbClr val="000000"/>
-                </a:solidFill>
-                <a:latin typeface="Arial"/>
-                <a:ea typeface="DejaVu Sans"/>
-              </a:rPr>
-              <a:t>It isn’t supported on the Pi Zero or other devices that use an ARMv6 chip. </a:t>
-            </a:r>
-            <a:endParaRPr lang="de-DE" sz="2800" b="0" strike="noStrike" spc="-1">
-              <a:latin typeface="Arial"/>
-            </a:endParaRPr>
-          </a:p>
-          <a:p>
-            <a:pPr>
-              <a:lnSpc>
-                <a:spcPct val="90000"/>
-              </a:lnSpc>
-              <a:spcBef>
-                <a:spcPts val="1001"/>
-              </a:spcBef>
+            <a:endParaRPr lang="de-DE" sz="3600" dirty="0"/>
+          </a:p>
+          <a:p>
+            <a:pPr marL="0" indent="0" algn="ctr">
+              <a:buNone/>
             </a:pPr>
-            <a:r>
-              <a:rPr lang="de-DE" sz="2800" b="0" strike="noStrike" spc="-1">
-                <a:solidFill>
-                  <a:srgbClr val="000000"/>
-                </a:solidFill>
-                <a:latin typeface="Arial"/>
-                <a:ea typeface="DejaVu Sans"/>
-              </a:rPr>
-              <a:t>.NET Core requires ARMv7 or ARMv8 chips, like the ARM Cortex-A53. </a:t>
-            </a:r>
-            <a:endParaRPr lang="de-DE" sz="2800" b="0" strike="noStrike" spc="-1">
-              <a:latin typeface="Arial"/>
-            </a:endParaRPr>
+            <a:endParaRPr lang="de-DE" sz="3600" dirty="0"/>
+          </a:p>
+          <a:p>
+            <a:pPr marL="0" indent="0" algn="ctr">
+              <a:buNone/>
+            </a:pPr>
+            <a:r>
+              <a:rPr lang="de-DE" sz="3600" dirty="0"/>
+              <a:t>Der Raspberry Pi ist jetzt grundsätzlich bereit</a:t>
+            </a:r>
+          </a:p>
+          <a:p>
+            <a:pPr marL="0" indent="0" algn="ctr">
+              <a:buNone/>
+            </a:pPr>
+            <a:endParaRPr lang="de-DE" sz="3600" dirty="0"/>
+          </a:p>
+          <a:p>
+            <a:pPr marL="0" indent="0" algn="ctr">
+              <a:buNone/>
+            </a:pPr>
+            <a:r>
+              <a:rPr lang="de-DE" sz="3600" dirty="0"/>
+              <a:t>Jetzt kommt die </a:t>
+            </a:r>
+            <a:r>
+              <a:rPr lang="de-DE" sz="3600" dirty="0" err="1"/>
+              <a:t>Enwicklungsumgebung</a:t>
+            </a:r>
+            <a:endParaRPr lang="de-DE" sz="3600" dirty="0"/>
+          </a:p>
+        </p:txBody>
+      </p:sp>
+      <p:sp>
+        <p:nvSpPr>
+          <p:cNvPr id="6" name="Titel 5">
+            <a:extLst>
+              <a:ext uri="{FF2B5EF4-FFF2-40B4-BE49-F238E27FC236}">
+                <a16:creationId xmlns:a16="http://schemas.microsoft.com/office/drawing/2014/main" id="{9E2A0AB3-F040-47A3-BA0C-A9EA3D97045D}"/>
+              </a:ext>
+            </a:extLst>
+          </p:cNvPr>
+          <p:cNvSpPr>
+            <a:spLocks noGrp="1"/>
+          </p:cNvSpPr>
+          <p:nvPr>
+            <p:ph type="title" idx="4294967295"/>
+          </p:nvPr>
+        </p:nvSpPr>
+        <p:spPr>
+          <a:xfrm>
+            <a:off x="1713470" y="301625"/>
+            <a:ext cx="9084705" cy="1262063"/>
+          </a:xfrm>
+        </p:spPr>
+        <p:txBody>
+          <a:bodyPr/>
+          <a:lstStyle/>
+          <a:p>
+            <a:r>
+              <a:rPr lang="de-DE" spc="-1" dirty="0">
+                <a:solidFill>
+                  <a:srgbClr val="000000"/>
+                </a:solidFill>
+              </a:rPr>
+              <a:t>Pi-</a:t>
+            </a:r>
+            <a:r>
+              <a:rPr lang="de-DE" spc="-1" dirty="0" err="1">
+                <a:solidFill>
+                  <a:srgbClr val="000000"/>
+                </a:solidFill>
+              </a:rPr>
+              <a:t>Complete</a:t>
+            </a:r>
+            <a:endParaRPr lang="de-DE" dirty="0"/>
           </a:p>
         </p:txBody>
       </p:sp>
     </p:spTree>
+    <p:extLst>
+      <p:ext uri="{BB962C8B-B14F-4D97-AF65-F5344CB8AC3E}">
+        <p14:creationId xmlns:p14="http://schemas.microsoft.com/office/powerpoint/2010/main" val="590391517"/>
+      </p:ext>
+    </p:extLst>
   </p:cSld>
   <p:clrMapOvr>
     <a:masterClrMapping/>
@@ -11329,14 +11861,14 @@
       </p:grpSpPr>
       <p:sp>
         <p:nvSpPr>
-          <p:cNvPr id="225" name="CustomShape 1"/>
+          <p:cNvPr id="219" name="CustomShape 1"/>
           <p:cNvSpPr/>
           <p:nvPr/>
         </p:nvSpPr>
         <p:spPr>
           <a:xfrm>
-            <a:off x="599040" y="301320"/>
-            <a:ext cx="10797480" cy="5850720"/>
+            <a:off x="599040" y="1828800"/>
+            <a:ext cx="10829880" cy="5393880"/>
           </a:xfrm>
           <a:prstGeom prst="rect">
             <a:avLst/>
@@ -11359,6 +11891,333 @@
           <a:fontRef idx="minor"/>
         </p:style>
         <p:txBody>
+          <a:bodyPr lIns="0" tIns="0" rIns="0" bIns="0">
+            <a:normAutofit fontScale="92500" lnSpcReduction="20000"/>
+          </a:bodyPr>
+          <a:lstStyle/>
+          <a:p>
+            <a:pPr marL="108720">
+              <a:lnSpc>
+                <a:spcPct val="100000"/>
+              </a:lnSpc>
+              <a:spcBef>
+                <a:spcPts val="1417"/>
+              </a:spcBef>
+              <a:buClr>
+                <a:srgbClr val="000000"/>
+              </a:buClr>
+              <a:buSzPct val="45000"/>
+            </a:pPr>
+            <a:r>
+              <a:rPr lang="de-DE" sz="2800" b="1" strike="noStrike" spc="-1" dirty="0">
+                <a:solidFill>
+                  <a:srgbClr val="000000"/>
+                </a:solidFill>
+                <a:latin typeface="Arial"/>
+                <a:ea typeface="DejaVu Sans"/>
+              </a:rPr>
+              <a:t>Windows</a:t>
+            </a:r>
+          </a:p>
+          <a:p>
+            <a:pPr marL="432000" indent="-323280">
+              <a:lnSpc>
+                <a:spcPct val="100000"/>
+              </a:lnSpc>
+              <a:spcBef>
+                <a:spcPts val="1417"/>
+              </a:spcBef>
+              <a:buClr>
+                <a:srgbClr val="000000"/>
+              </a:buClr>
+              <a:buSzPct val="45000"/>
+              <a:buFont typeface="Wingdings" charset="2"/>
+              <a:buChar char=""/>
+            </a:pPr>
+            <a:r>
+              <a:rPr lang="de-DE" sz="2800" b="0" strike="noStrike" spc="-1" dirty="0">
+                <a:latin typeface="Arial"/>
+              </a:rPr>
+              <a:t>VisualStudio 2017</a:t>
+            </a:r>
+          </a:p>
+          <a:p>
+            <a:pPr marL="432000" indent="-323280">
+              <a:lnSpc>
+                <a:spcPct val="100000"/>
+              </a:lnSpc>
+              <a:spcBef>
+                <a:spcPts val="1417"/>
+              </a:spcBef>
+              <a:buClr>
+                <a:srgbClr val="000000"/>
+              </a:buClr>
+              <a:buSzPct val="45000"/>
+              <a:buFont typeface="Wingdings" charset="2"/>
+              <a:buChar char=""/>
+            </a:pPr>
+            <a:r>
+              <a:rPr lang="de-DE" sz="2800" spc="-1" dirty="0">
+                <a:latin typeface="Arial"/>
+              </a:rPr>
+              <a:t>Visual Studio Code</a:t>
+            </a:r>
+          </a:p>
+          <a:p>
+            <a:pPr marL="432000" indent="-323280">
+              <a:lnSpc>
+                <a:spcPct val="100000"/>
+              </a:lnSpc>
+              <a:spcBef>
+                <a:spcPts val="1417"/>
+              </a:spcBef>
+              <a:buClr>
+                <a:srgbClr val="000000"/>
+              </a:buClr>
+              <a:buSzPct val="45000"/>
+              <a:buFont typeface="Wingdings" charset="2"/>
+              <a:buChar char=""/>
+            </a:pPr>
+            <a:r>
+              <a:rPr lang="de-DE" sz="2800" spc="-1" dirty="0" err="1">
+                <a:latin typeface="Arial"/>
+              </a:rPr>
+              <a:t>JetBrains</a:t>
+            </a:r>
+            <a:r>
+              <a:rPr lang="de-DE" sz="2800" spc="-1" dirty="0">
+                <a:latin typeface="Arial"/>
+              </a:rPr>
+              <a:t> Rider</a:t>
+            </a:r>
+            <a:endParaRPr lang="de-DE" sz="2800" b="0" strike="noStrike" spc="-1" dirty="0">
+              <a:latin typeface="Arial"/>
+            </a:endParaRPr>
+          </a:p>
+          <a:p>
+            <a:pPr marL="108720">
+              <a:lnSpc>
+                <a:spcPct val="100000"/>
+              </a:lnSpc>
+              <a:spcBef>
+                <a:spcPts val="1417"/>
+              </a:spcBef>
+              <a:buClr>
+                <a:srgbClr val="000000"/>
+              </a:buClr>
+              <a:buSzPct val="45000"/>
+            </a:pPr>
+            <a:r>
+              <a:rPr lang="de-DE" sz="2800" b="1" strike="noStrike" spc="-1" dirty="0">
+                <a:solidFill>
+                  <a:srgbClr val="000000"/>
+                </a:solidFill>
+                <a:latin typeface="Arial"/>
+                <a:ea typeface="DejaVu Sans"/>
+              </a:rPr>
+              <a:t>Linux</a:t>
+            </a:r>
+          </a:p>
+          <a:p>
+            <a:pPr marL="432000" indent="-323280">
+              <a:lnSpc>
+                <a:spcPct val="100000"/>
+              </a:lnSpc>
+              <a:spcBef>
+                <a:spcPts val="1417"/>
+              </a:spcBef>
+              <a:buClr>
+                <a:srgbClr val="000000"/>
+              </a:buClr>
+              <a:buSzPct val="45000"/>
+              <a:buFont typeface="Wingdings" charset="2"/>
+              <a:buChar char=""/>
+            </a:pPr>
+            <a:r>
+              <a:rPr lang="de-DE" sz="2800" spc="-1" dirty="0"/>
+              <a:t>Visual Studio Code</a:t>
+            </a:r>
+          </a:p>
+          <a:p>
+            <a:pPr marL="432000" indent="-323280">
+              <a:lnSpc>
+                <a:spcPct val="100000"/>
+              </a:lnSpc>
+              <a:spcBef>
+                <a:spcPts val="1417"/>
+              </a:spcBef>
+              <a:buClr>
+                <a:srgbClr val="000000"/>
+              </a:buClr>
+              <a:buSzPct val="45000"/>
+              <a:buFont typeface="Wingdings" charset="2"/>
+              <a:buChar char=""/>
+            </a:pPr>
+            <a:r>
+              <a:rPr lang="de-DE" sz="2800" spc="-1" dirty="0" err="1"/>
+              <a:t>JetBrains</a:t>
+            </a:r>
+            <a:r>
+              <a:rPr lang="de-DE" sz="2800" spc="-1" dirty="0"/>
+              <a:t> Rider</a:t>
+            </a:r>
+          </a:p>
+          <a:p>
+            <a:pPr marL="108720">
+              <a:lnSpc>
+                <a:spcPct val="100000"/>
+              </a:lnSpc>
+              <a:spcBef>
+                <a:spcPts val="1417"/>
+              </a:spcBef>
+              <a:buClr>
+                <a:srgbClr val="000000"/>
+              </a:buClr>
+              <a:buSzPct val="45000"/>
+            </a:pPr>
+            <a:r>
+              <a:rPr lang="de-DE" sz="2800" b="1" spc="-1" dirty="0">
+                <a:solidFill>
+                  <a:srgbClr val="000000"/>
+                </a:solidFill>
+                <a:latin typeface="Arial"/>
+              </a:rPr>
+              <a:t>Raspberry Pi</a:t>
+            </a:r>
+          </a:p>
+          <a:p>
+            <a:pPr marL="432000" indent="-323280">
+              <a:lnSpc>
+                <a:spcPct val="100000"/>
+              </a:lnSpc>
+              <a:spcBef>
+                <a:spcPts val="1417"/>
+              </a:spcBef>
+              <a:buClr>
+                <a:srgbClr val="000000"/>
+              </a:buClr>
+              <a:buSzPct val="45000"/>
+              <a:buFont typeface="Wingdings" charset="2"/>
+              <a:buChar char=""/>
+            </a:pPr>
+            <a:r>
+              <a:rPr lang="de-DE" sz="2800" spc="-1" dirty="0"/>
+              <a:t>Visual Studio Code</a:t>
+            </a:r>
+          </a:p>
+          <a:p>
+            <a:pPr marL="432000" indent="-323280">
+              <a:lnSpc>
+                <a:spcPct val="100000"/>
+              </a:lnSpc>
+              <a:spcBef>
+                <a:spcPts val="1417"/>
+              </a:spcBef>
+              <a:buClr>
+                <a:srgbClr val="000000"/>
+              </a:buClr>
+              <a:buSzPct val="45000"/>
+              <a:buFont typeface="Wingdings" charset="2"/>
+              <a:buChar char=""/>
+            </a:pPr>
+            <a:r>
+              <a:rPr lang="de-DE" sz="2800" spc="-1" dirty="0" err="1"/>
+              <a:t>JetBrains</a:t>
+            </a:r>
+            <a:r>
+              <a:rPr lang="de-DE" sz="2800" spc="-1" dirty="0"/>
+              <a:t> Rider ???</a:t>
+            </a:r>
+          </a:p>
+          <a:p>
+            <a:pPr marL="432000" indent="-323280">
+              <a:lnSpc>
+                <a:spcPct val="100000"/>
+              </a:lnSpc>
+              <a:spcBef>
+                <a:spcPts val="1417"/>
+              </a:spcBef>
+              <a:buClr>
+                <a:srgbClr val="000000"/>
+              </a:buClr>
+              <a:buSzPct val="45000"/>
+              <a:buFont typeface="Wingdings" charset="2"/>
+              <a:buChar char=""/>
+            </a:pPr>
+            <a:r>
+              <a:rPr lang="de-DE" sz="2800" spc="-1" dirty="0"/>
+              <a:t>Mono </a:t>
+            </a:r>
+            <a:r>
+              <a:rPr lang="de-DE" sz="2800" spc="-1" dirty="0" err="1"/>
+              <a:t>Develop</a:t>
+            </a:r>
+            <a:r>
+              <a:rPr lang="de-DE" sz="2800" spc="-1" dirty="0"/>
+              <a:t> (nur Mono = </a:t>
+            </a:r>
+            <a:r>
+              <a:rPr lang="de-DE" sz="2800" spc="-1" dirty="0" err="1"/>
+              <a:t>Full</a:t>
+            </a:r>
+            <a:r>
+              <a:rPr lang="de-DE" sz="2800" spc="-1" dirty="0"/>
+              <a:t> Framework V4.5)</a:t>
+            </a:r>
+          </a:p>
+          <a:p>
+            <a:pPr marL="432000" indent="-323280">
+              <a:lnSpc>
+                <a:spcPct val="100000"/>
+              </a:lnSpc>
+              <a:spcBef>
+                <a:spcPts val="1417"/>
+              </a:spcBef>
+              <a:buClr>
+                <a:srgbClr val="000000"/>
+              </a:buClr>
+              <a:buSzPct val="45000"/>
+              <a:buFont typeface="Wingdings" charset="2"/>
+              <a:buChar char=""/>
+            </a:pPr>
+            <a:endParaRPr lang="de-DE" sz="2800" b="0" strike="noStrike" spc="-1" dirty="0">
+              <a:latin typeface="Arial"/>
+            </a:endParaRPr>
+          </a:p>
+        </p:txBody>
+      </p:sp>
+      <p:sp>
+        <p:nvSpPr>
+          <p:cNvPr id="220" name="CustomShape 2"/>
+          <p:cNvSpPr/>
+          <p:nvPr/>
+        </p:nvSpPr>
+        <p:spPr>
+          <a:xfrm>
+            <a:off x="1778040" y="301320"/>
+            <a:ext cx="9618480" cy="1261080"/>
+          </a:xfrm>
+          <a:prstGeom prst="rect">
+            <a:avLst/>
+          </a:prstGeom>
+          <a:noFill/>
+          <a:ln>
+            <a:noFill/>
+          </a:ln>
+        </p:spPr>
+        <p:style>
+          <a:lnRef idx="0">
+            <a:scrgbClr r="0" g="0" b="0"/>
+          </a:lnRef>
+          <a:fillRef idx="0">
+            <a:scrgbClr r="0" g="0" b="0"/>
+          </a:fillRef>
+          <a:effectRef idx="0">
+            <a:scrgbClr r="0" g="0" b="0"/>
+          </a:effectRef>
+          <a:fontRef idx="minor"/>
+        </p:style>
+        <p:txBody>
           <a:bodyPr lIns="0" tIns="0" rIns="0" bIns="0" anchor="ctr"/>
           <a:lstStyle/>
           <a:p>
@@ -11366,40 +12225,29 @@
               <a:lnSpc>
                 <a:spcPct val="90000"/>
               </a:lnSpc>
-              <a:spcBef>
-                <a:spcPts val="1001"/>
-              </a:spcBef>
             </a:pPr>
             <a:r>
-              <a:rPr lang="de-DE" sz="2800" b="0" strike="noStrike" spc="-1">
+              <a:rPr lang="de-DE" sz="4400" b="0" strike="noStrike" spc="-1" dirty="0">
                 <a:solidFill>
                   <a:srgbClr val="000000"/>
                 </a:solidFill>
                 <a:latin typeface="Arial"/>
                 <a:ea typeface="DejaVu Sans"/>
               </a:rPr>
-              <a:t>dotnet publish --self-contained -r linux-arm</a:t>
-            </a:r>
-            <a:endParaRPr lang="de-DE" sz="2800" b="0" strike="noStrike" spc="-1">
-              <a:latin typeface="Arial"/>
-            </a:endParaRPr>
-          </a:p>
-          <a:p>
-            <a:pPr>
-              <a:lnSpc>
-                <a:spcPct val="90000"/>
-              </a:lnSpc>
-              <a:spcBef>
-                <a:spcPts val="1001"/>
-              </a:spcBef>
-            </a:pPr>
-            <a:endParaRPr lang="de-DE" sz="2800" b="0" strike="noStrike" spc="-1">
+              <a:t>Entwicklungsumgebung</a:t>
+            </a:r>
+            <a:endParaRPr lang="de-DE" sz="4400" b="0" strike="noStrike" spc="-1" dirty="0">
               <a:latin typeface="Arial"/>
             </a:endParaRPr>
           </a:p>
         </p:txBody>
       </p:sp>
     </p:spTree>
+    <p:extLst>
+      <p:ext uri="{BB962C8B-B14F-4D97-AF65-F5344CB8AC3E}">
+        <p14:creationId xmlns:p14="http://schemas.microsoft.com/office/powerpoint/2010/main" val="1461898491"/>
+      </p:ext>
+    </p:extLst>
   </p:cSld>
   <p:clrMapOvr>
     <a:masterClrMapping/>
@@ -11453,14 +12301,14 @@
       </p:grpSpPr>
       <p:sp>
         <p:nvSpPr>
-          <p:cNvPr id="226" name="CustomShape 1"/>
+          <p:cNvPr id="219" name="CustomShape 1"/>
           <p:cNvSpPr/>
           <p:nvPr/>
         </p:nvSpPr>
         <p:spPr>
           <a:xfrm>
-            <a:off x="599040" y="301320"/>
-            <a:ext cx="10797480" cy="5850720"/>
+            <a:off x="599040" y="1828800"/>
+            <a:ext cx="10829880" cy="5393880"/>
           </a:xfrm>
           <a:prstGeom prst="rect">
             <a:avLst/>
@@ -11483,95 +12331,309 @@
           <a:fontRef idx="minor"/>
         </p:style>
         <p:txBody>
-          <a:bodyPr lIns="0" tIns="0" rIns="0" bIns="0" anchor="ctr"/>
-          <a:lstStyle/>
-          <a:p>
-            <a:pPr marL="228600" indent="-227520">
+          <a:bodyPr lIns="0" tIns="0" rIns="0" bIns="0">
+            <a:normAutofit/>
+          </a:bodyPr>
+          <a:lstStyle/>
+          <a:p>
+            <a:pPr marL="108720">
               <a:lnSpc>
-                <a:spcPct val="90000"/>
+                <a:spcPct val="100000"/>
               </a:lnSpc>
               <a:spcBef>
-                <a:spcPts val="1001"/>
+                <a:spcPts val="1417"/>
               </a:spcBef>
               <a:buClr>
                 <a:srgbClr val="000000"/>
               </a:buClr>
-              <a:buFont typeface="Arial"/>
-              <a:buChar char="•"/>
+              <a:buSzPct val="45000"/>
             </a:pPr>
             <a:r>
-              <a:rPr lang="de-DE" sz="2800" b="0" strike="noStrike" spc="-1">
+              <a:rPr lang="de-DE" sz="2800" b="1" strike="noStrike" spc="-1" dirty="0">
                 <a:solidFill>
                   <a:srgbClr val="000000"/>
                 </a:solidFill>
                 <a:latin typeface="Arial"/>
                 <a:ea typeface="DejaVu Sans"/>
               </a:rPr>
-              <a:t>GPIO - Ampel</a:t>
-            </a:r>
-            <a:endParaRPr lang="de-DE" sz="2800" b="0" strike="noStrike" spc="-1">
-              <a:latin typeface="Arial"/>
-            </a:endParaRPr>
-          </a:p>
-          <a:p>
-            <a:pPr marL="228600" indent="-227520">
+              <a:t>Projekt erstellen (</a:t>
+            </a:r>
+            <a:r>
+              <a:rPr lang="de-DE" sz="2800" b="1" strike="noStrike" spc="-1" dirty="0" err="1">
+                <a:solidFill>
+                  <a:srgbClr val="000000"/>
+                </a:solidFill>
+                <a:latin typeface="Arial"/>
+                <a:ea typeface="DejaVu Sans"/>
+              </a:rPr>
+              <a:t>Console</a:t>
+            </a:r>
+            <a:r>
+              <a:rPr lang="de-DE" sz="2800" b="1" strike="noStrike" spc="-1" dirty="0">
+                <a:solidFill>
+                  <a:srgbClr val="000000"/>
+                </a:solidFill>
+                <a:latin typeface="Arial"/>
+                <a:ea typeface="DejaVu Sans"/>
+              </a:rPr>
+              <a:t>)</a:t>
+            </a:r>
+          </a:p>
+          <a:p>
+            <a:pPr marL="108720">
               <a:lnSpc>
-                <a:spcPct val="90000"/>
+                <a:spcPct val="100000"/>
               </a:lnSpc>
               <a:spcBef>
-                <a:spcPts val="1001"/>
+                <a:spcPts val="1417"/>
               </a:spcBef>
               <a:buClr>
                 <a:srgbClr val="000000"/>
               </a:buClr>
-              <a:buFont typeface="Arial"/>
-              <a:buChar char="•"/>
+              <a:buSzPct val="45000"/>
             </a:pPr>
-            <a:r>
-              <a:rPr lang="de-DE" sz="2800" b="0" strike="noStrike" spc="-1">
-                <a:solidFill>
-                  <a:srgbClr val="000000"/>
-                </a:solidFill>
-                <a:latin typeface="Arial"/>
-                <a:ea typeface="DejaVu Sans"/>
-              </a:rPr>
-              <a:t>5V / 3v3 - Wanderer</a:t>
-            </a:r>
-            <a:endParaRPr lang="de-DE" sz="2800" b="0" strike="noStrike" spc="-1">
-              <a:latin typeface="Arial"/>
-            </a:endParaRPr>
-          </a:p>
-          <a:p>
-            <a:pPr marL="228600" indent="-227520">
+            <a:endParaRPr lang="de-DE" sz="2800" spc="-1" dirty="0">
+              <a:solidFill>
+                <a:srgbClr val="000000"/>
+              </a:solidFill>
+              <a:latin typeface="Arial"/>
+            </a:endParaRPr>
+          </a:p>
+          <a:p>
+            <a:pPr marL="108720">
               <a:lnSpc>
-                <a:spcPct val="90000"/>
+                <a:spcPct val="100000"/>
               </a:lnSpc>
               <a:spcBef>
-                <a:spcPts val="1001"/>
+                <a:spcPts val="1417"/>
               </a:spcBef>
               <a:buClr>
                 <a:srgbClr val="000000"/>
               </a:buClr>
-              <a:buFont typeface="Arial"/>
-              <a:buChar char="•"/>
+              <a:buSzPct val="45000"/>
             </a:pPr>
             <a:r>
-              <a:rPr lang="de-DE" sz="2800" b="0" strike="noStrike" spc="-1">
+              <a:rPr lang="de-DE" sz="2800" spc="-1" dirty="0">
+                <a:solidFill>
+                  <a:srgbClr val="000000"/>
+                </a:solidFill>
+                <a:latin typeface="Arial"/>
+              </a:rPr>
+              <a:t>File – New – Project – Visual C# / -NET Core – </a:t>
+            </a:r>
+            <a:r>
+              <a:rPr lang="de-DE" sz="2800" spc="-1" dirty="0" err="1">
+                <a:solidFill>
+                  <a:srgbClr val="000000"/>
+                </a:solidFill>
+                <a:latin typeface="Arial"/>
+              </a:rPr>
+              <a:t>Console</a:t>
+            </a:r>
+            <a:r>
+              <a:rPr lang="de-DE" sz="2800" spc="-1" dirty="0">
+                <a:solidFill>
+                  <a:srgbClr val="000000"/>
+                </a:solidFill>
+                <a:latin typeface="Arial"/>
+              </a:rPr>
+              <a:t> App</a:t>
+            </a:r>
+          </a:p>
+          <a:p>
+            <a:pPr marL="108720">
+              <a:lnSpc>
+                <a:spcPct val="100000"/>
+              </a:lnSpc>
+              <a:spcBef>
+                <a:spcPts val="1417"/>
+              </a:spcBef>
+              <a:buClr>
+                <a:srgbClr val="000000"/>
+              </a:buClr>
+              <a:buSzPct val="45000"/>
+            </a:pPr>
+            <a:endParaRPr lang="de-DE" sz="2800" spc="-1" dirty="0">
+              <a:solidFill>
+                <a:srgbClr val="000000"/>
+              </a:solidFill>
+              <a:latin typeface="Arial"/>
+            </a:endParaRPr>
+          </a:p>
+          <a:p>
+            <a:pPr marL="108720">
+              <a:lnSpc>
+                <a:spcPct val="100000"/>
+              </a:lnSpc>
+              <a:spcBef>
+                <a:spcPts val="1417"/>
+              </a:spcBef>
+              <a:buClr>
+                <a:srgbClr val="000000"/>
+              </a:buClr>
+              <a:buSzPct val="45000"/>
+            </a:pPr>
+            <a:r>
+              <a:rPr lang="de-DE" sz="2800" spc="-1" dirty="0">
+                <a:solidFill>
+                  <a:srgbClr val="000000"/>
+                </a:solidFill>
+                <a:latin typeface="Arial"/>
+              </a:rPr>
+              <a:t>„F5“</a:t>
+            </a:r>
+          </a:p>
+          <a:p>
+            <a:pPr marL="108720">
+              <a:lnSpc>
+                <a:spcPct val="100000"/>
+              </a:lnSpc>
+              <a:spcBef>
+                <a:spcPts val="1417"/>
+              </a:spcBef>
+              <a:buClr>
+                <a:srgbClr val="000000"/>
+              </a:buClr>
+              <a:buSzPct val="45000"/>
+            </a:pPr>
+            <a:endParaRPr lang="de-DE" sz="2800" spc="-1" dirty="0">
+              <a:solidFill>
+                <a:srgbClr val="000000"/>
+              </a:solidFill>
+              <a:latin typeface="Arial"/>
+            </a:endParaRPr>
+          </a:p>
+          <a:p>
+            <a:pPr marL="108720">
+              <a:lnSpc>
+                <a:spcPct val="100000"/>
+              </a:lnSpc>
+              <a:spcBef>
+                <a:spcPts val="1417"/>
+              </a:spcBef>
+              <a:buClr>
+                <a:srgbClr val="000000"/>
+              </a:buClr>
+              <a:buSzPct val="45000"/>
+            </a:pPr>
+            <a:r>
+              <a:rPr lang="de-DE" sz="2800" spc="-1" dirty="0">
+                <a:solidFill>
+                  <a:srgbClr val="000000"/>
+                </a:solidFill>
+                <a:latin typeface="Arial"/>
+              </a:rPr>
+              <a:t>Läuft – was muss jetzt getan werden?</a:t>
+            </a:r>
+          </a:p>
+          <a:p>
+            <a:pPr marL="108720">
+              <a:lnSpc>
+                <a:spcPct val="100000"/>
+              </a:lnSpc>
+              <a:spcBef>
+                <a:spcPts val="1417"/>
+              </a:spcBef>
+              <a:buClr>
+                <a:srgbClr val="000000"/>
+              </a:buClr>
+              <a:buSzPct val="45000"/>
+            </a:pPr>
+            <a:endParaRPr lang="de-DE" sz="2800" spc="-1" dirty="0">
+              <a:solidFill>
+                <a:srgbClr val="000000"/>
+              </a:solidFill>
+              <a:latin typeface="Arial"/>
+            </a:endParaRPr>
+          </a:p>
+          <a:p>
+            <a:pPr marL="108720">
+              <a:lnSpc>
+                <a:spcPct val="100000"/>
+              </a:lnSpc>
+              <a:spcBef>
+                <a:spcPts val="1417"/>
+              </a:spcBef>
+              <a:buClr>
+                <a:srgbClr val="000000"/>
+              </a:buClr>
+              <a:buSzPct val="45000"/>
+            </a:pPr>
+            <a:endParaRPr lang="de-DE" sz="2800" spc="-1" dirty="0">
+              <a:solidFill>
+                <a:srgbClr val="000000"/>
+              </a:solidFill>
+              <a:latin typeface="Arial"/>
+            </a:endParaRPr>
+          </a:p>
+        </p:txBody>
+      </p:sp>
+      <p:sp>
+        <p:nvSpPr>
+          <p:cNvPr id="220" name="CustomShape 2"/>
+          <p:cNvSpPr/>
+          <p:nvPr/>
+        </p:nvSpPr>
+        <p:spPr>
+          <a:xfrm>
+            <a:off x="1778040" y="301320"/>
+            <a:ext cx="9618480" cy="1261080"/>
+          </a:xfrm>
+          <a:prstGeom prst="rect">
+            <a:avLst/>
+          </a:prstGeom>
+          <a:noFill/>
+          <a:ln>
+            <a:noFill/>
+          </a:ln>
+        </p:spPr>
+        <p:style>
+          <a:lnRef idx="0">
+            <a:scrgbClr r="0" g="0" b="0"/>
+          </a:lnRef>
+          <a:fillRef idx="0">
+            <a:scrgbClr r="0" g="0" b="0"/>
+          </a:fillRef>
+          <a:effectRef idx="0">
+            <a:scrgbClr r="0" g="0" b="0"/>
+          </a:effectRef>
+          <a:fontRef idx="minor"/>
+        </p:style>
+        <p:txBody>
+          <a:bodyPr lIns="0" tIns="0" rIns="0" bIns="0" anchor="ctr"/>
+          <a:lstStyle/>
+          <a:p>
+            <a:pPr>
+              <a:lnSpc>
+                <a:spcPct val="90000"/>
+              </a:lnSpc>
+            </a:pPr>
+            <a:r>
+              <a:rPr lang="de-DE" sz="4400" b="0" strike="noStrike" spc="-1" dirty="0">
                 <a:solidFill>
                   <a:srgbClr val="000000"/>
                 </a:solidFill>
                 <a:latin typeface="Arial"/>
                 <a:ea typeface="DejaVu Sans"/>
               </a:rPr>
-              <a:t>Löten :-/ - </a:t>
-            </a:r>
-            <a:endParaRPr lang="de-DE" sz="2800" b="0" strike="noStrike" spc="-1">
+              <a:t>Windows - </a:t>
+            </a:r>
+            <a:r>
+              <a:rPr lang="de-DE" sz="4400" spc="-1" dirty="0"/>
+              <a:t>VisualStudio 2017</a:t>
+            </a:r>
+            <a:endParaRPr lang="de-DE" sz="4400" b="0" strike="noStrike" spc="-1" dirty="0">
               <a:latin typeface="Arial"/>
             </a:endParaRPr>
           </a:p>
         </p:txBody>
       </p:sp>
     </p:spTree>
+    <p:extLst>
+      <p:ext uri="{BB962C8B-B14F-4D97-AF65-F5344CB8AC3E}">
+        <p14:creationId xmlns:p14="http://schemas.microsoft.com/office/powerpoint/2010/main" val="1401450812"/>
+      </p:ext>
+    </p:extLst>
   </p:cSld>
   <p:clrMapOvr>
     <a:masterClrMapping/>
@@ -11625,14 +12687,14 @@
       </p:grpSpPr>
       <p:sp>
         <p:nvSpPr>
-          <p:cNvPr id="227" name="CustomShape 1"/>
+          <p:cNvPr id="219" name="CustomShape 1"/>
           <p:cNvSpPr/>
           <p:nvPr/>
         </p:nvSpPr>
         <p:spPr>
           <a:xfrm>
-            <a:off x="599040" y="301320"/>
-            <a:ext cx="10797480" cy="5850720"/>
+            <a:off x="599040" y="1828800"/>
+            <a:ext cx="10829880" cy="5393880"/>
           </a:xfrm>
           <a:prstGeom prst="rect">
             <a:avLst/>
@@ -11654,8 +12716,503 @@
           </a:effectRef>
           <a:fontRef idx="minor"/>
         </p:style>
+        <p:txBody>
+          <a:bodyPr lIns="0" tIns="0" rIns="0" bIns="0">
+            <a:normAutofit/>
+          </a:bodyPr>
+          <a:lstStyle/>
+          <a:p>
+            <a:pPr marL="108720">
+              <a:lnSpc>
+                <a:spcPct val="100000"/>
+              </a:lnSpc>
+              <a:spcBef>
+                <a:spcPts val="1417"/>
+              </a:spcBef>
+              <a:buClr>
+                <a:srgbClr val="000000"/>
+              </a:buClr>
+              <a:buSzPct val="45000"/>
+            </a:pPr>
+            <a:r>
+              <a:rPr lang="de-DE" sz="2800" b="1" strike="noStrike" spc="-1" dirty="0">
+                <a:solidFill>
+                  <a:srgbClr val="000000"/>
+                </a:solidFill>
+                <a:latin typeface="Arial"/>
+                <a:ea typeface="DejaVu Sans"/>
+              </a:rPr>
+              <a:t>Anpassung der Zielplattform</a:t>
+            </a:r>
+          </a:p>
+          <a:p>
+            <a:pPr marL="108720">
+              <a:lnSpc>
+                <a:spcPct val="100000"/>
+              </a:lnSpc>
+              <a:spcBef>
+                <a:spcPts val="1417"/>
+              </a:spcBef>
+              <a:buClr>
+                <a:srgbClr val="000000"/>
+              </a:buClr>
+              <a:buSzPct val="45000"/>
+            </a:pPr>
+            <a:endParaRPr lang="de-DE" sz="2800" spc="-1" dirty="0">
+              <a:solidFill>
+                <a:srgbClr val="000000"/>
+              </a:solidFill>
+              <a:latin typeface="Arial"/>
+            </a:endParaRPr>
+          </a:p>
+          <a:p>
+            <a:pPr marL="108720">
+              <a:lnSpc>
+                <a:spcPct val="100000"/>
+              </a:lnSpc>
+              <a:spcBef>
+                <a:spcPts val="1417"/>
+              </a:spcBef>
+              <a:buClr>
+                <a:srgbClr val="000000"/>
+              </a:buClr>
+              <a:buSzPct val="45000"/>
+            </a:pPr>
+            <a:r>
+              <a:rPr lang="de-DE" sz="2800" spc="-1" dirty="0">
+                <a:solidFill>
+                  <a:srgbClr val="000000"/>
+                </a:solidFill>
+                <a:latin typeface="Arial"/>
+              </a:rPr>
+              <a:t>Edit </a:t>
+            </a:r>
+            <a:r>
+              <a:rPr lang="de-DE" sz="2800" spc="-1" dirty="0" err="1">
+                <a:solidFill>
+                  <a:srgbClr val="000000"/>
+                </a:solidFill>
+                <a:latin typeface="Arial"/>
+              </a:rPr>
+              <a:t>csproj</a:t>
+            </a:r>
+            <a:r>
+              <a:rPr lang="de-DE" sz="2800" spc="-1" dirty="0">
+                <a:solidFill>
+                  <a:srgbClr val="000000"/>
+                </a:solidFill>
+                <a:latin typeface="Arial"/>
+              </a:rPr>
+              <a:t> </a:t>
+            </a:r>
+            <a:r>
+              <a:rPr lang="de-DE" sz="2800" spc="-1" dirty="0">
+                <a:solidFill>
+                  <a:srgbClr val="000000"/>
+                </a:solidFill>
+              </a:rPr>
+              <a:t>– </a:t>
+            </a:r>
+            <a:r>
+              <a:rPr lang="de-DE" sz="2800" spc="-1" dirty="0" err="1">
+                <a:solidFill>
+                  <a:srgbClr val="000000"/>
+                </a:solidFill>
+              </a:rPr>
+              <a:t>RuntimeIdentifiers</a:t>
+            </a:r>
+            <a:r>
+              <a:rPr lang="de-DE" sz="2800" spc="-1" dirty="0">
+                <a:solidFill>
+                  <a:srgbClr val="000000"/>
+                </a:solidFill>
+              </a:rPr>
+              <a:t> hinzufügen</a:t>
+            </a:r>
+            <a:endParaRPr lang="de-DE" sz="2800" spc="-1" dirty="0">
+              <a:solidFill>
+                <a:srgbClr val="000000"/>
+              </a:solidFill>
+              <a:latin typeface="Arial"/>
+            </a:endParaRPr>
+          </a:p>
+          <a:p>
+            <a:pPr marL="108720">
+              <a:lnSpc>
+                <a:spcPct val="100000"/>
+              </a:lnSpc>
+              <a:spcBef>
+                <a:spcPts val="1417"/>
+              </a:spcBef>
+              <a:buClr>
+                <a:srgbClr val="000000"/>
+              </a:buClr>
+              <a:buSzPct val="45000"/>
+            </a:pPr>
+            <a:endParaRPr lang="de-DE" sz="2800" spc="-1" dirty="0">
+              <a:solidFill>
+                <a:srgbClr val="000000"/>
+              </a:solidFill>
+              <a:latin typeface="Arial"/>
+            </a:endParaRPr>
+          </a:p>
+          <a:p>
+            <a:r>
+              <a:rPr lang="de-DE" sz="2400" dirty="0">
+                <a:solidFill>
+                  <a:srgbClr val="0000FF"/>
+                </a:solidFill>
+                <a:latin typeface="Consolas" panose="020B0609020204030204" pitchFamily="49" charset="0"/>
+              </a:rPr>
+              <a:t>  &lt;</a:t>
+            </a:r>
+            <a:r>
+              <a:rPr lang="de-DE" sz="2400" dirty="0" err="1">
+                <a:solidFill>
+                  <a:srgbClr val="A31515"/>
+                </a:solidFill>
+                <a:latin typeface="Consolas" panose="020B0609020204030204" pitchFamily="49" charset="0"/>
+              </a:rPr>
+              <a:t>PropertyGroup</a:t>
+            </a:r>
+            <a:r>
+              <a:rPr lang="de-DE" sz="2400" dirty="0">
+                <a:solidFill>
+                  <a:srgbClr val="0000FF"/>
+                </a:solidFill>
+                <a:latin typeface="Consolas" panose="020B0609020204030204" pitchFamily="49" charset="0"/>
+              </a:rPr>
+              <a:t>&gt;</a:t>
+            </a:r>
+            <a:endParaRPr lang="de-DE" sz="2400" dirty="0">
+              <a:solidFill>
+                <a:srgbClr val="000000"/>
+              </a:solidFill>
+              <a:latin typeface="Consolas" panose="020B0609020204030204" pitchFamily="49" charset="0"/>
+            </a:endParaRPr>
+          </a:p>
+          <a:p>
+            <a:r>
+              <a:rPr lang="de-DE" sz="2400" dirty="0">
+                <a:solidFill>
+                  <a:srgbClr val="0000FF"/>
+                </a:solidFill>
+                <a:latin typeface="Consolas" panose="020B0609020204030204" pitchFamily="49" charset="0"/>
+              </a:rPr>
+              <a:t>    &lt;</a:t>
+            </a:r>
+            <a:r>
+              <a:rPr lang="de-DE" sz="2400" dirty="0" err="1">
+                <a:solidFill>
+                  <a:srgbClr val="A31515"/>
+                </a:solidFill>
+                <a:latin typeface="Consolas" panose="020B0609020204030204" pitchFamily="49" charset="0"/>
+              </a:rPr>
+              <a:t>OutputType</a:t>
+            </a:r>
+            <a:r>
+              <a:rPr lang="de-DE" sz="2400" dirty="0">
+                <a:solidFill>
+                  <a:srgbClr val="0000FF"/>
+                </a:solidFill>
+                <a:latin typeface="Consolas" panose="020B0609020204030204" pitchFamily="49" charset="0"/>
+              </a:rPr>
+              <a:t>&gt;</a:t>
+            </a:r>
+            <a:r>
+              <a:rPr lang="de-DE" sz="2400" dirty="0">
+                <a:solidFill>
+                  <a:srgbClr val="000000"/>
+                </a:solidFill>
+                <a:latin typeface="Consolas" panose="020B0609020204030204" pitchFamily="49" charset="0"/>
+              </a:rPr>
+              <a:t>Exe</a:t>
+            </a:r>
+            <a:r>
+              <a:rPr lang="de-DE" sz="2400" dirty="0">
+                <a:solidFill>
+                  <a:srgbClr val="0000FF"/>
+                </a:solidFill>
+                <a:latin typeface="Consolas" panose="020B0609020204030204" pitchFamily="49" charset="0"/>
+              </a:rPr>
+              <a:t>&lt;/</a:t>
+            </a:r>
+            <a:r>
+              <a:rPr lang="de-DE" sz="2400" dirty="0" err="1">
+                <a:solidFill>
+                  <a:srgbClr val="A31515"/>
+                </a:solidFill>
+                <a:latin typeface="Consolas" panose="020B0609020204030204" pitchFamily="49" charset="0"/>
+              </a:rPr>
+              <a:t>OutputType</a:t>
+            </a:r>
+            <a:r>
+              <a:rPr lang="de-DE" sz="2400" dirty="0">
+                <a:solidFill>
+                  <a:srgbClr val="0000FF"/>
+                </a:solidFill>
+                <a:latin typeface="Consolas" panose="020B0609020204030204" pitchFamily="49" charset="0"/>
+              </a:rPr>
+              <a:t>&gt;</a:t>
+            </a:r>
+            <a:endParaRPr lang="de-DE" sz="2400" dirty="0">
+              <a:solidFill>
+                <a:srgbClr val="000000"/>
+              </a:solidFill>
+              <a:latin typeface="Consolas" panose="020B0609020204030204" pitchFamily="49" charset="0"/>
+            </a:endParaRPr>
+          </a:p>
+          <a:p>
+            <a:r>
+              <a:rPr lang="de-DE" sz="2400" dirty="0">
+                <a:solidFill>
+                  <a:srgbClr val="0000FF"/>
+                </a:solidFill>
+                <a:latin typeface="Consolas" panose="020B0609020204030204" pitchFamily="49" charset="0"/>
+              </a:rPr>
+              <a:t>    &lt;</a:t>
+            </a:r>
+            <a:r>
+              <a:rPr lang="de-DE" sz="2400" dirty="0" err="1">
+                <a:solidFill>
+                  <a:srgbClr val="A31515"/>
+                </a:solidFill>
+                <a:latin typeface="Consolas" panose="020B0609020204030204" pitchFamily="49" charset="0"/>
+              </a:rPr>
+              <a:t>TargetFramework</a:t>
+            </a:r>
+            <a:r>
+              <a:rPr lang="de-DE" sz="2400" dirty="0">
+                <a:solidFill>
+                  <a:srgbClr val="0000FF"/>
+                </a:solidFill>
+                <a:latin typeface="Consolas" panose="020B0609020204030204" pitchFamily="49" charset="0"/>
+              </a:rPr>
+              <a:t>&gt;</a:t>
+            </a:r>
+            <a:r>
+              <a:rPr lang="de-DE" sz="2400" dirty="0">
+                <a:solidFill>
+                  <a:srgbClr val="000000"/>
+                </a:solidFill>
+                <a:latin typeface="Consolas" panose="020B0609020204030204" pitchFamily="49" charset="0"/>
+              </a:rPr>
+              <a:t>netcoreapp2.1</a:t>
+            </a:r>
+            <a:r>
+              <a:rPr lang="de-DE" sz="2400" dirty="0">
+                <a:solidFill>
+                  <a:srgbClr val="0000FF"/>
+                </a:solidFill>
+                <a:latin typeface="Consolas" panose="020B0609020204030204" pitchFamily="49" charset="0"/>
+              </a:rPr>
+              <a:t>&lt;/</a:t>
+            </a:r>
+            <a:r>
+              <a:rPr lang="de-DE" sz="2400" dirty="0" err="1">
+                <a:solidFill>
+                  <a:srgbClr val="A31515"/>
+                </a:solidFill>
+                <a:latin typeface="Consolas" panose="020B0609020204030204" pitchFamily="49" charset="0"/>
+              </a:rPr>
+              <a:t>TargetFramework</a:t>
+            </a:r>
+            <a:r>
+              <a:rPr lang="de-DE" sz="2400" dirty="0">
+                <a:solidFill>
+                  <a:srgbClr val="0000FF"/>
+                </a:solidFill>
+                <a:latin typeface="Consolas" panose="020B0609020204030204" pitchFamily="49" charset="0"/>
+              </a:rPr>
+              <a:t>&gt;</a:t>
+            </a:r>
+            <a:endParaRPr lang="de-DE" sz="2400" dirty="0">
+              <a:solidFill>
+                <a:srgbClr val="000000"/>
+              </a:solidFill>
+              <a:latin typeface="Consolas" panose="020B0609020204030204" pitchFamily="49" charset="0"/>
+            </a:endParaRPr>
+          </a:p>
+          <a:p>
+            <a:r>
+              <a:rPr lang="de-DE" sz="2400" dirty="0">
+                <a:solidFill>
+                  <a:srgbClr val="0000FF"/>
+                </a:solidFill>
+                <a:latin typeface="Consolas" panose="020B0609020204030204" pitchFamily="49" charset="0"/>
+              </a:rPr>
+              <a:t>    &lt;</a:t>
+            </a:r>
+            <a:r>
+              <a:rPr lang="de-DE" sz="2400" dirty="0" err="1">
+                <a:solidFill>
+                  <a:srgbClr val="A31515"/>
+                </a:solidFill>
+                <a:latin typeface="Consolas" panose="020B0609020204030204" pitchFamily="49" charset="0"/>
+              </a:rPr>
+              <a:t>RuntimeIdentifiers</a:t>
+            </a:r>
+            <a:r>
+              <a:rPr lang="de-DE" sz="2400" dirty="0">
+                <a:solidFill>
+                  <a:srgbClr val="0000FF"/>
+                </a:solidFill>
+                <a:latin typeface="Consolas" panose="020B0609020204030204" pitchFamily="49" charset="0"/>
+              </a:rPr>
+              <a:t>&gt;</a:t>
+            </a:r>
+            <a:r>
+              <a:rPr lang="de-DE" sz="2400" dirty="0" err="1">
+                <a:solidFill>
+                  <a:srgbClr val="000000"/>
+                </a:solidFill>
+                <a:latin typeface="Consolas" panose="020B0609020204030204" pitchFamily="49" charset="0"/>
+              </a:rPr>
+              <a:t>linux</a:t>
+            </a:r>
+            <a:r>
+              <a:rPr lang="de-DE" sz="2400" dirty="0">
+                <a:solidFill>
+                  <a:srgbClr val="000000"/>
+                </a:solidFill>
+                <a:latin typeface="Consolas" panose="020B0609020204030204" pitchFamily="49" charset="0"/>
+              </a:rPr>
+              <a:t>-arm</a:t>
+            </a:r>
+            <a:r>
+              <a:rPr lang="de-DE" sz="2400" dirty="0">
+                <a:solidFill>
+                  <a:srgbClr val="0000FF"/>
+                </a:solidFill>
+                <a:latin typeface="Consolas" panose="020B0609020204030204" pitchFamily="49" charset="0"/>
+              </a:rPr>
+              <a:t>&lt;/</a:t>
+            </a:r>
+            <a:r>
+              <a:rPr lang="de-DE" sz="2400" dirty="0" err="1">
+                <a:solidFill>
+                  <a:srgbClr val="A31515"/>
+                </a:solidFill>
+                <a:latin typeface="Consolas" panose="020B0609020204030204" pitchFamily="49" charset="0"/>
+              </a:rPr>
+              <a:t>RuntimeIdentifiers</a:t>
+            </a:r>
+            <a:r>
+              <a:rPr lang="de-DE" sz="2400" dirty="0">
+                <a:solidFill>
+                  <a:srgbClr val="0000FF"/>
+                </a:solidFill>
+                <a:latin typeface="Consolas" panose="020B0609020204030204" pitchFamily="49" charset="0"/>
+              </a:rPr>
+              <a:t>&gt;</a:t>
+            </a:r>
+            <a:endParaRPr lang="de-DE" sz="2400" dirty="0">
+              <a:solidFill>
+                <a:srgbClr val="000000"/>
+              </a:solidFill>
+              <a:latin typeface="Consolas" panose="020B0609020204030204" pitchFamily="49" charset="0"/>
+            </a:endParaRPr>
+          </a:p>
+          <a:p>
+            <a:r>
+              <a:rPr lang="de-DE" sz="2400" dirty="0">
+                <a:solidFill>
+                  <a:srgbClr val="0000FF"/>
+                </a:solidFill>
+                <a:latin typeface="Consolas" panose="020B0609020204030204" pitchFamily="49" charset="0"/>
+              </a:rPr>
+              <a:t>  &lt;/</a:t>
+            </a:r>
+            <a:r>
+              <a:rPr lang="de-DE" sz="2400" dirty="0" err="1">
+                <a:solidFill>
+                  <a:srgbClr val="A31515"/>
+                </a:solidFill>
+                <a:latin typeface="Consolas" panose="020B0609020204030204" pitchFamily="49" charset="0"/>
+              </a:rPr>
+              <a:t>PropertyGroup</a:t>
+            </a:r>
+            <a:r>
+              <a:rPr lang="de-DE" sz="2400" dirty="0">
+                <a:solidFill>
+                  <a:srgbClr val="0000FF"/>
+                </a:solidFill>
+                <a:latin typeface="Consolas" panose="020B0609020204030204" pitchFamily="49" charset="0"/>
+              </a:rPr>
+              <a:t>&gt;</a:t>
+            </a:r>
+            <a:endParaRPr lang="de-DE" sz="2400" strike="noStrike" spc="-1" dirty="0">
+              <a:latin typeface="Arial"/>
+            </a:endParaRPr>
+          </a:p>
+        </p:txBody>
+      </p:sp>
+      <p:sp>
+        <p:nvSpPr>
+          <p:cNvPr id="220" name="CustomShape 2"/>
+          <p:cNvSpPr/>
+          <p:nvPr/>
+        </p:nvSpPr>
+        <p:spPr>
+          <a:xfrm>
+            <a:off x="1778040" y="301320"/>
+            <a:ext cx="9618480" cy="1261080"/>
+          </a:xfrm>
+          <a:prstGeom prst="rect">
+            <a:avLst/>
+          </a:prstGeom>
+          <a:noFill/>
+          <a:ln>
+            <a:noFill/>
+          </a:ln>
+        </p:spPr>
+        <p:style>
+          <a:lnRef idx="0">
+            <a:scrgbClr r="0" g="0" b="0"/>
+          </a:lnRef>
+          <a:fillRef idx="0">
+            <a:scrgbClr r="0" g="0" b="0"/>
+          </a:fillRef>
+          <a:effectRef idx="0">
+            <a:scrgbClr r="0" g="0" b="0"/>
+          </a:effectRef>
+          <a:fontRef idx="minor"/>
+        </p:style>
+        <p:txBody>
+          <a:bodyPr lIns="0" tIns="0" rIns="0" bIns="0" anchor="ctr"/>
+          <a:lstStyle/>
+          <a:p>
+            <a:pPr>
+              <a:lnSpc>
+                <a:spcPct val="90000"/>
+              </a:lnSpc>
+            </a:pPr>
+            <a:r>
+              <a:rPr lang="de-DE" sz="4400" b="0" strike="noStrike" spc="-1" dirty="0">
+                <a:solidFill>
+                  <a:srgbClr val="000000"/>
+                </a:solidFill>
+                <a:latin typeface="Arial"/>
+                <a:ea typeface="DejaVu Sans"/>
+              </a:rPr>
+              <a:t>Windows - </a:t>
+            </a:r>
+            <a:r>
+              <a:rPr lang="de-DE" sz="4400" spc="-1" dirty="0"/>
+              <a:t>VisualStudio 2017</a:t>
+            </a:r>
+            <a:endParaRPr lang="de-DE" sz="4400" b="0" strike="noStrike" spc="-1" dirty="0">
+              <a:latin typeface="Arial"/>
+            </a:endParaRPr>
+          </a:p>
+        </p:txBody>
       </p:sp>
     </p:spTree>
+    <p:extLst>
+      <p:ext uri="{BB962C8B-B14F-4D97-AF65-F5344CB8AC3E}">
+        <p14:creationId xmlns:p14="http://schemas.microsoft.com/office/powerpoint/2010/main" val="2711394104"/>
+      </p:ext>
+    </p:extLst>
   </p:cSld>
   <p:clrMapOvr>
     <a:masterClrMapping/>
@@ -11709,14 +13266,14 @@
       </p:grpSpPr>
       <p:sp>
         <p:nvSpPr>
-          <p:cNvPr id="228" name="CustomShape 1"/>
+          <p:cNvPr id="219" name="CustomShape 1"/>
           <p:cNvSpPr/>
           <p:nvPr/>
         </p:nvSpPr>
         <p:spPr>
           <a:xfrm>
-            <a:off x="599040" y="301320"/>
-            <a:ext cx="10797480" cy="1261080"/>
+            <a:off x="599040" y="1828800"/>
+            <a:ext cx="10829880" cy="5393880"/>
           </a:xfrm>
           <a:prstGeom prst="rect">
             <a:avLst/>
@@ -11739,40 +13296,279 @@
           <a:fontRef idx="minor"/>
         </p:style>
         <p:txBody>
-          <a:bodyPr lIns="0" tIns="0" rIns="0" bIns="0" anchor="ctr"/>
-          <a:lstStyle/>
-          <a:p>
-            <a:pPr>
+          <a:bodyPr lIns="0" tIns="0" rIns="0" bIns="0">
+            <a:normAutofit/>
+          </a:bodyPr>
+          <a:lstStyle/>
+          <a:p>
+            <a:pPr marL="108720">
               <a:lnSpc>
-                <a:spcPct val="90000"/>
+                <a:spcPct val="100000"/>
               </a:lnSpc>
+              <a:spcBef>
+                <a:spcPts val="1417"/>
+              </a:spcBef>
+              <a:buClr>
+                <a:srgbClr val="000000"/>
+              </a:buClr>
+              <a:buSzPct val="45000"/>
             </a:pPr>
             <a:r>
-              <a:rPr lang="de-DE" sz="4400" b="0" strike="noStrike" spc="-1">
+              <a:rPr lang="de-DE" sz="2800" b="1" strike="noStrike" spc="-1" dirty="0">
                 <a:solidFill>
                   <a:srgbClr val="000000"/>
                 </a:solidFill>
                 <a:latin typeface="Arial"/>
                 <a:ea typeface="DejaVu Sans"/>
               </a:rPr>
-              <a:t>Links</a:t>
-            </a:r>
-            <a:endParaRPr lang="de-DE" sz="4400" b="0" strike="noStrike" spc="-1">
-              <a:latin typeface="Arial"/>
-            </a:endParaRPr>
-          </a:p>
-        </p:txBody>
-      </p:sp>
-      <p:sp>
-        <p:nvSpPr>
-          <p:cNvPr id="229" name="CustomShape 2"/>
+              <a:t>„Deployment“</a:t>
+            </a:r>
+          </a:p>
+          <a:p>
+            <a:pPr marL="108720">
+              <a:lnSpc>
+                <a:spcPct val="100000"/>
+              </a:lnSpc>
+              <a:spcBef>
+                <a:spcPts val="1417"/>
+              </a:spcBef>
+              <a:buClr>
+                <a:srgbClr val="000000"/>
+              </a:buClr>
+              <a:buSzPct val="45000"/>
+            </a:pPr>
+            <a:r>
+              <a:rPr lang="de-DE" sz="2800" spc="-1" dirty="0">
+                <a:solidFill>
+                  <a:srgbClr val="000000"/>
+                </a:solidFill>
+                <a:latin typeface="Arial"/>
+              </a:rPr>
+              <a:t>VNC Dateiübertragung</a:t>
+            </a:r>
+          </a:p>
+          <a:p>
+            <a:pPr marL="565920" indent="-457200">
+              <a:lnSpc>
+                <a:spcPct val="100000"/>
+              </a:lnSpc>
+              <a:spcBef>
+                <a:spcPts val="1417"/>
+              </a:spcBef>
+              <a:buClr>
+                <a:srgbClr val="000000"/>
+              </a:buClr>
+              <a:buSzPct val="45000"/>
+              <a:buFont typeface="Arial" panose="020B0604020202020204" pitchFamily="34" charset="0"/>
+              <a:buChar char="•"/>
+            </a:pPr>
+            <a:r>
+              <a:rPr lang="de-DE" sz="2800" spc="-1" dirty="0">
+                <a:solidFill>
+                  <a:srgbClr val="000000"/>
+                </a:solidFill>
+                <a:latin typeface="Arial"/>
+              </a:rPr>
+              <a:t>Zielordner auf dem Raspberry Pi einstellen !</a:t>
+            </a:r>
+          </a:p>
+          <a:p>
+            <a:pPr marL="565920" indent="-457200">
+              <a:lnSpc>
+                <a:spcPct val="100000"/>
+              </a:lnSpc>
+              <a:spcBef>
+                <a:spcPts val="1417"/>
+              </a:spcBef>
+              <a:buClr>
+                <a:srgbClr val="000000"/>
+              </a:buClr>
+              <a:buSzPct val="45000"/>
+              <a:buFont typeface="Arial" panose="020B0604020202020204" pitchFamily="34" charset="0"/>
+              <a:buChar char="•"/>
+            </a:pPr>
+            <a:r>
+              <a:rPr lang="de-DE" sz="2800" spc="-1" dirty="0">
+                <a:solidFill>
+                  <a:srgbClr val="000000"/>
+                </a:solidFill>
+                <a:latin typeface="Arial"/>
+              </a:rPr>
+              <a:t>Programm als ausführbar markieren</a:t>
+            </a:r>
+          </a:p>
+          <a:p>
+            <a:pPr marL="565920" lvl="1">
+              <a:spcBef>
+                <a:spcPts val="1417"/>
+              </a:spcBef>
+              <a:buClr>
+                <a:srgbClr val="000000"/>
+              </a:buClr>
+              <a:buSzPct val="45000"/>
+            </a:pPr>
+            <a:r>
+              <a:rPr lang="de-DE" sz="2800" spc="-1" dirty="0">
+                <a:solidFill>
+                  <a:srgbClr val="000000"/>
+                </a:solidFill>
+                <a:latin typeface="Consolas" panose="020B0609020204030204" pitchFamily="49" charset="0"/>
+              </a:rPr>
+              <a:t>	</a:t>
+            </a:r>
+            <a:r>
+              <a:rPr lang="de-DE" sz="2800" spc="-1" dirty="0" err="1">
+                <a:solidFill>
+                  <a:srgbClr val="000000"/>
+                </a:solidFill>
+                <a:latin typeface="Consolas" panose="020B0609020204030204" pitchFamily="49" charset="0"/>
+              </a:rPr>
+              <a:t>chmod</a:t>
+            </a:r>
+            <a:r>
+              <a:rPr lang="de-DE" sz="2800" spc="-1" dirty="0">
+                <a:solidFill>
+                  <a:srgbClr val="000000"/>
+                </a:solidFill>
+                <a:latin typeface="Consolas" panose="020B0609020204030204" pitchFamily="49" charset="0"/>
+              </a:rPr>
+              <a:t> +x </a:t>
+            </a:r>
+            <a:r>
+              <a:rPr lang="de-DE" sz="2800" i="1" spc="-1" dirty="0">
+                <a:solidFill>
+                  <a:srgbClr val="000000"/>
+                </a:solidFill>
+                <a:latin typeface="Consolas" panose="020B0609020204030204" pitchFamily="49" charset="0"/>
+              </a:rPr>
+              <a:t>Programm</a:t>
+            </a:r>
+          </a:p>
+          <a:p>
+            <a:pPr marL="108720">
+              <a:lnSpc>
+                <a:spcPct val="100000"/>
+              </a:lnSpc>
+              <a:spcBef>
+                <a:spcPts val="1417"/>
+              </a:spcBef>
+              <a:buClr>
+                <a:srgbClr val="000000"/>
+              </a:buClr>
+              <a:buSzPct val="45000"/>
+            </a:pPr>
+            <a:endParaRPr lang="de-DE" sz="2800" spc="-1" dirty="0">
+              <a:solidFill>
+                <a:srgbClr val="000000"/>
+              </a:solidFill>
+              <a:latin typeface="Arial"/>
+            </a:endParaRPr>
+          </a:p>
+          <a:p>
+            <a:pPr marL="108720">
+              <a:lnSpc>
+                <a:spcPct val="100000"/>
+              </a:lnSpc>
+              <a:spcBef>
+                <a:spcPts val="1417"/>
+              </a:spcBef>
+              <a:buClr>
+                <a:srgbClr val="000000"/>
+              </a:buClr>
+              <a:buSzPct val="45000"/>
+            </a:pPr>
+            <a:r>
+              <a:rPr lang="de-DE" sz="2800" spc="-1" dirty="0">
+                <a:solidFill>
+                  <a:srgbClr val="000000"/>
+                </a:solidFill>
+                <a:latin typeface="Arial"/>
+              </a:rPr>
+              <a:t>Alternativen</a:t>
+            </a:r>
+          </a:p>
+          <a:p>
+            <a:pPr marL="565920" indent="-457200">
+              <a:lnSpc>
+                <a:spcPct val="100000"/>
+              </a:lnSpc>
+              <a:spcBef>
+                <a:spcPts val="1417"/>
+              </a:spcBef>
+              <a:buClr>
+                <a:srgbClr val="000000"/>
+              </a:buClr>
+              <a:buSzPct val="45000"/>
+              <a:buFont typeface="Arial" panose="020B0604020202020204" pitchFamily="34" charset="0"/>
+              <a:buChar char="•"/>
+            </a:pPr>
+            <a:r>
+              <a:rPr lang="de-DE" sz="2800" spc="-1" dirty="0">
+                <a:solidFill>
+                  <a:srgbClr val="000000"/>
+                </a:solidFill>
+                <a:latin typeface="Arial"/>
+              </a:rPr>
+              <a:t>Ordner auf dem Pi freigeben (Samba muss installiert werden)</a:t>
+            </a:r>
+          </a:p>
+          <a:p>
+            <a:pPr marL="565920" indent="-457200">
+              <a:lnSpc>
+                <a:spcPct val="100000"/>
+              </a:lnSpc>
+              <a:spcBef>
+                <a:spcPts val="1417"/>
+              </a:spcBef>
+              <a:buClr>
+                <a:srgbClr val="000000"/>
+              </a:buClr>
+              <a:buSzPct val="45000"/>
+              <a:buFont typeface="Arial" panose="020B0604020202020204" pitchFamily="34" charset="0"/>
+              <a:buChar char="•"/>
+            </a:pPr>
+            <a:r>
+              <a:rPr lang="de-DE" sz="2800" spc="-1" dirty="0">
+                <a:solidFill>
+                  <a:srgbClr val="000000"/>
+                </a:solidFill>
+                <a:latin typeface="Arial"/>
+              </a:rPr>
+              <a:t>Ordner auf dem PC freigeben</a:t>
+            </a:r>
+          </a:p>
+          <a:p>
+            <a:pPr marL="108720">
+              <a:lnSpc>
+                <a:spcPct val="100000"/>
+              </a:lnSpc>
+              <a:spcBef>
+                <a:spcPts val="1417"/>
+              </a:spcBef>
+              <a:buClr>
+                <a:srgbClr val="000000"/>
+              </a:buClr>
+              <a:buSzPct val="45000"/>
+            </a:pPr>
+            <a:endParaRPr lang="de-DE" sz="2800" spc="-1" dirty="0">
+              <a:solidFill>
+                <a:srgbClr val="000000"/>
+              </a:solidFill>
+              <a:latin typeface="Arial"/>
+            </a:endParaRPr>
+          </a:p>
+        </p:txBody>
+      </p:sp>
+      <p:sp>
+        <p:nvSpPr>
+          <p:cNvPr id="220" name="CustomShape 2"/>
           <p:cNvSpPr/>
           <p:nvPr/>
         </p:nvSpPr>
         <p:spPr>
           <a:xfrm>
-            <a:off x="599040" y="1828800"/>
-            <a:ext cx="10829880" cy="5393880"/>
+            <a:off x="1778040" y="301320"/>
+            <a:ext cx="9618480" cy="1261080"/>
           </a:xfrm>
           <a:prstGeom prst="rect">
             <a:avLst/>
@@ -11795,98 +13591,1270 @@
           <a:fontRef idx="minor"/>
         </p:style>
         <p:txBody>
-          <a:bodyPr lIns="0" tIns="0" rIns="0" bIns="0"/>
+          <a:bodyPr lIns="0" tIns="0" rIns="0" bIns="0" anchor="ctr"/>
           <a:lstStyle/>
           <a:p>
             <a:pPr>
               <a:lnSpc>
                 <a:spcPct val="90000"/>
               </a:lnSpc>
+            </a:pPr>
+            <a:r>
+              <a:rPr lang="de-DE" sz="4400" b="0" strike="noStrike" spc="-1" dirty="0">
+                <a:solidFill>
+                  <a:srgbClr val="000000"/>
+                </a:solidFill>
+                <a:latin typeface="Arial"/>
+                <a:ea typeface="DejaVu Sans"/>
+              </a:rPr>
+              <a:t>Windows - </a:t>
+            </a:r>
+            <a:r>
+              <a:rPr lang="de-DE" sz="4400" spc="-1" dirty="0"/>
+              <a:t>VisualStudio 2017</a:t>
+            </a:r>
+            <a:endParaRPr lang="de-DE" sz="4400" b="0" strike="noStrike" spc="-1" dirty="0">
+              <a:latin typeface="Arial"/>
+            </a:endParaRPr>
+          </a:p>
+        </p:txBody>
+      </p:sp>
+    </p:spTree>
+    <p:extLst>
+      <p:ext uri="{BB962C8B-B14F-4D97-AF65-F5344CB8AC3E}">
+        <p14:creationId xmlns:p14="http://schemas.microsoft.com/office/powerpoint/2010/main" val="4091322931"/>
+      </p:ext>
+    </p:extLst>
+  </p:cSld>
+  <p:clrMapOvr>
+    <a:masterClrMapping/>
+  </p:clrMapOvr>
+  <p:timing>
+    <p:tnLst>
+      <p:par>
+        <p:cTn id="1" dur="indefinite" restart="never" nodeType="tmRoot">
+          <p:childTnLst>
+            <p:seq>
+              <p:cTn id="2" dur="indefinite" nodeType="mainSeq"/>
+              <p:prevCondLst>
+                <p:cond evt="onPrev" delay="0">
+                  <p:tgtEl>
+                    <p:sldTgt/>
+                  </p:tgtEl>
+                </p:cond>
+              </p:prevCondLst>
+              <p:nextCondLst>
+                <p:cond evt="onNext" delay="0">
+                  <p:tgtEl>
+                    <p:sldTgt/>
+                  </p:tgtEl>
+                </p:cond>
+              </p:nextCondLst>
+            </p:seq>
+          </p:childTnLst>
+        </p:cTn>
+      </p:par>
+    </p:tnLst>
+  </p:timing>
+</p:sld>
+</file>
+
+<file path=ppt/slides/slide17.xml><?xml version="1.0" encoding="utf-8"?>
+<p:sld xmlns:a="http://schemas.openxmlformats.org/drawingml/2006/main" xmlns:r="http://schemas.openxmlformats.org/officeDocument/2006/relationships" xmlns:p="http://schemas.openxmlformats.org/presentationml/2006/main">
+  <p:cSld>
+    <p:spTree>
+      <p:nvGrpSpPr>
+        <p:cNvPr id="1" name=""/>
+        <p:cNvGrpSpPr/>
+        <p:nvPr/>
+      </p:nvGrpSpPr>
+      <p:grpSpPr>
+        <a:xfrm>
+          <a:off x="0" y="0"/>
+          <a:ext cx="0" cy="0"/>
+          <a:chOff x="0" y="0"/>
+          <a:chExt cx="0" cy="0"/>
+        </a:xfrm>
+      </p:grpSpPr>
+      <p:sp>
+        <p:nvSpPr>
+          <p:cNvPr id="219" name="CustomShape 1"/>
+          <p:cNvSpPr/>
+          <p:nvPr/>
+        </p:nvSpPr>
+        <p:spPr>
+          <a:xfrm>
+            <a:off x="599040" y="1828800"/>
+            <a:ext cx="10829880" cy="5393880"/>
+          </a:xfrm>
+          <a:prstGeom prst="rect">
+            <a:avLst/>
+          </a:prstGeom>
+          <a:noFill/>
+          <a:ln>
+            <a:noFill/>
+          </a:ln>
+        </p:spPr>
+        <p:style>
+          <a:lnRef idx="0">
+            <a:scrgbClr r="0" g="0" b="0"/>
+          </a:lnRef>
+          <a:fillRef idx="0">
+            <a:scrgbClr r="0" g="0" b="0"/>
+          </a:fillRef>
+          <a:effectRef idx="0">
+            <a:scrgbClr r="0" g="0" b="0"/>
+          </a:effectRef>
+          <a:fontRef idx="minor"/>
+        </p:style>
+        <p:txBody>
+          <a:bodyPr lIns="0" tIns="0" rIns="0" bIns="0">
+            <a:normAutofit fontScale="92500" lnSpcReduction="10000"/>
+          </a:bodyPr>
+          <a:lstStyle/>
+          <a:p>
+            <a:pPr marL="108720">
+              <a:lnSpc>
+                <a:spcPct val="100000"/>
+              </a:lnSpc>
               <a:spcBef>
-                <a:spcPts val="1001"/>
+                <a:spcPts val="1417"/>
               </a:spcBef>
+              <a:buClr>
+                <a:srgbClr val="000000"/>
+              </a:buClr>
+              <a:buSzPct val="45000"/>
             </a:pPr>
             <a:r>
-              <a:rPr lang="de-DE" sz="2800" b="0" strike="noStrike" spc="-1">
-                <a:solidFill>
-                  <a:srgbClr val="000000"/>
-                </a:solidFill>
-                <a:latin typeface="Arial"/>
-                <a:ea typeface="DejaVu Sans"/>
-              </a:rPr>
-              <a:t>Folien 	</a:t>
-            </a:r>
-            <a:r>
-              <a:rPr lang="de-DE" sz="2800" b="0" u="sng" strike="noStrike" spc="-1">
-                <a:solidFill>
-                  <a:srgbClr val="0000FF"/>
-                </a:solidFill>
-                <a:uFillTx/>
-                <a:latin typeface="Arial"/>
-                <a:ea typeface="DejaVu Sans"/>
-                <a:hlinkClick r:id="rId2"/>
-              </a:rPr>
-              <a:t>https://github.com/FrankPfattheicher/RaspiDotnet</a:t>
-            </a:r>
-            <a:r>
-              <a:rPr lang="de-DE" sz="2800" b="0" strike="noStrike" spc="-1">
-                <a:solidFill>
-                  <a:srgbClr val="000000"/>
-                </a:solidFill>
-                <a:latin typeface="Arial"/>
-                <a:ea typeface="DejaVu Sans"/>
+              <a:rPr lang="de-DE" sz="2800" b="1" spc="-1" dirty="0">
+                <a:solidFill>
+                  <a:srgbClr val="000000"/>
+                </a:solidFill>
+              </a:rPr>
+              <a:t>Projekt erstellen (</a:t>
+            </a:r>
+            <a:r>
+              <a:rPr lang="de-DE" sz="2800" b="1" spc="-1" dirty="0" err="1">
+                <a:solidFill>
+                  <a:srgbClr val="000000"/>
+                </a:solidFill>
+              </a:rPr>
+              <a:t>Console</a:t>
+            </a:r>
+            <a:r>
+              <a:rPr lang="de-DE" sz="2800" b="1" spc="-1" dirty="0">
+                <a:solidFill>
+                  <a:srgbClr val="000000"/>
+                </a:solidFill>
+              </a:rPr>
+              <a:t>)</a:t>
+            </a:r>
+          </a:p>
+          <a:p>
+            <a:pPr marL="108720">
+              <a:lnSpc>
+                <a:spcPct val="100000"/>
+              </a:lnSpc>
+              <a:spcBef>
+                <a:spcPts val="1417"/>
+              </a:spcBef>
+              <a:buClr>
+                <a:srgbClr val="000000"/>
+              </a:buClr>
+              <a:buSzPct val="45000"/>
+            </a:pPr>
+            <a:endParaRPr lang="de-DE" sz="2800" spc="-1" dirty="0">
+              <a:solidFill>
+                <a:srgbClr val="000000"/>
+              </a:solidFill>
+            </a:endParaRPr>
+          </a:p>
+          <a:p>
+            <a:pPr marL="108720">
+              <a:lnSpc>
+                <a:spcPct val="100000"/>
+              </a:lnSpc>
+              <a:spcBef>
+                <a:spcPts val="1417"/>
+              </a:spcBef>
+              <a:buClr>
+                <a:srgbClr val="000000"/>
+              </a:buClr>
+              <a:buSzPct val="45000"/>
+            </a:pPr>
+            <a:r>
+              <a:rPr lang="de-DE" sz="2800" spc="-1" dirty="0">
+                <a:solidFill>
+                  <a:srgbClr val="000000"/>
+                </a:solidFill>
+              </a:rPr>
+              <a:t>Projekt-Ordner  anlegen – in </a:t>
+            </a:r>
+            <a:r>
+              <a:rPr lang="de-DE" sz="2800" spc="-1" dirty="0" err="1">
+                <a:solidFill>
+                  <a:srgbClr val="000000"/>
+                </a:solidFill>
+              </a:rPr>
+              <a:t>VSCode</a:t>
+            </a:r>
+            <a:r>
+              <a:rPr lang="de-DE" sz="2800" spc="-1" dirty="0">
+                <a:solidFill>
+                  <a:srgbClr val="000000"/>
+                </a:solidFill>
+              </a:rPr>
+              <a:t> öffnen</a:t>
+            </a:r>
+          </a:p>
+          <a:p>
+            <a:pPr marL="108720">
+              <a:lnSpc>
+                <a:spcPct val="100000"/>
+              </a:lnSpc>
+              <a:spcBef>
+                <a:spcPts val="1417"/>
+              </a:spcBef>
+              <a:buClr>
+                <a:srgbClr val="000000"/>
+              </a:buClr>
+              <a:buSzPct val="45000"/>
+            </a:pPr>
+            <a:endParaRPr lang="de-DE" sz="2800" spc="-1" dirty="0">
+              <a:solidFill>
+                <a:srgbClr val="000000"/>
+              </a:solidFill>
+            </a:endParaRPr>
+          </a:p>
+          <a:p>
+            <a:pPr marL="108720">
+              <a:lnSpc>
+                <a:spcPct val="100000"/>
+              </a:lnSpc>
+              <a:spcBef>
+                <a:spcPts val="1417"/>
+              </a:spcBef>
+              <a:buClr>
+                <a:srgbClr val="000000"/>
+              </a:buClr>
+              <a:buSzPct val="45000"/>
+            </a:pPr>
+            <a:r>
+              <a:rPr lang="de-DE" sz="2800" spc="-1" dirty="0">
+                <a:solidFill>
+                  <a:srgbClr val="000000"/>
+                </a:solidFill>
+              </a:rPr>
+              <a:t>Ansicht - Integriertes Terminal</a:t>
+            </a:r>
+          </a:p>
+          <a:p>
+            <a:pPr marL="108720">
+              <a:lnSpc>
+                <a:spcPct val="100000"/>
+              </a:lnSpc>
+              <a:spcBef>
+                <a:spcPts val="1417"/>
+              </a:spcBef>
+              <a:buClr>
+                <a:srgbClr val="000000"/>
+              </a:buClr>
+              <a:buSzPct val="45000"/>
+            </a:pPr>
+            <a:endParaRPr lang="de-DE" sz="2800" spc="-1" dirty="0">
+              <a:solidFill>
+                <a:srgbClr val="000000"/>
+              </a:solidFill>
+            </a:endParaRPr>
+          </a:p>
+          <a:p>
+            <a:pPr marL="108720">
+              <a:lnSpc>
+                <a:spcPct val="100000"/>
+              </a:lnSpc>
+              <a:spcBef>
+                <a:spcPts val="1417"/>
+              </a:spcBef>
+              <a:buClr>
+                <a:srgbClr val="000000"/>
+              </a:buClr>
+              <a:buSzPct val="45000"/>
+            </a:pPr>
+            <a:r>
+              <a:rPr lang="de-DE" sz="2800" spc="-1" dirty="0">
+                <a:solidFill>
+                  <a:srgbClr val="000000"/>
+                </a:solidFill>
+              </a:rPr>
+              <a:t>Im Terminalfenster:</a:t>
+            </a:r>
+          </a:p>
+          <a:p>
+            <a:pPr marL="108720">
+              <a:lnSpc>
+                <a:spcPct val="100000"/>
+              </a:lnSpc>
+              <a:spcBef>
+                <a:spcPts val="1417"/>
+              </a:spcBef>
+              <a:buClr>
+                <a:srgbClr val="000000"/>
+              </a:buClr>
+              <a:buSzPct val="45000"/>
+            </a:pPr>
+            <a:r>
+              <a:rPr lang="de-DE" sz="2800" spc="-1" dirty="0">
+                <a:solidFill>
+                  <a:srgbClr val="000000"/>
+                </a:solidFill>
+              </a:rPr>
+              <a:t>	</a:t>
+            </a:r>
+            <a:r>
+              <a:rPr lang="de-DE" sz="2800" spc="-1" dirty="0" err="1">
+                <a:solidFill>
+                  <a:srgbClr val="000000"/>
+                </a:solidFill>
+                <a:latin typeface="Consolas" panose="020B0609020204030204" pitchFamily="49" charset="0"/>
+              </a:rPr>
+              <a:t>dotnet</a:t>
+            </a:r>
+            <a:r>
+              <a:rPr lang="de-DE" sz="2800" spc="-1" dirty="0">
+                <a:solidFill>
+                  <a:srgbClr val="000000"/>
+                </a:solidFill>
+                <a:latin typeface="Consolas" panose="020B0609020204030204" pitchFamily="49" charset="0"/>
               </a:rPr>
               <a:t> </a:t>
             </a:r>
-            <a:endParaRPr lang="de-DE" sz="2800" b="0" strike="noStrike" spc="-1">
-              <a:latin typeface="Arial"/>
-            </a:endParaRPr>
-          </a:p>
+            <a:r>
+              <a:rPr lang="de-DE" sz="2800" spc="-1" dirty="0" err="1">
+                <a:solidFill>
+                  <a:srgbClr val="000000"/>
+                </a:solidFill>
+                <a:latin typeface="Consolas" panose="020B0609020204030204" pitchFamily="49" charset="0"/>
+              </a:rPr>
+              <a:t>new</a:t>
+            </a:r>
+            <a:r>
+              <a:rPr lang="de-DE" sz="2800" spc="-1" dirty="0">
+                <a:solidFill>
+                  <a:srgbClr val="000000"/>
+                </a:solidFill>
+                <a:latin typeface="Consolas" panose="020B0609020204030204" pitchFamily="49" charset="0"/>
+              </a:rPr>
+              <a:t> </a:t>
+            </a:r>
+            <a:r>
+              <a:rPr lang="de-DE" sz="2800" spc="-1" dirty="0" err="1">
+                <a:solidFill>
+                  <a:srgbClr val="000000"/>
+                </a:solidFill>
+                <a:latin typeface="Consolas" panose="020B0609020204030204" pitchFamily="49" charset="0"/>
+              </a:rPr>
+              <a:t>console</a:t>
+            </a:r>
+            <a:endParaRPr lang="de-DE" sz="2800" spc="-1" dirty="0">
+              <a:solidFill>
+                <a:srgbClr val="000000"/>
+              </a:solidFill>
+              <a:latin typeface="Consolas" panose="020B0609020204030204" pitchFamily="49" charset="0"/>
+            </a:endParaRPr>
+          </a:p>
+          <a:p>
+            <a:pPr marL="108720">
+              <a:lnSpc>
+                <a:spcPct val="100000"/>
+              </a:lnSpc>
+              <a:spcBef>
+                <a:spcPts val="1417"/>
+              </a:spcBef>
+              <a:buClr>
+                <a:srgbClr val="000000"/>
+              </a:buClr>
+              <a:buSzPct val="45000"/>
+            </a:pPr>
+            <a:endParaRPr lang="de-DE" sz="2800" spc="-1" dirty="0">
+              <a:solidFill>
+                <a:srgbClr val="000000"/>
+              </a:solidFill>
+            </a:endParaRPr>
+          </a:p>
+          <a:p>
+            <a:pPr marL="108720">
+              <a:lnSpc>
+                <a:spcPct val="100000"/>
+              </a:lnSpc>
+              <a:spcBef>
+                <a:spcPts val="1417"/>
+              </a:spcBef>
+              <a:buClr>
+                <a:srgbClr val="000000"/>
+              </a:buClr>
+              <a:buSzPct val="45000"/>
+            </a:pPr>
+            <a:r>
+              <a:rPr lang="de-DE" sz="2800" spc="-1" dirty="0">
+                <a:solidFill>
+                  <a:srgbClr val="000000"/>
+                </a:solidFill>
+              </a:rPr>
+              <a:t>„F5“ - Läuft</a:t>
+            </a:r>
+            <a:endParaRPr lang="de-DE" sz="2800" spc="-1" dirty="0">
+              <a:solidFill>
+                <a:srgbClr val="000000"/>
+              </a:solidFill>
+              <a:latin typeface="Consolas" panose="020B0609020204030204" pitchFamily="49" charset="0"/>
+            </a:endParaRPr>
+          </a:p>
+        </p:txBody>
+      </p:sp>
+      <p:sp>
+        <p:nvSpPr>
+          <p:cNvPr id="220" name="CustomShape 2"/>
+          <p:cNvSpPr/>
+          <p:nvPr/>
+        </p:nvSpPr>
+        <p:spPr>
+          <a:xfrm>
+            <a:off x="1778040" y="301320"/>
+            <a:ext cx="9618480" cy="1261080"/>
+          </a:xfrm>
+          <a:prstGeom prst="rect">
+            <a:avLst/>
+          </a:prstGeom>
+          <a:noFill/>
+          <a:ln>
+            <a:noFill/>
+          </a:ln>
+        </p:spPr>
+        <p:style>
+          <a:lnRef idx="0">
+            <a:scrgbClr r="0" g="0" b="0"/>
+          </a:lnRef>
+          <a:fillRef idx="0">
+            <a:scrgbClr r="0" g="0" b="0"/>
+          </a:fillRef>
+          <a:effectRef idx="0">
+            <a:scrgbClr r="0" g="0" b="0"/>
+          </a:effectRef>
+          <a:fontRef idx="minor"/>
+        </p:style>
+        <p:txBody>
+          <a:bodyPr lIns="0" tIns="0" rIns="0" bIns="0" anchor="ctr"/>
+          <a:lstStyle/>
           <a:p>
             <a:pPr>
               <a:lnSpc>
                 <a:spcPct val="90000"/>
               </a:lnSpc>
+            </a:pPr>
+            <a:r>
+              <a:rPr lang="de-DE" sz="4400" b="0" strike="noStrike" spc="-1" dirty="0">
+                <a:solidFill>
+                  <a:srgbClr val="000000"/>
+                </a:solidFill>
+                <a:latin typeface="Arial"/>
+                <a:ea typeface="DejaVu Sans"/>
+              </a:rPr>
+              <a:t>Windows - </a:t>
+            </a:r>
+            <a:r>
+              <a:rPr lang="de-DE" sz="4400" spc="-1" dirty="0"/>
+              <a:t>VisualStudio Code</a:t>
+            </a:r>
+            <a:endParaRPr lang="de-DE" sz="4400" b="0" strike="noStrike" spc="-1" dirty="0">
+              <a:latin typeface="Arial"/>
+            </a:endParaRPr>
+          </a:p>
+        </p:txBody>
+      </p:sp>
+    </p:spTree>
+    <p:extLst>
+      <p:ext uri="{BB962C8B-B14F-4D97-AF65-F5344CB8AC3E}">
+        <p14:creationId xmlns:p14="http://schemas.microsoft.com/office/powerpoint/2010/main" val="2538353432"/>
+      </p:ext>
+    </p:extLst>
+  </p:cSld>
+  <p:clrMapOvr>
+    <a:masterClrMapping/>
+  </p:clrMapOvr>
+  <p:timing>
+    <p:tnLst>
+      <p:par>
+        <p:cTn id="1" dur="indefinite" restart="never" nodeType="tmRoot">
+          <p:childTnLst>
+            <p:seq>
+              <p:cTn id="2" dur="indefinite" nodeType="mainSeq"/>
+              <p:prevCondLst>
+                <p:cond evt="onPrev" delay="0">
+                  <p:tgtEl>
+                    <p:sldTgt/>
+                  </p:tgtEl>
+                </p:cond>
+              </p:prevCondLst>
+              <p:nextCondLst>
+                <p:cond evt="onNext" delay="0">
+                  <p:tgtEl>
+                    <p:sldTgt/>
+                  </p:tgtEl>
+                </p:cond>
+              </p:nextCondLst>
+            </p:seq>
+          </p:childTnLst>
+        </p:cTn>
+      </p:par>
+    </p:tnLst>
+  </p:timing>
+</p:sld>
+</file>
+
+<file path=ppt/slides/slide18.xml><?xml version="1.0" encoding="utf-8"?>
+<p:sld xmlns:a="http://schemas.openxmlformats.org/drawingml/2006/main" xmlns:r="http://schemas.openxmlformats.org/officeDocument/2006/relationships" xmlns:p="http://schemas.openxmlformats.org/presentationml/2006/main">
+  <p:cSld>
+    <p:spTree>
+      <p:nvGrpSpPr>
+        <p:cNvPr id="1" name=""/>
+        <p:cNvGrpSpPr/>
+        <p:nvPr/>
+      </p:nvGrpSpPr>
+      <p:grpSpPr>
+        <a:xfrm>
+          <a:off x="0" y="0"/>
+          <a:ext cx="0" cy="0"/>
+          <a:chOff x="0" y="0"/>
+          <a:chExt cx="0" cy="0"/>
+        </a:xfrm>
+      </p:grpSpPr>
+      <p:sp>
+        <p:nvSpPr>
+          <p:cNvPr id="219" name="CustomShape 1"/>
+          <p:cNvSpPr/>
+          <p:nvPr/>
+        </p:nvSpPr>
+        <p:spPr>
+          <a:xfrm>
+            <a:off x="599040" y="1828800"/>
+            <a:ext cx="10829880" cy="5393880"/>
+          </a:xfrm>
+          <a:prstGeom prst="rect">
+            <a:avLst/>
+          </a:prstGeom>
+          <a:noFill/>
+          <a:ln>
+            <a:noFill/>
+          </a:ln>
+        </p:spPr>
+        <p:style>
+          <a:lnRef idx="0">
+            <a:scrgbClr r="0" g="0" b="0"/>
+          </a:lnRef>
+          <a:fillRef idx="0">
+            <a:scrgbClr r="0" g="0" b="0"/>
+          </a:fillRef>
+          <a:effectRef idx="0">
+            <a:scrgbClr r="0" g="0" b="0"/>
+          </a:effectRef>
+          <a:fontRef idx="minor"/>
+        </p:style>
+        <p:txBody>
+          <a:bodyPr lIns="0" tIns="0" rIns="0" bIns="0">
+            <a:normAutofit/>
+          </a:bodyPr>
+          <a:lstStyle/>
+          <a:p>
+            <a:pPr marL="108720">
+              <a:lnSpc>
+                <a:spcPct val="100000"/>
+              </a:lnSpc>
               <a:spcBef>
-                <a:spcPts val="1001"/>
+                <a:spcPts val="1417"/>
               </a:spcBef>
+              <a:buClr>
+                <a:srgbClr val="000000"/>
+              </a:buClr>
+              <a:buSzPct val="45000"/>
             </a:pPr>
             <a:r>
-              <a:rPr lang="de-DE" sz="2800" b="0" strike="noStrike" spc="-1">
-                <a:solidFill>
-                  <a:srgbClr val="000000"/>
-                </a:solidFill>
-                <a:latin typeface="Arial"/>
-                <a:ea typeface="DejaVu Sans"/>
-              </a:rPr>
-              <a:t>Win32DiskImager			 					 		</a:t>
-            </a:r>
-            <a:r>
-              <a:rPr lang="de-DE" sz="2800" b="0" u="sng" strike="noStrike" spc="-1">
-                <a:solidFill>
-                  <a:srgbClr val="0000FF"/>
-                </a:solidFill>
-                <a:uFillTx/>
-                <a:latin typeface="Arial"/>
-                <a:ea typeface="DejaVu Sans"/>
-                <a:hlinkClick r:id="rId3"/>
-              </a:rPr>
-              <a:t>https://sourceforge.net/projects/win32diskimager</a:t>
-            </a:r>
-            <a:endParaRPr lang="de-DE" sz="2800" b="0" strike="noStrike" spc="-1">
-              <a:latin typeface="Arial"/>
-            </a:endParaRPr>
-          </a:p>
+              <a:rPr lang="de-DE" sz="2800" b="1" spc="-1" dirty="0">
+                <a:solidFill>
+                  <a:srgbClr val="000000"/>
+                </a:solidFill>
+              </a:rPr>
+              <a:t>Projekt erstellen (</a:t>
+            </a:r>
+            <a:r>
+              <a:rPr lang="de-DE" sz="2800" b="1" spc="-1" dirty="0" err="1">
+                <a:solidFill>
+                  <a:srgbClr val="000000"/>
+                </a:solidFill>
+              </a:rPr>
+              <a:t>Console</a:t>
+            </a:r>
+            <a:r>
+              <a:rPr lang="de-DE" sz="2800" b="1" spc="-1" dirty="0">
+                <a:solidFill>
+                  <a:srgbClr val="000000"/>
+                </a:solidFill>
+              </a:rPr>
+              <a:t>)</a:t>
+            </a:r>
+          </a:p>
+          <a:p>
+            <a:pPr marL="108720">
+              <a:lnSpc>
+                <a:spcPct val="100000"/>
+              </a:lnSpc>
+              <a:spcBef>
+                <a:spcPts val="1417"/>
+              </a:spcBef>
+              <a:buClr>
+                <a:srgbClr val="000000"/>
+              </a:buClr>
+              <a:buSzPct val="45000"/>
+            </a:pPr>
+            <a:endParaRPr lang="de-DE" sz="2800" spc="-1" dirty="0">
+              <a:solidFill>
+                <a:srgbClr val="000000"/>
+              </a:solidFill>
+            </a:endParaRPr>
+          </a:p>
+          <a:p>
+            <a:pPr marL="108720">
+              <a:lnSpc>
+                <a:spcPct val="100000"/>
+              </a:lnSpc>
+              <a:spcBef>
+                <a:spcPts val="1417"/>
+              </a:spcBef>
+              <a:buClr>
+                <a:srgbClr val="000000"/>
+              </a:buClr>
+              <a:buSzPct val="45000"/>
+            </a:pPr>
+            <a:r>
+              <a:rPr lang="de-DE" sz="2800" spc="-1" dirty="0">
+                <a:solidFill>
+                  <a:srgbClr val="000000"/>
+                </a:solidFill>
+              </a:rPr>
+              <a:t>New Solution - .NET Core – </a:t>
+            </a:r>
+            <a:r>
+              <a:rPr lang="de-DE" sz="2800" spc="-1" dirty="0" err="1">
+                <a:solidFill>
+                  <a:srgbClr val="000000"/>
+                </a:solidFill>
+              </a:rPr>
+              <a:t>Console</a:t>
+            </a:r>
+            <a:r>
+              <a:rPr lang="de-DE" sz="2800" spc="-1" dirty="0">
+                <a:solidFill>
+                  <a:srgbClr val="000000"/>
+                </a:solidFill>
+              </a:rPr>
+              <a:t> Application</a:t>
+            </a:r>
+          </a:p>
+          <a:p>
+            <a:pPr marL="108720">
+              <a:lnSpc>
+                <a:spcPct val="100000"/>
+              </a:lnSpc>
+              <a:spcBef>
+                <a:spcPts val="1417"/>
+              </a:spcBef>
+              <a:buClr>
+                <a:srgbClr val="000000"/>
+              </a:buClr>
+              <a:buSzPct val="45000"/>
+            </a:pPr>
+            <a:endParaRPr lang="de-DE" sz="2800" spc="-1" dirty="0">
+              <a:solidFill>
+                <a:srgbClr val="000000"/>
+              </a:solidFill>
+            </a:endParaRPr>
+          </a:p>
+          <a:p>
+            <a:pPr marL="108720">
+              <a:spcBef>
+                <a:spcPts val="1417"/>
+              </a:spcBef>
+              <a:buClr>
+                <a:srgbClr val="000000"/>
+              </a:buClr>
+              <a:buSzPct val="45000"/>
+            </a:pPr>
+            <a:r>
+              <a:rPr lang="de-DE" sz="2800" spc="-1" dirty="0">
+                <a:solidFill>
+                  <a:srgbClr val="000000"/>
+                </a:solidFill>
+              </a:rPr>
+              <a:t>„F5“ - Läuft</a:t>
+            </a:r>
+            <a:endParaRPr lang="de-DE" sz="2800" spc="-1" dirty="0">
+              <a:solidFill>
+                <a:srgbClr val="000000"/>
+              </a:solidFill>
+              <a:latin typeface="Consolas" panose="020B0609020204030204" pitchFamily="49" charset="0"/>
+            </a:endParaRPr>
+          </a:p>
+          <a:p>
+            <a:pPr marL="108720">
+              <a:lnSpc>
+                <a:spcPct val="100000"/>
+              </a:lnSpc>
+              <a:spcBef>
+                <a:spcPts val="1417"/>
+              </a:spcBef>
+              <a:buClr>
+                <a:srgbClr val="000000"/>
+              </a:buClr>
+              <a:buSzPct val="45000"/>
+            </a:pPr>
+            <a:endParaRPr lang="de-DE" sz="2800" spc="-1" dirty="0">
+              <a:solidFill>
+                <a:srgbClr val="000000"/>
+              </a:solidFill>
+            </a:endParaRPr>
+          </a:p>
+        </p:txBody>
+      </p:sp>
+      <p:sp>
+        <p:nvSpPr>
+          <p:cNvPr id="220" name="CustomShape 2"/>
+          <p:cNvSpPr/>
+          <p:nvPr/>
+        </p:nvSpPr>
+        <p:spPr>
+          <a:xfrm>
+            <a:off x="1778040" y="301320"/>
+            <a:ext cx="9618480" cy="1261080"/>
+          </a:xfrm>
+          <a:prstGeom prst="rect">
+            <a:avLst/>
+          </a:prstGeom>
+          <a:noFill/>
+          <a:ln>
+            <a:noFill/>
+          </a:ln>
+        </p:spPr>
+        <p:style>
+          <a:lnRef idx="0">
+            <a:scrgbClr r="0" g="0" b="0"/>
+          </a:lnRef>
+          <a:fillRef idx="0">
+            <a:scrgbClr r="0" g="0" b="0"/>
+          </a:fillRef>
+          <a:effectRef idx="0">
+            <a:scrgbClr r="0" g="0" b="0"/>
+          </a:effectRef>
+          <a:fontRef idx="minor"/>
+        </p:style>
+        <p:txBody>
+          <a:bodyPr lIns="0" tIns="0" rIns="0" bIns="0" anchor="ctr"/>
+          <a:lstStyle/>
           <a:p>
             <a:pPr>
               <a:lnSpc>
                 <a:spcPct val="90000"/>
               </a:lnSpc>
-              <a:spcBef>
-                <a:spcPts val="1001"/>
-              </a:spcBef>
             </a:pPr>
-            <a:endParaRPr lang="de-DE" sz="2800" b="0" strike="noStrike" spc="-1">
+            <a:r>
+              <a:rPr lang="de-DE" sz="4400" b="0" strike="noStrike" spc="-1" dirty="0">
+                <a:solidFill>
+                  <a:srgbClr val="000000"/>
+                </a:solidFill>
+                <a:latin typeface="Arial"/>
+                <a:ea typeface="DejaVu Sans"/>
+              </a:rPr>
+              <a:t>Windows - </a:t>
+            </a:r>
+            <a:r>
+              <a:rPr lang="de-DE" sz="4400" spc="-1" dirty="0"/>
+              <a:t>Rider</a:t>
+            </a:r>
+            <a:endParaRPr lang="de-DE" sz="4400" b="0" strike="noStrike" spc="-1" dirty="0">
+              <a:latin typeface="Arial"/>
+            </a:endParaRPr>
+          </a:p>
+        </p:txBody>
+      </p:sp>
+    </p:spTree>
+    <p:extLst>
+      <p:ext uri="{BB962C8B-B14F-4D97-AF65-F5344CB8AC3E}">
+        <p14:creationId xmlns:p14="http://schemas.microsoft.com/office/powerpoint/2010/main" val="315685587"/>
+      </p:ext>
+    </p:extLst>
+  </p:cSld>
+  <p:clrMapOvr>
+    <a:masterClrMapping/>
+  </p:clrMapOvr>
+  <p:timing>
+    <p:tnLst>
+      <p:par>
+        <p:cTn id="1" dur="indefinite" restart="never" nodeType="tmRoot">
+          <p:childTnLst>
+            <p:seq>
+              <p:cTn id="2" dur="indefinite" nodeType="mainSeq"/>
+              <p:prevCondLst>
+                <p:cond evt="onPrev" delay="0">
+                  <p:tgtEl>
+                    <p:sldTgt/>
+                  </p:tgtEl>
+                </p:cond>
+              </p:prevCondLst>
+              <p:nextCondLst>
+                <p:cond evt="onNext" delay="0">
+                  <p:tgtEl>
+                    <p:sldTgt/>
+                  </p:tgtEl>
+                </p:cond>
+              </p:nextCondLst>
+            </p:seq>
+          </p:childTnLst>
+        </p:cTn>
+      </p:par>
+    </p:tnLst>
+  </p:timing>
+</p:sld>
+</file>
+
+<file path=ppt/slides/slide19.xml><?xml version="1.0" encoding="utf-8"?>
+<p:sld xmlns:a="http://schemas.openxmlformats.org/drawingml/2006/main" xmlns:r="http://schemas.openxmlformats.org/officeDocument/2006/relationships" xmlns:p="http://schemas.openxmlformats.org/presentationml/2006/main">
+  <p:cSld>
+    <p:spTree>
+      <p:nvGrpSpPr>
+        <p:cNvPr id="1" name=""/>
+        <p:cNvGrpSpPr/>
+        <p:nvPr/>
+      </p:nvGrpSpPr>
+      <p:grpSpPr>
+        <a:xfrm>
+          <a:off x="0" y="0"/>
+          <a:ext cx="0" cy="0"/>
+          <a:chOff x="0" y="0"/>
+          <a:chExt cx="0" cy="0"/>
+        </a:xfrm>
+      </p:grpSpPr>
+      <p:sp>
+        <p:nvSpPr>
+          <p:cNvPr id="223" name="CustomShape 1"/>
+          <p:cNvSpPr/>
+          <p:nvPr/>
+        </p:nvSpPr>
+        <p:spPr>
+          <a:xfrm>
+            <a:off x="599040" y="436605"/>
+            <a:ext cx="10797480" cy="6255435"/>
+          </a:xfrm>
+          <a:prstGeom prst="rect">
+            <a:avLst/>
+          </a:prstGeom>
+          <a:noFill/>
+          <a:ln>
+            <a:noFill/>
+          </a:ln>
+        </p:spPr>
+        <p:style>
+          <a:lnRef idx="0">
+            <a:scrgbClr r="0" g="0" b="0"/>
+          </a:lnRef>
+          <a:fillRef idx="0">
+            <a:scrgbClr r="0" g="0" b="0"/>
+          </a:fillRef>
+          <a:effectRef idx="0">
+            <a:scrgbClr r="0" g="0" b="0"/>
+          </a:effectRef>
+          <a:fontRef idx="minor"/>
+        </p:style>
+        <p:txBody>
+          <a:bodyPr lIns="0" tIns="0" rIns="0" bIns="0"/>
+          <a:lstStyle/>
+          <a:p>
+            <a:pPr marL="343080" indent="-342000">
+              <a:lnSpc>
+                <a:spcPct val="100000"/>
+              </a:lnSpc>
+              <a:buClr>
+                <a:srgbClr val="04617B"/>
+              </a:buClr>
+              <a:buFont typeface="Arial"/>
+              <a:buChar char="•"/>
+            </a:pPr>
+            <a:r>
+              <a:rPr lang="de-DE" sz="2400" b="1" strike="noStrike" spc="-1" dirty="0">
+                <a:solidFill>
+                  <a:srgbClr val="04617B"/>
+                </a:solidFill>
+                <a:latin typeface="Source Sans Pro Black"/>
+                <a:ea typeface="DejaVu Sans"/>
+              </a:rPr>
+              <a:t>Mehr Hardware</a:t>
+            </a:r>
+            <a:endParaRPr lang="de-DE" sz="2400" b="0" strike="noStrike" spc="-1" dirty="0">
+              <a:latin typeface="Arial"/>
+            </a:endParaRPr>
+          </a:p>
+          <a:p>
+            <a:pPr marL="800280" lvl="1" indent="-342000">
+              <a:lnSpc>
+                <a:spcPct val="100000"/>
+              </a:lnSpc>
+              <a:buClr>
+                <a:srgbClr val="04617B"/>
+              </a:buClr>
+              <a:buFont typeface="Arial"/>
+              <a:buChar char="•"/>
+            </a:pPr>
+            <a:r>
+              <a:rPr lang="de-DE" sz="2400" b="1" strike="noStrike" spc="-1" dirty="0">
+                <a:solidFill>
+                  <a:srgbClr val="04617B"/>
+                </a:solidFill>
+                <a:latin typeface="Source Sans Pro Black"/>
+                <a:ea typeface="DejaVu Sans"/>
+              </a:rPr>
+              <a:t>Pi Modelle, SD-Karten</a:t>
+            </a:r>
+            <a:endParaRPr lang="de-DE" sz="2400" b="0" strike="noStrike" spc="-1" dirty="0">
+              <a:latin typeface="Arial"/>
+            </a:endParaRPr>
+          </a:p>
+          <a:p>
+            <a:pPr marL="800280" lvl="1" indent="-342000">
+              <a:lnSpc>
+                <a:spcPct val="100000"/>
+              </a:lnSpc>
+              <a:buClr>
+                <a:srgbClr val="04617B"/>
+              </a:buClr>
+              <a:buFont typeface="Arial"/>
+              <a:buChar char="•"/>
+            </a:pPr>
+            <a:r>
+              <a:rPr lang="de-DE" sz="2400" b="1" strike="noStrike" spc="-1" dirty="0">
+                <a:solidFill>
+                  <a:srgbClr val="04617B"/>
+                </a:solidFill>
+                <a:latin typeface="Source Sans Pro Black"/>
+                <a:ea typeface="DejaVu Sans"/>
+              </a:rPr>
+              <a:t>Stromversorgung</a:t>
+            </a:r>
+            <a:endParaRPr lang="de-DE" sz="2400" b="0" strike="noStrike" spc="-1" dirty="0">
+              <a:latin typeface="Arial"/>
+            </a:endParaRPr>
+          </a:p>
+          <a:p>
+            <a:pPr marL="800280" lvl="1" indent="-342000">
+              <a:lnSpc>
+                <a:spcPct val="100000"/>
+              </a:lnSpc>
+              <a:buClr>
+                <a:srgbClr val="04617B"/>
+              </a:buClr>
+              <a:buFont typeface="Arial"/>
+              <a:buChar char="•"/>
+            </a:pPr>
+            <a:r>
+              <a:rPr lang="de-DE" sz="2400" b="1" strike="noStrike" spc="-1" dirty="0">
+                <a:solidFill>
+                  <a:srgbClr val="04617B"/>
+                </a:solidFill>
+                <a:latin typeface="Source Sans Pro Black"/>
+                <a:ea typeface="DejaVu Sans"/>
+              </a:rPr>
+              <a:t>Zubehör</a:t>
+            </a:r>
+            <a:endParaRPr lang="de-DE" sz="2400" b="0" strike="noStrike" spc="-1" dirty="0">
+              <a:latin typeface="Arial"/>
+            </a:endParaRPr>
+          </a:p>
+          <a:p>
+            <a:pPr marL="343080" indent="-342000">
+              <a:lnSpc>
+                <a:spcPct val="100000"/>
+              </a:lnSpc>
+              <a:buClr>
+                <a:srgbClr val="04617B"/>
+              </a:buClr>
+              <a:buFont typeface="Arial"/>
+              <a:buChar char="•"/>
+            </a:pPr>
+            <a:r>
+              <a:rPr lang="de-DE" sz="2400" b="1" strike="noStrike" spc="-1" dirty="0">
+                <a:solidFill>
+                  <a:srgbClr val="04617B"/>
+                </a:solidFill>
+                <a:latin typeface="Source Sans Pro Black"/>
+                <a:ea typeface="DejaVu Sans"/>
+              </a:rPr>
+              <a:t>Erweiterungen</a:t>
+            </a:r>
+            <a:endParaRPr lang="de-DE" sz="2400" b="0" strike="noStrike" spc="-1" dirty="0">
+              <a:latin typeface="Arial"/>
+            </a:endParaRPr>
+          </a:p>
+          <a:p>
+            <a:pPr marL="800280" lvl="1" indent="-342000">
+              <a:lnSpc>
+                <a:spcPct val="100000"/>
+              </a:lnSpc>
+              <a:buClr>
+                <a:srgbClr val="04617B"/>
+              </a:buClr>
+              <a:buFont typeface="Arial"/>
+              <a:buChar char="•"/>
+            </a:pPr>
+            <a:r>
+              <a:rPr lang="de-DE" sz="2400" b="1" strike="noStrike" spc="-1" dirty="0">
+                <a:solidFill>
+                  <a:srgbClr val="04617B"/>
+                </a:solidFill>
+                <a:latin typeface="Source Sans Pro Black"/>
+                <a:ea typeface="DejaVu Sans"/>
+              </a:rPr>
+              <a:t>Hardware und das mit dem Löten </a:t>
+            </a:r>
+            <a:endParaRPr lang="de-DE" sz="2400" b="0" strike="noStrike" spc="-1" dirty="0">
+              <a:latin typeface="Arial"/>
+            </a:endParaRPr>
+          </a:p>
+          <a:p>
+            <a:pPr marL="800280" lvl="1" indent="-342000">
+              <a:lnSpc>
+                <a:spcPct val="100000"/>
+              </a:lnSpc>
+              <a:buClr>
+                <a:srgbClr val="04617B"/>
+              </a:buClr>
+              <a:buFont typeface="Arial"/>
+              <a:buChar char="•"/>
+            </a:pPr>
+            <a:r>
+              <a:rPr lang="de-DE" sz="2400" b="1" strike="noStrike" spc="-1" dirty="0" err="1">
+                <a:solidFill>
+                  <a:srgbClr val="04617B"/>
+                </a:solidFill>
+                <a:latin typeface="Source Sans Pro Black"/>
+                <a:ea typeface="DejaVu Sans"/>
+              </a:rPr>
+              <a:t>GrovePi</a:t>
+            </a:r>
+            <a:endParaRPr lang="de-DE" sz="2400" b="0" strike="noStrike" spc="-1" dirty="0">
+              <a:latin typeface="Arial"/>
+            </a:endParaRPr>
+          </a:p>
+          <a:p>
+            <a:pPr marL="343080" indent="-342000">
+              <a:lnSpc>
+                <a:spcPct val="100000"/>
+              </a:lnSpc>
+              <a:buClr>
+                <a:srgbClr val="04617B"/>
+              </a:buClr>
+              <a:buFont typeface="Arial"/>
+              <a:buChar char="•"/>
+            </a:pPr>
+            <a:r>
+              <a:rPr lang="de-DE" sz="2400" b="1" strike="noStrike" spc="-1" dirty="0">
+                <a:solidFill>
+                  <a:srgbClr val="04617B"/>
+                </a:solidFill>
+                <a:latin typeface="Source Sans Pro Black"/>
+                <a:ea typeface="DejaVu Sans"/>
+              </a:rPr>
+              <a:t>Mono vs. Core</a:t>
+            </a:r>
+            <a:endParaRPr lang="de-DE" sz="2400" b="0" strike="noStrike" spc="-1" dirty="0">
+              <a:latin typeface="Arial"/>
+            </a:endParaRPr>
+          </a:p>
+          <a:p>
+            <a:pPr marL="343080" indent="-342000">
+              <a:lnSpc>
+                <a:spcPct val="100000"/>
+              </a:lnSpc>
+              <a:buClr>
+                <a:srgbClr val="04617B"/>
+              </a:buClr>
+              <a:buFont typeface="Arial"/>
+              <a:buChar char="•"/>
+            </a:pPr>
+            <a:r>
+              <a:rPr lang="de-DE" sz="2400" b="1" strike="noStrike" spc="-1" dirty="0">
+                <a:solidFill>
+                  <a:srgbClr val="04617B"/>
+                </a:solidFill>
+                <a:latin typeface="Source Sans Pro Black"/>
+                <a:ea typeface="DejaVu Sans"/>
+              </a:rPr>
+              <a:t>Bits &amp; Bytes</a:t>
+            </a:r>
+            <a:endParaRPr lang="de-DE" sz="2400" b="0" strike="noStrike" spc="-1" dirty="0">
+              <a:latin typeface="Arial"/>
+            </a:endParaRPr>
+          </a:p>
+          <a:p>
+            <a:pPr marL="343080" indent="-342000">
+              <a:lnSpc>
+                <a:spcPct val="100000"/>
+              </a:lnSpc>
+              <a:buClr>
+                <a:srgbClr val="04617B"/>
+              </a:buClr>
+              <a:buFont typeface="Arial"/>
+              <a:buChar char="•"/>
+            </a:pPr>
+            <a:r>
+              <a:rPr lang="de-DE" sz="2400" b="1" strike="noStrike" spc="-1" dirty="0">
+                <a:solidFill>
+                  <a:srgbClr val="04617B"/>
+                </a:solidFill>
+                <a:latin typeface="Source Sans Pro Black"/>
+                <a:ea typeface="DejaVu Sans"/>
+              </a:rPr>
+              <a:t>Debugging</a:t>
+            </a:r>
+            <a:endParaRPr lang="de-DE" sz="2400" b="0" strike="noStrike" spc="-1" dirty="0">
+              <a:latin typeface="Arial"/>
+            </a:endParaRPr>
+          </a:p>
+          <a:p>
+            <a:pPr marL="343080" indent="-342000">
+              <a:lnSpc>
+                <a:spcPct val="100000"/>
+              </a:lnSpc>
+              <a:buClr>
+                <a:srgbClr val="04617B"/>
+              </a:buClr>
+              <a:buFont typeface="Arial"/>
+              <a:buChar char="•"/>
+            </a:pPr>
+            <a:r>
+              <a:rPr lang="de-DE" sz="2400" b="1" strike="noStrike" spc="-1" dirty="0">
+                <a:solidFill>
+                  <a:srgbClr val="04617B"/>
+                </a:solidFill>
+                <a:latin typeface="Source Sans Pro Black"/>
+                <a:ea typeface="DejaVu Sans"/>
+              </a:rPr>
+              <a:t>VNC</a:t>
+            </a:r>
+            <a:endParaRPr lang="de-DE" sz="2400" b="0" strike="noStrike" spc="-1" dirty="0">
+              <a:latin typeface="Arial"/>
+            </a:endParaRPr>
+          </a:p>
+          <a:p>
+            <a:pPr marL="343080" indent="-342000">
+              <a:lnSpc>
+                <a:spcPct val="100000"/>
+              </a:lnSpc>
+              <a:buClr>
+                <a:srgbClr val="04617B"/>
+              </a:buClr>
+              <a:buFont typeface="Arial"/>
+              <a:buChar char="•"/>
+            </a:pPr>
+            <a:r>
+              <a:rPr lang="de-DE" sz="2400" b="1" strike="noStrike" spc="-1" dirty="0">
+                <a:solidFill>
+                  <a:srgbClr val="04617B"/>
+                </a:solidFill>
+                <a:latin typeface="Source Sans Pro Black"/>
+                <a:ea typeface="DejaVu Sans"/>
+              </a:rPr>
+              <a:t>Autostart, </a:t>
+            </a:r>
+            <a:r>
+              <a:rPr lang="de-DE" sz="2400" b="1" strike="noStrike" spc="-1" dirty="0" err="1">
+                <a:solidFill>
+                  <a:srgbClr val="04617B"/>
+                </a:solidFill>
+                <a:latin typeface="Source Sans Pro Black"/>
+                <a:ea typeface="DejaVu Sans"/>
+              </a:rPr>
+              <a:t>Daemon</a:t>
+            </a:r>
+            <a:endParaRPr lang="de-DE" sz="2400" b="0" strike="noStrike" spc="-1" dirty="0">
+              <a:latin typeface="Arial"/>
+            </a:endParaRPr>
+          </a:p>
+          <a:p>
+            <a:pPr marL="343080" indent="-342000">
+              <a:lnSpc>
+                <a:spcPct val="100000"/>
+              </a:lnSpc>
+              <a:buClr>
+                <a:srgbClr val="04617B"/>
+              </a:buClr>
+              <a:buFont typeface="Arial"/>
+              <a:buChar char="•"/>
+            </a:pPr>
+            <a:r>
+              <a:rPr lang="de-DE" sz="2400" b="1" strike="noStrike" spc="-1" dirty="0">
+                <a:solidFill>
+                  <a:srgbClr val="04617B"/>
+                </a:solidFill>
+                <a:latin typeface="Source Sans Pro Black"/>
+                <a:ea typeface="DejaVu Sans"/>
+              </a:rPr>
+              <a:t>Ausschalten </a:t>
+            </a:r>
+            <a:r>
+              <a:rPr lang="de-DE" sz="2400" b="1" strike="noStrike" spc="-1" dirty="0">
+                <a:solidFill>
+                  <a:srgbClr val="04617B"/>
+                </a:solidFill>
+                <a:latin typeface="Wingdings"/>
+                <a:ea typeface="DejaVu Sans"/>
+              </a:rPr>
+              <a:t></a:t>
+            </a:r>
+          </a:p>
+          <a:p>
+            <a:pPr marL="343080" indent="-342000">
+              <a:lnSpc>
+                <a:spcPct val="100000"/>
+              </a:lnSpc>
+              <a:buClr>
+                <a:srgbClr val="04617B"/>
+              </a:buClr>
+              <a:buFont typeface="Arial"/>
+              <a:buChar char="•"/>
+            </a:pPr>
+            <a:r>
+              <a:rPr lang="de-DE" sz="2400" b="1" spc="-1" dirty="0">
+                <a:solidFill>
+                  <a:srgbClr val="04617B"/>
+                </a:solidFill>
+                <a:latin typeface="Source Sans Pro Black"/>
+              </a:rPr>
+              <a:t>Dateifreigabe (Samba)</a:t>
+            </a:r>
+          </a:p>
+          <a:p>
+            <a:pPr>
+              <a:lnSpc>
+                <a:spcPct val="100000"/>
+              </a:lnSpc>
+            </a:pPr>
+            <a:endParaRPr lang="de-DE" sz="2400" b="0" strike="noStrike" spc="-1" dirty="0">
+              <a:latin typeface="Arial"/>
+            </a:endParaRPr>
+          </a:p>
+          <a:p>
+            <a:pPr>
+              <a:lnSpc>
+                <a:spcPct val="100000"/>
+              </a:lnSpc>
+            </a:pPr>
+            <a:endParaRPr lang="de-DE" sz="2400" b="0" strike="noStrike" spc="-1" dirty="0">
               <a:latin typeface="Arial"/>
             </a:endParaRPr>
           </a:p>
@@ -12071,6 +15039,780 @@
               <a:t></a:t>
             </a:r>
             <a:endParaRPr lang="de-DE" sz="4400" b="0" strike="noStrike" spc="-1">
+              <a:latin typeface="Arial"/>
+            </a:endParaRPr>
+          </a:p>
+        </p:txBody>
+      </p:sp>
+    </p:spTree>
+  </p:cSld>
+  <p:clrMapOvr>
+    <a:masterClrMapping/>
+  </p:clrMapOvr>
+  <p:timing>
+    <p:tnLst>
+      <p:par>
+        <p:cTn id="1" dur="indefinite" restart="never" nodeType="tmRoot">
+          <p:childTnLst>
+            <p:seq>
+              <p:cTn id="2" dur="indefinite" nodeType="mainSeq"/>
+              <p:prevCondLst>
+                <p:cond evt="onPrev" delay="0">
+                  <p:tgtEl>
+                    <p:sldTgt/>
+                  </p:tgtEl>
+                </p:cond>
+              </p:prevCondLst>
+              <p:nextCondLst>
+                <p:cond evt="onNext" delay="0">
+                  <p:tgtEl>
+                    <p:sldTgt/>
+                  </p:tgtEl>
+                </p:cond>
+              </p:nextCondLst>
+            </p:seq>
+          </p:childTnLst>
+        </p:cTn>
+      </p:par>
+    </p:tnLst>
+  </p:timing>
+</p:sld>
+</file>
+
+<file path=ppt/slides/slide20.xml><?xml version="1.0" encoding="utf-8"?>
+<p:sld xmlns:a="http://schemas.openxmlformats.org/drawingml/2006/main" xmlns:r="http://schemas.openxmlformats.org/officeDocument/2006/relationships" xmlns:p="http://schemas.openxmlformats.org/presentationml/2006/main">
+  <p:cSld>
+    <p:spTree>
+      <p:nvGrpSpPr>
+        <p:cNvPr id="1" name=""/>
+        <p:cNvGrpSpPr/>
+        <p:nvPr/>
+      </p:nvGrpSpPr>
+      <p:grpSpPr>
+        <a:xfrm>
+          <a:off x="0" y="0"/>
+          <a:ext cx="0" cy="0"/>
+          <a:chOff x="0" y="0"/>
+          <a:chExt cx="0" cy="0"/>
+        </a:xfrm>
+      </p:grpSpPr>
+      <p:sp>
+        <p:nvSpPr>
+          <p:cNvPr id="224" name="CustomShape 1"/>
+          <p:cNvSpPr/>
+          <p:nvPr/>
+        </p:nvSpPr>
+        <p:spPr>
+          <a:xfrm>
+            <a:off x="599040" y="301320"/>
+            <a:ext cx="10797480" cy="5850720"/>
+          </a:xfrm>
+          <a:prstGeom prst="rect">
+            <a:avLst/>
+          </a:prstGeom>
+          <a:noFill/>
+          <a:ln>
+            <a:noFill/>
+          </a:ln>
+        </p:spPr>
+        <p:style>
+          <a:lnRef idx="0">
+            <a:scrgbClr r="0" g="0" b="0"/>
+          </a:lnRef>
+          <a:fillRef idx="0">
+            <a:scrgbClr r="0" g="0" b="0"/>
+          </a:fillRef>
+          <a:effectRef idx="0">
+            <a:scrgbClr r="0" g="0" b="0"/>
+          </a:effectRef>
+          <a:fontRef idx="minor"/>
+        </p:style>
+        <p:txBody>
+          <a:bodyPr lIns="0" tIns="0" rIns="0" bIns="0" anchor="ctr"/>
+          <a:lstStyle/>
+          <a:p>
+            <a:pPr>
+              <a:lnSpc>
+                <a:spcPct val="90000"/>
+              </a:lnSpc>
+              <a:spcBef>
+                <a:spcPts val="1001"/>
+              </a:spcBef>
+            </a:pPr>
+            <a:r>
+              <a:rPr lang="de-DE" sz="2800" b="0" strike="noStrike" spc="-1">
+                <a:solidFill>
+                  <a:srgbClr val="000000"/>
+                </a:solidFill>
+                <a:latin typeface="Arial"/>
+                <a:ea typeface="DejaVu Sans"/>
+              </a:rPr>
+              <a:t>NET Core 2.1 is supported on Raspberry Pi 2+. </a:t>
+            </a:r>
+            <a:endParaRPr lang="de-DE" sz="2800" b="0" strike="noStrike" spc="-1">
+              <a:latin typeface="Arial"/>
+            </a:endParaRPr>
+          </a:p>
+          <a:p>
+            <a:pPr>
+              <a:lnSpc>
+                <a:spcPct val="90000"/>
+              </a:lnSpc>
+              <a:spcBef>
+                <a:spcPts val="1001"/>
+              </a:spcBef>
+            </a:pPr>
+            <a:r>
+              <a:rPr lang="de-DE" sz="2800" b="0" strike="noStrike" spc="-1">
+                <a:solidFill>
+                  <a:srgbClr val="000000"/>
+                </a:solidFill>
+                <a:latin typeface="Arial"/>
+                <a:ea typeface="DejaVu Sans"/>
+              </a:rPr>
+              <a:t>It isn’t supported on the Pi Zero or other devices that use an ARMv6 chip. </a:t>
+            </a:r>
+            <a:endParaRPr lang="de-DE" sz="2800" b="0" strike="noStrike" spc="-1">
+              <a:latin typeface="Arial"/>
+            </a:endParaRPr>
+          </a:p>
+          <a:p>
+            <a:pPr>
+              <a:lnSpc>
+                <a:spcPct val="90000"/>
+              </a:lnSpc>
+              <a:spcBef>
+                <a:spcPts val="1001"/>
+              </a:spcBef>
+            </a:pPr>
+            <a:r>
+              <a:rPr lang="de-DE" sz="2800" b="0" strike="noStrike" spc="-1">
+                <a:solidFill>
+                  <a:srgbClr val="000000"/>
+                </a:solidFill>
+                <a:latin typeface="Arial"/>
+                <a:ea typeface="DejaVu Sans"/>
+              </a:rPr>
+              <a:t>.NET Core requires ARMv7 or ARMv8 chips, like the ARM Cortex-A53. </a:t>
+            </a:r>
+            <a:endParaRPr lang="de-DE" sz="2800" b="0" strike="noStrike" spc="-1">
+              <a:latin typeface="Arial"/>
+            </a:endParaRPr>
+          </a:p>
+        </p:txBody>
+      </p:sp>
+    </p:spTree>
+  </p:cSld>
+  <p:clrMapOvr>
+    <a:masterClrMapping/>
+  </p:clrMapOvr>
+  <p:timing>
+    <p:tnLst>
+      <p:par>
+        <p:cTn id="1" dur="indefinite" restart="never" nodeType="tmRoot">
+          <p:childTnLst>
+            <p:seq>
+              <p:cTn id="2" dur="indefinite" nodeType="mainSeq"/>
+              <p:prevCondLst>
+                <p:cond evt="onPrev" delay="0">
+                  <p:tgtEl>
+                    <p:sldTgt/>
+                  </p:tgtEl>
+                </p:cond>
+              </p:prevCondLst>
+              <p:nextCondLst>
+                <p:cond evt="onNext" delay="0">
+                  <p:tgtEl>
+                    <p:sldTgt/>
+                  </p:tgtEl>
+                </p:cond>
+              </p:nextCondLst>
+            </p:seq>
+          </p:childTnLst>
+        </p:cTn>
+      </p:par>
+    </p:tnLst>
+  </p:timing>
+</p:sld>
+</file>
+
+<file path=ppt/slides/slide21.xml><?xml version="1.0" encoding="utf-8"?>
+<p:sld xmlns:a="http://schemas.openxmlformats.org/drawingml/2006/main" xmlns:r="http://schemas.openxmlformats.org/officeDocument/2006/relationships" xmlns:p="http://schemas.openxmlformats.org/presentationml/2006/main">
+  <p:cSld>
+    <p:spTree>
+      <p:nvGrpSpPr>
+        <p:cNvPr id="1" name=""/>
+        <p:cNvGrpSpPr/>
+        <p:nvPr/>
+      </p:nvGrpSpPr>
+      <p:grpSpPr>
+        <a:xfrm>
+          <a:off x="0" y="0"/>
+          <a:ext cx="0" cy="0"/>
+          <a:chOff x="0" y="0"/>
+          <a:chExt cx="0" cy="0"/>
+        </a:xfrm>
+      </p:grpSpPr>
+      <p:sp>
+        <p:nvSpPr>
+          <p:cNvPr id="225" name="CustomShape 1"/>
+          <p:cNvSpPr/>
+          <p:nvPr/>
+        </p:nvSpPr>
+        <p:spPr>
+          <a:xfrm>
+            <a:off x="599040" y="301320"/>
+            <a:ext cx="10797480" cy="5850720"/>
+          </a:xfrm>
+          <a:prstGeom prst="rect">
+            <a:avLst/>
+          </a:prstGeom>
+          <a:noFill/>
+          <a:ln>
+            <a:noFill/>
+          </a:ln>
+        </p:spPr>
+        <p:style>
+          <a:lnRef idx="0">
+            <a:scrgbClr r="0" g="0" b="0"/>
+          </a:lnRef>
+          <a:fillRef idx="0">
+            <a:scrgbClr r="0" g="0" b="0"/>
+          </a:fillRef>
+          <a:effectRef idx="0">
+            <a:scrgbClr r="0" g="0" b="0"/>
+          </a:effectRef>
+          <a:fontRef idx="minor"/>
+        </p:style>
+        <p:txBody>
+          <a:bodyPr lIns="0" tIns="0" rIns="0" bIns="0" anchor="ctr"/>
+          <a:lstStyle/>
+          <a:p>
+            <a:pPr>
+              <a:lnSpc>
+                <a:spcPct val="90000"/>
+              </a:lnSpc>
+              <a:spcBef>
+                <a:spcPts val="1001"/>
+              </a:spcBef>
+            </a:pPr>
+            <a:r>
+              <a:rPr lang="de-DE" sz="2800" b="0" strike="noStrike" spc="-1">
+                <a:solidFill>
+                  <a:srgbClr val="000000"/>
+                </a:solidFill>
+                <a:latin typeface="Arial"/>
+                <a:ea typeface="DejaVu Sans"/>
+              </a:rPr>
+              <a:t>dotnet publish --self-contained -r linux-arm</a:t>
+            </a:r>
+            <a:endParaRPr lang="de-DE" sz="2800" b="0" strike="noStrike" spc="-1">
+              <a:latin typeface="Arial"/>
+            </a:endParaRPr>
+          </a:p>
+          <a:p>
+            <a:pPr>
+              <a:lnSpc>
+                <a:spcPct val="90000"/>
+              </a:lnSpc>
+              <a:spcBef>
+                <a:spcPts val="1001"/>
+              </a:spcBef>
+            </a:pPr>
+            <a:endParaRPr lang="de-DE" sz="2800" b="0" strike="noStrike" spc="-1">
+              <a:latin typeface="Arial"/>
+            </a:endParaRPr>
+          </a:p>
+        </p:txBody>
+      </p:sp>
+    </p:spTree>
+  </p:cSld>
+  <p:clrMapOvr>
+    <a:masterClrMapping/>
+  </p:clrMapOvr>
+  <p:timing>
+    <p:tnLst>
+      <p:par>
+        <p:cTn id="1" dur="indefinite" restart="never" nodeType="tmRoot">
+          <p:childTnLst>
+            <p:seq>
+              <p:cTn id="2" dur="indefinite" nodeType="mainSeq"/>
+              <p:prevCondLst>
+                <p:cond evt="onPrev" delay="0">
+                  <p:tgtEl>
+                    <p:sldTgt/>
+                  </p:tgtEl>
+                </p:cond>
+              </p:prevCondLst>
+              <p:nextCondLst>
+                <p:cond evt="onNext" delay="0">
+                  <p:tgtEl>
+                    <p:sldTgt/>
+                  </p:tgtEl>
+                </p:cond>
+              </p:nextCondLst>
+            </p:seq>
+          </p:childTnLst>
+        </p:cTn>
+      </p:par>
+    </p:tnLst>
+  </p:timing>
+</p:sld>
+</file>
+
+<file path=ppt/slides/slide22.xml><?xml version="1.0" encoding="utf-8"?>
+<p:sld xmlns:a="http://schemas.openxmlformats.org/drawingml/2006/main" xmlns:r="http://schemas.openxmlformats.org/officeDocument/2006/relationships" xmlns:p="http://schemas.openxmlformats.org/presentationml/2006/main">
+  <p:cSld>
+    <p:spTree>
+      <p:nvGrpSpPr>
+        <p:cNvPr id="1" name=""/>
+        <p:cNvGrpSpPr/>
+        <p:nvPr/>
+      </p:nvGrpSpPr>
+      <p:grpSpPr>
+        <a:xfrm>
+          <a:off x="0" y="0"/>
+          <a:ext cx="0" cy="0"/>
+          <a:chOff x="0" y="0"/>
+          <a:chExt cx="0" cy="0"/>
+        </a:xfrm>
+      </p:grpSpPr>
+      <p:sp>
+        <p:nvSpPr>
+          <p:cNvPr id="226" name="CustomShape 1"/>
+          <p:cNvSpPr/>
+          <p:nvPr/>
+        </p:nvSpPr>
+        <p:spPr>
+          <a:xfrm>
+            <a:off x="599040" y="301320"/>
+            <a:ext cx="10797480" cy="5850720"/>
+          </a:xfrm>
+          <a:prstGeom prst="rect">
+            <a:avLst/>
+          </a:prstGeom>
+          <a:noFill/>
+          <a:ln>
+            <a:noFill/>
+          </a:ln>
+        </p:spPr>
+        <p:style>
+          <a:lnRef idx="0">
+            <a:scrgbClr r="0" g="0" b="0"/>
+          </a:lnRef>
+          <a:fillRef idx="0">
+            <a:scrgbClr r="0" g="0" b="0"/>
+          </a:fillRef>
+          <a:effectRef idx="0">
+            <a:scrgbClr r="0" g="0" b="0"/>
+          </a:effectRef>
+          <a:fontRef idx="minor"/>
+        </p:style>
+        <p:txBody>
+          <a:bodyPr lIns="0" tIns="0" rIns="0" bIns="0" anchor="ctr"/>
+          <a:lstStyle/>
+          <a:p>
+            <a:pPr marL="228600" indent="-227520">
+              <a:lnSpc>
+                <a:spcPct val="90000"/>
+              </a:lnSpc>
+              <a:spcBef>
+                <a:spcPts val="1001"/>
+              </a:spcBef>
+              <a:buClr>
+                <a:srgbClr val="000000"/>
+              </a:buClr>
+              <a:buFont typeface="Arial"/>
+              <a:buChar char="•"/>
+            </a:pPr>
+            <a:r>
+              <a:rPr lang="de-DE" sz="2800" b="0" strike="noStrike" spc="-1">
+                <a:solidFill>
+                  <a:srgbClr val="000000"/>
+                </a:solidFill>
+                <a:latin typeface="Arial"/>
+                <a:ea typeface="DejaVu Sans"/>
+              </a:rPr>
+              <a:t>GPIO - Ampel</a:t>
+            </a:r>
+            <a:endParaRPr lang="de-DE" sz="2800" b="0" strike="noStrike" spc="-1">
+              <a:latin typeface="Arial"/>
+            </a:endParaRPr>
+          </a:p>
+          <a:p>
+            <a:pPr marL="228600" indent="-227520">
+              <a:lnSpc>
+                <a:spcPct val="90000"/>
+              </a:lnSpc>
+              <a:spcBef>
+                <a:spcPts val="1001"/>
+              </a:spcBef>
+              <a:buClr>
+                <a:srgbClr val="000000"/>
+              </a:buClr>
+              <a:buFont typeface="Arial"/>
+              <a:buChar char="•"/>
+            </a:pPr>
+            <a:r>
+              <a:rPr lang="de-DE" sz="2800" b="0" strike="noStrike" spc="-1">
+                <a:solidFill>
+                  <a:srgbClr val="000000"/>
+                </a:solidFill>
+                <a:latin typeface="Arial"/>
+                <a:ea typeface="DejaVu Sans"/>
+              </a:rPr>
+              <a:t>5V / 3v3 - Wanderer</a:t>
+            </a:r>
+            <a:endParaRPr lang="de-DE" sz="2800" b="0" strike="noStrike" spc="-1">
+              <a:latin typeface="Arial"/>
+            </a:endParaRPr>
+          </a:p>
+          <a:p>
+            <a:pPr marL="228600" indent="-227520">
+              <a:lnSpc>
+                <a:spcPct val="90000"/>
+              </a:lnSpc>
+              <a:spcBef>
+                <a:spcPts val="1001"/>
+              </a:spcBef>
+              <a:buClr>
+                <a:srgbClr val="000000"/>
+              </a:buClr>
+              <a:buFont typeface="Arial"/>
+              <a:buChar char="•"/>
+            </a:pPr>
+            <a:r>
+              <a:rPr lang="de-DE" sz="2800" b="0" strike="noStrike" spc="-1">
+                <a:solidFill>
+                  <a:srgbClr val="000000"/>
+                </a:solidFill>
+                <a:latin typeface="Arial"/>
+                <a:ea typeface="DejaVu Sans"/>
+              </a:rPr>
+              <a:t>Löten :-/ - </a:t>
+            </a:r>
+            <a:endParaRPr lang="de-DE" sz="2800" b="0" strike="noStrike" spc="-1">
+              <a:latin typeface="Arial"/>
+            </a:endParaRPr>
+          </a:p>
+        </p:txBody>
+      </p:sp>
+    </p:spTree>
+  </p:cSld>
+  <p:clrMapOvr>
+    <a:masterClrMapping/>
+  </p:clrMapOvr>
+  <p:timing>
+    <p:tnLst>
+      <p:par>
+        <p:cTn id="1" dur="indefinite" restart="never" nodeType="tmRoot">
+          <p:childTnLst>
+            <p:seq>
+              <p:cTn id="2" dur="indefinite" nodeType="mainSeq"/>
+              <p:prevCondLst>
+                <p:cond evt="onPrev" delay="0">
+                  <p:tgtEl>
+                    <p:sldTgt/>
+                  </p:tgtEl>
+                </p:cond>
+              </p:prevCondLst>
+              <p:nextCondLst>
+                <p:cond evt="onNext" delay="0">
+                  <p:tgtEl>
+                    <p:sldTgt/>
+                  </p:tgtEl>
+                </p:cond>
+              </p:nextCondLst>
+            </p:seq>
+          </p:childTnLst>
+        </p:cTn>
+      </p:par>
+    </p:tnLst>
+  </p:timing>
+</p:sld>
+</file>
+
+<file path=ppt/slides/slide23.xml><?xml version="1.0" encoding="utf-8"?>
+<p:sld xmlns:a="http://schemas.openxmlformats.org/drawingml/2006/main" xmlns:r="http://schemas.openxmlformats.org/officeDocument/2006/relationships" xmlns:p="http://schemas.openxmlformats.org/presentationml/2006/main">
+  <p:cSld>
+    <p:spTree>
+      <p:nvGrpSpPr>
+        <p:cNvPr id="1" name=""/>
+        <p:cNvGrpSpPr/>
+        <p:nvPr/>
+      </p:nvGrpSpPr>
+      <p:grpSpPr>
+        <a:xfrm>
+          <a:off x="0" y="0"/>
+          <a:ext cx="0" cy="0"/>
+          <a:chOff x="0" y="0"/>
+          <a:chExt cx="0" cy="0"/>
+        </a:xfrm>
+      </p:grpSpPr>
+      <p:sp>
+        <p:nvSpPr>
+          <p:cNvPr id="227" name="CustomShape 1"/>
+          <p:cNvSpPr/>
+          <p:nvPr/>
+        </p:nvSpPr>
+        <p:spPr>
+          <a:xfrm>
+            <a:off x="599040" y="301320"/>
+            <a:ext cx="10797480" cy="5850720"/>
+          </a:xfrm>
+          <a:prstGeom prst="rect">
+            <a:avLst/>
+          </a:prstGeom>
+          <a:noFill/>
+          <a:ln>
+            <a:noFill/>
+          </a:ln>
+        </p:spPr>
+        <p:style>
+          <a:lnRef idx="0">
+            <a:scrgbClr r="0" g="0" b="0"/>
+          </a:lnRef>
+          <a:fillRef idx="0">
+            <a:scrgbClr r="0" g="0" b="0"/>
+          </a:fillRef>
+          <a:effectRef idx="0">
+            <a:scrgbClr r="0" g="0" b="0"/>
+          </a:effectRef>
+          <a:fontRef idx="minor"/>
+        </p:style>
+      </p:sp>
+    </p:spTree>
+  </p:cSld>
+  <p:clrMapOvr>
+    <a:masterClrMapping/>
+  </p:clrMapOvr>
+  <p:timing>
+    <p:tnLst>
+      <p:par>
+        <p:cTn id="1" dur="indefinite" restart="never" nodeType="tmRoot">
+          <p:childTnLst>
+            <p:seq>
+              <p:cTn id="2" dur="indefinite" nodeType="mainSeq"/>
+              <p:prevCondLst>
+                <p:cond evt="onPrev" delay="0">
+                  <p:tgtEl>
+                    <p:sldTgt/>
+                  </p:tgtEl>
+                </p:cond>
+              </p:prevCondLst>
+              <p:nextCondLst>
+                <p:cond evt="onNext" delay="0">
+                  <p:tgtEl>
+                    <p:sldTgt/>
+                  </p:tgtEl>
+                </p:cond>
+              </p:nextCondLst>
+            </p:seq>
+          </p:childTnLst>
+        </p:cTn>
+      </p:par>
+    </p:tnLst>
+  </p:timing>
+</p:sld>
+</file>
+
+<file path=ppt/slides/slide24.xml><?xml version="1.0" encoding="utf-8"?>
+<p:sld xmlns:a="http://schemas.openxmlformats.org/drawingml/2006/main" xmlns:r="http://schemas.openxmlformats.org/officeDocument/2006/relationships" xmlns:p="http://schemas.openxmlformats.org/presentationml/2006/main">
+  <p:cSld>
+    <p:spTree>
+      <p:nvGrpSpPr>
+        <p:cNvPr id="1" name=""/>
+        <p:cNvGrpSpPr/>
+        <p:nvPr/>
+      </p:nvGrpSpPr>
+      <p:grpSpPr>
+        <a:xfrm>
+          <a:off x="0" y="0"/>
+          <a:ext cx="0" cy="0"/>
+          <a:chOff x="0" y="0"/>
+          <a:chExt cx="0" cy="0"/>
+        </a:xfrm>
+      </p:grpSpPr>
+      <p:sp>
+        <p:nvSpPr>
+          <p:cNvPr id="228" name="CustomShape 1"/>
+          <p:cNvSpPr/>
+          <p:nvPr/>
+        </p:nvSpPr>
+        <p:spPr>
+          <a:xfrm>
+            <a:off x="599040" y="301320"/>
+            <a:ext cx="10797480" cy="1261080"/>
+          </a:xfrm>
+          <a:prstGeom prst="rect">
+            <a:avLst/>
+          </a:prstGeom>
+          <a:noFill/>
+          <a:ln>
+            <a:noFill/>
+          </a:ln>
+        </p:spPr>
+        <p:style>
+          <a:lnRef idx="0">
+            <a:scrgbClr r="0" g="0" b="0"/>
+          </a:lnRef>
+          <a:fillRef idx="0">
+            <a:scrgbClr r="0" g="0" b="0"/>
+          </a:fillRef>
+          <a:effectRef idx="0">
+            <a:scrgbClr r="0" g="0" b="0"/>
+          </a:effectRef>
+          <a:fontRef idx="minor"/>
+        </p:style>
+        <p:txBody>
+          <a:bodyPr lIns="0" tIns="0" rIns="0" bIns="0" anchor="ctr"/>
+          <a:lstStyle/>
+          <a:p>
+            <a:pPr>
+              <a:lnSpc>
+                <a:spcPct val="90000"/>
+              </a:lnSpc>
+            </a:pPr>
+            <a:r>
+              <a:rPr lang="de-DE" sz="4400" b="0" strike="noStrike" spc="-1">
+                <a:solidFill>
+                  <a:srgbClr val="000000"/>
+                </a:solidFill>
+                <a:latin typeface="Arial"/>
+                <a:ea typeface="DejaVu Sans"/>
+              </a:rPr>
+              <a:t>Links</a:t>
+            </a:r>
+            <a:endParaRPr lang="de-DE" sz="4400" b="0" strike="noStrike" spc="-1">
+              <a:latin typeface="Arial"/>
+            </a:endParaRPr>
+          </a:p>
+        </p:txBody>
+      </p:sp>
+      <p:sp>
+        <p:nvSpPr>
+          <p:cNvPr id="229" name="CustomShape 2"/>
+          <p:cNvSpPr/>
+          <p:nvPr/>
+        </p:nvSpPr>
+        <p:spPr>
+          <a:xfrm>
+            <a:off x="599040" y="1828800"/>
+            <a:ext cx="10829880" cy="5393880"/>
+          </a:xfrm>
+          <a:prstGeom prst="rect">
+            <a:avLst/>
+          </a:prstGeom>
+          <a:noFill/>
+          <a:ln>
+            <a:noFill/>
+          </a:ln>
+        </p:spPr>
+        <p:style>
+          <a:lnRef idx="0">
+            <a:scrgbClr r="0" g="0" b="0"/>
+          </a:lnRef>
+          <a:fillRef idx="0">
+            <a:scrgbClr r="0" g="0" b="0"/>
+          </a:fillRef>
+          <a:effectRef idx="0">
+            <a:scrgbClr r="0" g="0" b="0"/>
+          </a:effectRef>
+          <a:fontRef idx="minor"/>
+        </p:style>
+        <p:txBody>
+          <a:bodyPr lIns="0" tIns="0" rIns="0" bIns="0"/>
+          <a:lstStyle/>
+          <a:p>
+            <a:pPr>
+              <a:lnSpc>
+                <a:spcPct val="90000"/>
+              </a:lnSpc>
+              <a:spcBef>
+                <a:spcPts val="1001"/>
+              </a:spcBef>
+            </a:pPr>
+            <a:r>
+              <a:rPr lang="de-DE" sz="2800" b="0" strike="noStrike" spc="-1">
+                <a:solidFill>
+                  <a:srgbClr val="000000"/>
+                </a:solidFill>
+                <a:latin typeface="Arial"/>
+                <a:ea typeface="DejaVu Sans"/>
+              </a:rPr>
+              <a:t>Folien 	</a:t>
+            </a:r>
+            <a:r>
+              <a:rPr lang="de-DE" sz="2800" b="0" u="sng" strike="noStrike" spc="-1">
+                <a:solidFill>
+                  <a:srgbClr val="0000FF"/>
+                </a:solidFill>
+                <a:uFillTx/>
+                <a:latin typeface="Arial"/>
+                <a:ea typeface="DejaVu Sans"/>
+                <a:hlinkClick r:id="rId2"/>
+              </a:rPr>
+              <a:t>https://github.com/FrankPfattheicher/RaspiDotnet</a:t>
+            </a:r>
+            <a:r>
+              <a:rPr lang="de-DE" sz="2800" b="0" strike="noStrike" spc="-1">
+                <a:solidFill>
+                  <a:srgbClr val="000000"/>
+                </a:solidFill>
+                <a:latin typeface="Arial"/>
+                <a:ea typeface="DejaVu Sans"/>
+              </a:rPr>
+              <a:t> </a:t>
+            </a:r>
+            <a:endParaRPr lang="de-DE" sz="2800" b="0" strike="noStrike" spc="-1">
+              <a:latin typeface="Arial"/>
+            </a:endParaRPr>
+          </a:p>
+          <a:p>
+            <a:pPr>
+              <a:lnSpc>
+                <a:spcPct val="90000"/>
+              </a:lnSpc>
+              <a:spcBef>
+                <a:spcPts val="1001"/>
+              </a:spcBef>
+            </a:pPr>
+            <a:r>
+              <a:rPr lang="de-DE" sz="2800" b="0" strike="noStrike" spc="-1">
+                <a:solidFill>
+                  <a:srgbClr val="000000"/>
+                </a:solidFill>
+                <a:latin typeface="Arial"/>
+                <a:ea typeface="DejaVu Sans"/>
+              </a:rPr>
+              <a:t>Win32DiskImager			 					 		</a:t>
+            </a:r>
+            <a:r>
+              <a:rPr lang="de-DE" sz="2800" b="0" u="sng" strike="noStrike" spc="-1">
+                <a:solidFill>
+                  <a:srgbClr val="0000FF"/>
+                </a:solidFill>
+                <a:uFillTx/>
+                <a:latin typeface="Arial"/>
+                <a:ea typeface="DejaVu Sans"/>
+                <a:hlinkClick r:id="rId3"/>
+              </a:rPr>
+              <a:t>https://sourceforge.net/projects/win32diskimager</a:t>
+            </a:r>
+            <a:endParaRPr lang="de-DE" sz="2800" b="0" strike="noStrike" spc="-1">
+              <a:latin typeface="Arial"/>
+            </a:endParaRPr>
+          </a:p>
+          <a:p>
+            <a:pPr>
+              <a:lnSpc>
+                <a:spcPct val="90000"/>
+              </a:lnSpc>
+              <a:spcBef>
+                <a:spcPts val="1001"/>
+              </a:spcBef>
+            </a:pPr>
+            <a:endParaRPr lang="de-DE" sz="2800" b="0" strike="noStrike" spc="-1">
               <a:latin typeface="Arial"/>
             </a:endParaRPr>
           </a:p>
@@ -13181,7 +16923,7 @@
                 <a:spcPct val="100000"/>
               </a:lnSpc>
             </a:pPr>
-            <a:endParaRPr lang="de-DE" sz="1800" b="0" strike="noStrike" spc="-1">
+            <a:endParaRPr lang="de-DE" sz="1800" b="0" strike="noStrike" spc="-1" dirty="0">
               <a:latin typeface="Arial"/>
             </a:endParaRPr>
           </a:p>
@@ -13200,7 +16942,7 @@
               <a:buChar char="•"/>
             </a:pPr>
             <a:r>
-              <a:rPr lang="de-DE" sz="4000" b="0" strike="noStrike" spc="-1">
+              <a:rPr lang="de-DE" sz="4000" b="0" strike="noStrike" spc="-1" dirty="0">
                 <a:solidFill>
                   <a:srgbClr val="000000"/>
                 </a:solidFill>
@@ -13209,7 +16951,7 @@
               </a:rPr>
               <a:t>Image auf SD-Karte übertragen</a:t>
             </a:r>
-            <a:endParaRPr lang="de-DE" sz="4000" b="0" strike="noStrike" spc="-1">
+            <a:endParaRPr lang="de-DE" sz="4000" b="0" strike="noStrike" spc="-1" dirty="0">
               <a:latin typeface="Arial"/>
             </a:endParaRPr>
           </a:p>
@@ -13223,16 +16965,16 @@
               </a:spcBef>
             </a:pPr>
             <a:r>
-              <a:rPr lang="de-DE" sz="3600" b="0" strike="noStrike" spc="-1">
+              <a:rPr lang="de-DE" sz="3600" b="0" strike="noStrike" spc="-1" dirty="0">
                 <a:solidFill>
                   <a:srgbClr val="000000"/>
                 </a:solidFill>
                 <a:latin typeface="Arial"/>
                 <a:ea typeface="DejaVu Sans"/>
               </a:rPr>
-              <a:t>(5 bis 15 Minuten)</a:t>
-            </a:r>
-            <a:endParaRPr lang="de-DE" sz="3600" b="0" strike="noStrike" spc="-1">
+              <a:t>(dauert ca. 5 bis 15 Minuten)</a:t>
+            </a:r>
+            <a:endParaRPr lang="de-DE" sz="3600" b="0" strike="noStrike" spc="-1" dirty="0">
               <a:latin typeface="Arial"/>
             </a:endParaRPr>
           </a:p>
@@ -13242,7 +16984,7 @@
                 <a:spcPct val="100000"/>
               </a:lnSpc>
             </a:pPr>
-            <a:endParaRPr lang="de-DE" sz="3600" b="0" strike="noStrike" spc="-1">
+            <a:endParaRPr lang="de-DE" sz="3600" b="0" strike="noStrike" spc="-1" dirty="0">
               <a:latin typeface="Arial"/>
             </a:endParaRPr>
           </a:p>
@@ -13261,7 +17003,7 @@
               <a:buChar char="•"/>
             </a:pPr>
             <a:r>
-              <a:rPr lang="de-DE" sz="4000" b="0" strike="noStrike" spc="-1">
+              <a:rPr lang="de-DE" sz="4000" b="0" strike="noStrike" spc="-1" dirty="0">
                 <a:solidFill>
                   <a:srgbClr val="000000"/>
                 </a:solidFill>
@@ -13270,7 +17012,7 @@
               </a:rPr>
               <a:t>Hardware aufbauen</a:t>
             </a:r>
-            <a:endParaRPr lang="de-DE" sz="4000" b="0" strike="noStrike" spc="-1">
+            <a:endParaRPr lang="de-DE" sz="4000" b="0" strike="noStrike" spc="-1" dirty="0">
               <a:latin typeface="Arial"/>
             </a:endParaRPr>
           </a:p>
@@ -13280,7 +17022,7 @@
                 <a:spcPct val="100000"/>
               </a:lnSpc>
             </a:pPr>
-            <a:endParaRPr lang="de-DE" sz="4000" b="0" strike="noStrike" spc="-1">
+            <a:endParaRPr lang="de-DE" sz="4000" b="0" strike="noStrike" spc="-1" dirty="0">
               <a:latin typeface="Arial"/>
             </a:endParaRPr>
           </a:p>
@@ -13371,7 +17113,7 @@
         </p:style>
         <p:txBody>
           <a:bodyPr lIns="0" tIns="0" rIns="0" bIns="0">
-            <a:normAutofit/>
+            <a:noAutofit/>
           </a:bodyPr>
           <a:lstStyle/>
           <a:p>
@@ -13384,26 +17126,496 @@
               </a:spcBef>
             </a:pPr>
             <a:r>
-              <a:rPr lang="de-DE" sz="4000" b="1" strike="noStrike" spc="-1">
+              <a:rPr lang="de-DE" sz="2600" b="1" strike="noStrike" spc="-1" dirty="0" err="1">
                 <a:solidFill>
                   <a:srgbClr val="000000"/>
                 </a:solidFill>
                 <a:latin typeface="Arial"/>
                 <a:ea typeface="DejaVu Sans"/>
               </a:rPr>
-              <a:t>Runtime Image</a:t>
-            </a:r>
-            <a:r>
-              <a:rPr lang="de-DE" sz="4000" b="0" strike="noStrike" spc="-1">
+              <a:t>Runtime</a:t>
+            </a:r>
+            <a:r>
+              <a:rPr lang="de-DE" sz="2600" b="1" strike="noStrike" spc="-1" dirty="0">
                 <a:solidFill>
                   <a:srgbClr val="000000"/>
                 </a:solidFill>
                 <a:latin typeface="Arial"/>
                 <a:ea typeface="DejaVu Sans"/>
               </a:rPr>
-              <a:t>. Subject to the requirements in Section 3 and restrictions in Section 4, Microsoft hereby grants to you a royalty-free, worldwide, non-exclusive, personal, non-transferable, non-assignable, limited license to install a Runtime Image into an Embedded System and distribute your Embedded System to End Users.</a:t>
-            </a:r>
-            <a:endParaRPr lang="de-DE" sz="4000" b="0" strike="noStrike" spc="-1">
+              <a:t> Image</a:t>
+            </a:r>
+            <a:r>
+              <a:rPr lang="de-DE" sz="2600" b="0" strike="noStrike" spc="-1" dirty="0">
+                <a:solidFill>
+                  <a:srgbClr val="000000"/>
+                </a:solidFill>
+                <a:latin typeface="Arial"/>
+                <a:ea typeface="DejaVu Sans"/>
+              </a:rPr>
+              <a:t>. </a:t>
+            </a:r>
+            <a:r>
+              <a:rPr lang="de-DE" sz="2600" b="0" strike="noStrike" spc="-1" dirty="0" err="1">
+                <a:solidFill>
+                  <a:srgbClr val="000000"/>
+                </a:solidFill>
+                <a:latin typeface="Arial"/>
+                <a:ea typeface="DejaVu Sans"/>
+              </a:rPr>
+              <a:t>Subject</a:t>
+            </a:r>
+            <a:r>
+              <a:rPr lang="de-DE" sz="2600" b="0" strike="noStrike" spc="-1" dirty="0">
+                <a:solidFill>
+                  <a:srgbClr val="000000"/>
+                </a:solidFill>
+                <a:latin typeface="Arial"/>
+                <a:ea typeface="DejaVu Sans"/>
+              </a:rPr>
+              <a:t> </a:t>
+            </a:r>
+            <a:r>
+              <a:rPr lang="de-DE" sz="2600" b="0" strike="noStrike" spc="-1" dirty="0" err="1">
+                <a:solidFill>
+                  <a:srgbClr val="000000"/>
+                </a:solidFill>
+                <a:latin typeface="Arial"/>
+                <a:ea typeface="DejaVu Sans"/>
+              </a:rPr>
+              <a:t>to</a:t>
+            </a:r>
+            <a:r>
+              <a:rPr lang="de-DE" sz="2600" b="0" strike="noStrike" spc="-1" dirty="0">
+                <a:solidFill>
+                  <a:srgbClr val="000000"/>
+                </a:solidFill>
+                <a:latin typeface="Arial"/>
+                <a:ea typeface="DejaVu Sans"/>
+              </a:rPr>
+              <a:t> </a:t>
+            </a:r>
+            <a:r>
+              <a:rPr lang="de-DE" sz="2600" b="0" strike="noStrike" spc="-1" dirty="0" err="1">
+                <a:solidFill>
+                  <a:srgbClr val="000000"/>
+                </a:solidFill>
+                <a:latin typeface="Arial"/>
+                <a:ea typeface="DejaVu Sans"/>
+              </a:rPr>
+              <a:t>the</a:t>
+            </a:r>
+            <a:r>
+              <a:rPr lang="de-DE" sz="2600" b="0" strike="noStrike" spc="-1" dirty="0">
+                <a:solidFill>
+                  <a:srgbClr val="000000"/>
+                </a:solidFill>
+                <a:latin typeface="Arial"/>
+                <a:ea typeface="DejaVu Sans"/>
+              </a:rPr>
+              <a:t> </a:t>
+            </a:r>
+            <a:r>
+              <a:rPr lang="de-DE" sz="2600" b="0" strike="noStrike" spc="-1" dirty="0" err="1">
+                <a:solidFill>
+                  <a:srgbClr val="000000"/>
+                </a:solidFill>
+                <a:latin typeface="Arial"/>
+                <a:ea typeface="DejaVu Sans"/>
+              </a:rPr>
+              <a:t>requirements</a:t>
+            </a:r>
+            <a:r>
+              <a:rPr lang="de-DE" sz="2600" b="0" strike="noStrike" spc="-1" dirty="0">
+                <a:solidFill>
+                  <a:srgbClr val="000000"/>
+                </a:solidFill>
+                <a:latin typeface="Arial"/>
+                <a:ea typeface="DejaVu Sans"/>
+              </a:rPr>
+              <a:t> in </a:t>
+            </a:r>
+            <a:r>
+              <a:rPr lang="de-DE" sz="2600" b="0" strike="noStrike" spc="-1" dirty="0" err="1">
+                <a:solidFill>
+                  <a:srgbClr val="000000"/>
+                </a:solidFill>
+                <a:latin typeface="Arial"/>
+                <a:ea typeface="DejaVu Sans"/>
+              </a:rPr>
+              <a:t>Section</a:t>
+            </a:r>
+            <a:r>
+              <a:rPr lang="de-DE" sz="2600" b="0" strike="noStrike" spc="-1" dirty="0">
+                <a:solidFill>
+                  <a:srgbClr val="000000"/>
+                </a:solidFill>
+                <a:latin typeface="Arial"/>
+                <a:ea typeface="DejaVu Sans"/>
+              </a:rPr>
+              <a:t> 3 and </a:t>
+            </a:r>
+            <a:r>
+              <a:rPr lang="de-DE" sz="2600" b="0" strike="noStrike" spc="-1" dirty="0" err="1">
+                <a:solidFill>
+                  <a:srgbClr val="000000"/>
+                </a:solidFill>
+                <a:latin typeface="Arial"/>
+                <a:ea typeface="DejaVu Sans"/>
+              </a:rPr>
+              <a:t>restrictions</a:t>
+            </a:r>
+            <a:r>
+              <a:rPr lang="de-DE" sz="2600" b="0" strike="noStrike" spc="-1" dirty="0">
+                <a:solidFill>
+                  <a:srgbClr val="000000"/>
+                </a:solidFill>
+                <a:latin typeface="Arial"/>
+                <a:ea typeface="DejaVu Sans"/>
+              </a:rPr>
+              <a:t> in </a:t>
+            </a:r>
+            <a:r>
+              <a:rPr lang="de-DE" sz="2600" b="0" strike="noStrike" spc="-1" dirty="0" err="1">
+                <a:solidFill>
+                  <a:srgbClr val="000000"/>
+                </a:solidFill>
+                <a:latin typeface="Arial"/>
+                <a:ea typeface="DejaVu Sans"/>
+              </a:rPr>
+              <a:t>Section</a:t>
+            </a:r>
+            <a:r>
+              <a:rPr lang="de-DE" sz="2600" b="0" strike="noStrike" spc="-1" dirty="0">
+                <a:solidFill>
+                  <a:srgbClr val="000000"/>
+                </a:solidFill>
+                <a:latin typeface="Arial"/>
+                <a:ea typeface="DejaVu Sans"/>
+              </a:rPr>
+              <a:t> 4, Microsoft </a:t>
+            </a:r>
+            <a:r>
+              <a:rPr lang="de-DE" sz="2600" b="0" strike="noStrike" spc="-1" dirty="0" err="1">
+                <a:solidFill>
+                  <a:srgbClr val="000000"/>
+                </a:solidFill>
+                <a:latin typeface="Arial"/>
+                <a:ea typeface="DejaVu Sans"/>
+              </a:rPr>
+              <a:t>hereby</a:t>
+            </a:r>
+            <a:r>
+              <a:rPr lang="de-DE" sz="2600" b="0" strike="noStrike" spc="-1" dirty="0">
+                <a:solidFill>
+                  <a:srgbClr val="000000"/>
+                </a:solidFill>
+                <a:latin typeface="Arial"/>
+                <a:ea typeface="DejaVu Sans"/>
+              </a:rPr>
+              <a:t> </a:t>
+            </a:r>
+            <a:r>
+              <a:rPr lang="de-DE" sz="2600" b="0" strike="noStrike" spc="-1" dirty="0" err="1">
+                <a:solidFill>
+                  <a:srgbClr val="000000"/>
+                </a:solidFill>
+                <a:latin typeface="Arial"/>
+                <a:ea typeface="DejaVu Sans"/>
+              </a:rPr>
+              <a:t>grants</a:t>
+            </a:r>
+            <a:r>
+              <a:rPr lang="de-DE" sz="2600" b="0" strike="noStrike" spc="-1" dirty="0">
+                <a:solidFill>
+                  <a:srgbClr val="000000"/>
+                </a:solidFill>
+                <a:latin typeface="Arial"/>
+                <a:ea typeface="DejaVu Sans"/>
+              </a:rPr>
+              <a:t> </a:t>
+            </a:r>
+            <a:r>
+              <a:rPr lang="de-DE" sz="2600" b="0" strike="noStrike" spc="-1" dirty="0" err="1">
+                <a:solidFill>
+                  <a:srgbClr val="000000"/>
+                </a:solidFill>
+                <a:latin typeface="Arial"/>
+                <a:ea typeface="DejaVu Sans"/>
+              </a:rPr>
+              <a:t>to</a:t>
+            </a:r>
+            <a:r>
+              <a:rPr lang="de-DE" sz="2600" b="0" strike="noStrike" spc="-1" dirty="0">
+                <a:solidFill>
+                  <a:srgbClr val="000000"/>
+                </a:solidFill>
+                <a:latin typeface="Arial"/>
+                <a:ea typeface="DejaVu Sans"/>
+              </a:rPr>
+              <a:t> </a:t>
+            </a:r>
+            <a:r>
+              <a:rPr lang="de-DE" sz="2600" b="0" strike="noStrike" spc="-1" dirty="0" err="1">
+                <a:solidFill>
+                  <a:srgbClr val="000000"/>
+                </a:solidFill>
+                <a:latin typeface="Arial"/>
+                <a:ea typeface="DejaVu Sans"/>
+              </a:rPr>
+              <a:t>you</a:t>
+            </a:r>
+            <a:r>
+              <a:rPr lang="de-DE" sz="2600" b="0" strike="noStrike" spc="-1" dirty="0">
+                <a:solidFill>
+                  <a:srgbClr val="000000"/>
+                </a:solidFill>
+                <a:latin typeface="Arial"/>
+                <a:ea typeface="DejaVu Sans"/>
+              </a:rPr>
+              <a:t> a </a:t>
+            </a:r>
+            <a:r>
+              <a:rPr lang="de-DE" sz="2600" b="0" strike="noStrike" spc="-1" dirty="0" err="1">
+                <a:solidFill>
+                  <a:srgbClr val="000000"/>
+                </a:solidFill>
+                <a:latin typeface="Arial"/>
+                <a:ea typeface="DejaVu Sans"/>
+              </a:rPr>
+              <a:t>royalty-free</a:t>
+            </a:r>
+            <a:r>
+              <a:rPr lang="de-DE" sz="2600" b="0" strike="noStrike" spc="-1" dirty="0">
+                <a:solidFill>
+                  <a:srgbClr val="000000"/>
+                </a:solidFill>
+                <a:latin typeface="Arial"/>
+                <a:ea typeface="DejaVu Sans"/>
+              </a:rPr>
+              <a:t>, </a:t>
+            </a:r>
+            <a:r>
+              <a:rPr lang="de-DE" sz="2600" b="0" strike="noStrike" spc="-1" dirty="0" err="1">
+                <a:solidFill>
+                  <a:srgbClr val="000000"/>
+                </a:solidFill>
+                <a:latin typeface="Arial"/>
+                <a:ea typeface="DejaVu Sans"/>
+              </a:rPr>
+              <a:t>worldwide</a:t>
+            </a:r>
+            <a:r>
+              <a:rPr lang="de-DE" sz="2600" b="0" strike="noStrike" spc="-1" dirty="0">
+                <a:solidFill>
+                  <a:srgbClr val="000000"/>
+                </a:solidFill>
+                <a:latin typeface="Arial"/>
+                <a:ea typeface="DejaVu Sans"/>
+              </a:rPr>
+              <a:t>, non-</a:t>
+            </a:r>
+            <a:r>
+              <a:rPr lang="de-DE" sz="2600" b="0" strike="noStrike" spc="-1" dirty="0" err="1">
+                <a:solidFill>
+                  <a:srgbClr val="000000"/>
+                </a:solidFill>
+                <a:latin typeface="Arial"/>
+                <a:ea typeface="DejaVu Sans"/>
+              </a:rPr>
+              <a:t>exclusive</a:t>
+            </a:r>
+            <a:r>
+              <a:rPr lang="de-DE" sz="2600" b="0" strike="noStrike" spc="-1" dirty="0">
+                <a:solidFill>
+                  <a:srgbClr val="000000"/>
+                </a:solidFill>
+                <a:latin typeface="Arial"/>
+                <a:ea typeface="DejaVu Sans"/>
+              </a:rPr>
+              <a:t>, personal, non-transferable, non-</a:t>
+            </a:r>
+            <a:r>
+              <a:rPr lang="de-DE" sz="2600" b="0" strike="noStrike" spc="-1" dirty="0" err="1">
+                <a:solidFill>
+                  <a:srgbClr val="000000"/>
+                </a:solidFill>
+                <a:latin typeface="Arial"/>
+                <a:ea typeface="DejaVu Sans"/>
+              </a:rPr>
+              <a:t>assignable</a:t>
+            </a:r>
+            <a:r>
+              <a:rPr lang="de-DE" sz="2600" b="0" strike="noStrike" spc="-1" dirty="0">
+                <a:solidFill>
+                  <a:srgbClr val="000000"/>
+                </a:solidFill>
+                <a:latin typeface="Arial"/>
+                <a:ea typeface="DejaVu Sans"/>
+              </a:rPr>
+              <a:t>, limited </a:t>
+            </a:r>
+            <a:r>
+              <a:rPr lang="de-DE" sz="2600" b="0" strike="noStrike" spc="-1" dirty="0" err="1">
+                <a:solidFill>
+                  <a:srgbClr val="000000"/>
+                </a:solidFill>
+                <a:latin typeface="Arial"/>
+                <a:ea typeface="DejaVu Sans"/>
+              </a:rPr>
+              <a:t>license</a:t>
+            </a:r>
+            <a:r>
+              <a:rPr lang="de-DE" sz="2600" b="0" strike="noStrike" spc="-1" dirty="0">
+                <a:solidFill>
+                  <a:srgbClr val="000000"/>
+                </a:solidFill>
+                <a:latin typeface="Arial"/>
+                <a:ea typeface="DejaVu Sans"/>
+              </a:rPr>
+              <a:t> </a:t>
+            </a:r>
+            <a:r>
+              <a:rPr lang="de-DE" sz="2600" b="0" strike="noStrike" spc="-1" dirty="0" err="1">
+                <a:solidFill>
+                  <a:srgbClr val="000000"/>
+                </a:solidFill>
+                <a:latin typeface="Arial"/>
+                <a:ea typeface="DejaVu Sans"/>
+              </a:rPr>
+              <a:t>to</a:t>
+            </a:r>
+            <a:r>
+              <a:rPr lang="de-DE" sz="2600" b="0" strike="noStrike" spc="-1" dirty="0">
+                <a:solidFill>
+                  <a:srgbClr val="000000"/>
+                </a:solidFill>
+                <a:latin typeface="Arial"/>
+                <a:ea typeface="DejaVu Sans"/>
+              </a:rPr>
+              <a:t> </a:t>
+            </a:r>
+            <a:r>
+              <a:rPr lang="de-DE" sz="2600" b="0" strike="noStrike" spc="-1" dirty="0" err="1">
+                <a:solidFill>
+                  <a:srgbClr val="000000"/>
+                </a:solidFill>
+                <a:latin typeface="Arial"/>
+                <a:ea typeface="DejaVu Sans"/>
+              </a:rPr>
+              <a:t>install</a:t>
+            </a:r>
+            <a:r>
+              <a:rPr lang="de-DE" sz="2600" b="0" strike="noStrike" spc="-1" dirty="0">
+                <a:solidFill>
+                  <a:srgbClr val="000000"/>
+                </a:solidFill>
+                <a:latin typeface="Arial"/>
+                <a:ea typeface="DejaVu Sans"/>
+              </a:rPr>
+              <a:t> a </a:t>
+            </a:r>
+            <a:r>
+              <a:rPr lang="de-DE" sz="2600" b="0" strike="noStrike" spc="-1" dirty="0" err="1">
+                <a:solidFill>
+                  <a:srgbClr val="000000"/>
+                </a:solidFill>
+                <a:latin typeface="Arial"/>
+                <a:ea typeface="DejaVu Sans"/>
+              </a:rPr>
+              <a:t>Runtime</a:t>
+            </a:r>
+            <a:r>
+              <a:rPr lang="de-DE" sz="2600" b="0" strike="noStrike" spc="-1" dirty="0">
+                <a:solidFill>
+                  <a:srgbClr val="000000"/>
+                </a:solidFill>
+                <a:latin typeface="Arial"/>
+                <a:ea typeface="DejaVu Sans"/>
+              </a:rPr>
+              <a:t> Image </a:t>
+            </a:r>
+            <a:r>
+              <a:rPr lang="de-DE" sz="2600" b="0" strike="noStrike" spc="-1" dirty="0" err="1">
+                <a:solidFill>
+                  <a:srgbClr val="000000"/>
+                </a:solidFill>
+                <a:latin typeface="Arial"/>
+                <a:ea typeface="DejaVu Sans"/>
+              </a:rPr>
+              <a:t>into</a:t>
+            </a:r>
+            <a:r>
+              <a:rPr lang="de-DE" sz="2600" b="0" strike="noStrike" spc="-1" dirty="0">
+                <a:solidFill>
+                  <a:srgbClr val="000000"/>
+                </a:solidFill>
+                <a:latin typeface="Arial"/>
+                <a:ea typeface="DejaVu Sans"/>
+              </a:rPr>
+              <a:t> an Embedded System and </a:t>
+            </a:r>
+            <a:r>
+              <a:rPr lang="de-DE" sz="2600" b="0" strike="noStrike" spc="-1" dirty="0" err="1">
+                <a:solidFill>
+                  <a:srgbClr val="000000"/>
+                </a:solidFill>
+                <a:latin typeface="Arial"/>
+                <a:ea typeface="DejaVu Sans"/>
+              </a:rPr>
+              <a:t>distribute</a:t>
+            </a:r>
+            <a:r>
+              <a:rPr lang="de-DE" sz="2600" b="0" strike="noStrike" spc="-1" dirty="0">
+                <a:solidFill>
+                  <a:srgbClr val="000000"/>
+                </a:solidFill>
+                <a:latin typeface="Arial"/>
+                <a:ea typeface="DejaVu Sans"/>
+              </a:rPr>
+              <a:t> </a:t>
+            </a:r>
+            <a:r>
+              <a:rPr lang="de-DE" sz="2600" b="0" strike="noStrike" spc="-1" dirty="0" err="1">
+                <a:solidFill>
+                  <a:srgbClr val="000000"/>
+                </a:solidFill>
+                <a:latin typeface="Arial"/>
+                <a:ea typeface="DejaVu Sans"/>
+              </a:rPr>
+              <a:t>your</a:t>
+            </a:r>
+            <a:r>
+              <a:rPr lang="de-DE" sz="2600" b="0" strike="noStrike" spc="-1" dirty="0">
+                <a:solidFill>
+                  <a:srgbClr val="000000"/>
+                </a:solidFill>
+                <a:latin typeface="Arial"/>
+                <a:ea typeface="DejaVu Sans"/>
+              </a:rPr>
+              <a:t> Embedded System </a:t>
+            </a:r>
+            <a:r>
+              <a:rPr lang="de-DE" sz="2600" b="0" strike="noStrike" spc="-1" dirty="0" err="1">
+                <a:solidFill>
+                  <a:srgbClr val="000000"/>
+                </a:solidFill>
+                <a:latin typeface="Arial"/>
+                <a:ea typeface="DejaVu Sans"/>
+              </a:rPr>
+              <a:t>to</a:t>
+            </a:r>
+            <a:r>
+              <a:rPr lang="de-DE" sz="2600" b="0" strike="noStrike" spc="-1" dirty="0">
+                <a:solidFill>
+                  <a:srgbClr val="000000"/>
+                </a:solidFill>
+                <a:latin typeface="Arial"/>
+                <a:ea typeface="DejaVu Sans"/>
+              </a:rPr>
+              <a:t> End Users.</a:t>
+            </a:r>
+            <a:endParaRPr lang="de-DE" sz="2600" b="0" strike="noStrike" spc="-1" dirty="0">
               <a:latin typeface="Arial"/>
             </a:endParaRPr>
           </a:p>
@@ -13413,7 +17625,7 @@
                 <a:spcPct val="100000"/>
               </a:lnSpc>
             </a:pPr>
-            <a:endParaRPr lang="de-DE" sz="4000" b="0" strike="noStrike" spc="-1">
+            <a:endParaRPr lang="de-DE" sz="2600" b="0" strike="noStrike" spc="-1" dirty="0">
               <a:latin typeface="Arial"/>
             </a:endParaRPr>
           </a:p>
@@ -13427,16 +17639,466 @@
               </a:spcBef>
             </a:pPr>
             <a:r>
-              <a:rPr lang="de-DE" sz="4000" b="0" strike="noStrike" spc="-1">
+              <a:rPr lang="de-DE" sz="2600" b="0" strike="noStrike" spc="-1" dirty="0" err="1">
                 <a:solidFill>
                   <a:srgbClr val="000000"/>
                 </a:solidFill>
                 <a:latin typeface="Arial"/>
                 <a:ea typeface="DejaVu Sans"/>
               </a:rPr>
-              <a:t>No Distribution of Software as Stand-alone Product. You must not advertise, provide a separate price for, or otherwise market or distribute the Software, or any part of the Software, as a separate item from an Embedded System.</a:t>
-            </a:r>
-            <a:endParaRPr lang="de-DE" sz="4000" b="0" strike="noStrike" spc="-1">
+              <a:t>No</a:t>
+            </a:r>
+            <a:r>
+              <a:rPr lang="de-DE" sz="2600" b="0" strike="noStrike" spc="-1" dirty="0">
+                <a:solidFill>
+                  <a:srgbClr val="000000"/>
+                </a:solidFill>
+                <a:latin typeface="Arial"/>
+                <a:ea typeface="DejaVu Sans"/>
+              </a:rPr>
+              <a:t> Distribution </a:t>
+            </a:r>
+            <a:r>
+              <a:rPr lang="de-DE" sz="2600" b="0" strike="noStrike" spc="-1" dirty="0" err="1">
+                <a:solidFill>
+                  <a:srgbClr val="000000"/>
+                </a:solidFill>
+                <a:latin typeface="Arial"/>
+                <a:ea typeface="DejaVu Sans"/>
+              </a:rPr>
+              <a:t>of</a:t>
+            </a:r>
+            <a:r>
+              <a:rPr lang="de-DE" sz="2600" b="0" strike="noStrike" spc="-1" dirty="0">
+                <a:solidFill>
+                  <a:srgbClr val="000000"/>
+                </a:solidFill>
+                <a:latin typeface="Arial"/>
+                <a:ea typeface="DejaVu Sans"/>
+              </a:rPr>
+              <a:t> Software </a:t>
+            </a:r>
+            <a:r>
+              <a:rPr lang="de-DE" sz="2600" b="0" strike="noStrike" spc="-1" dirty="0" err="1">
+                <a:solidFill>
+                  <a:srgbClr val="000000"/>
+                </a:solidFill>
+                <a:latin typeface="Arial"/>
+                <a:ea typeface="DejaVu Sans"/>
+              </a:rPr>
+              <a:t>as</a:t>
+            </a:r>
+            <a:r>
+              <a:rPr lang="de-DE" sz="2600" b="0" strike="noStrike" spc="-1" dirty="0">
+                <a:solidFill>
+                  <a:srgbClr val="000000"/>
+                </a:solidFill>
+                <a:latin typeface="Arial"/>
+                <a:ea typeface="DejaVu Sans"/>
+              </a:rPr>
+              <a:t> Stand-</a:t>
+            </a:r>
+            <a:r>
+              <a:rPr lang="de-DE" sz="2600" b="0" strike="noStrike" spc="-1" dirty="0" err="1">
+                <a:solidFill>
+                  <a:srgbClr val="000000"/>
+                </a:solidFill>
+                <a:latin typeface="Arial"/>
+                <a:ea typeface="DejaVu Sans"/>
+              </a:rPr>
+              <a:t>alone</a:t>
+            </a:r>
+            <a:r>
+              <a:rPr lang="de-DE" sz="2600" b="0" strike="noStrike" spc="-1" dirty="0">
+                <a:solidFill>
+                  <a:srgbClr val="000000"/>
+                </a:solidFill>
+                <a:latin typeface="Arial"/>
+                <a:ea typeface="DejaVu Sans"/>
+              </a:rPr>
+              <a:t> </a:t>
+            </a:r>
+            <a:r>
+              <a:rPr lang="de-DE" sz="2600" b="0" strike="noStrike" spc="-1" dirty="0" err="1">
+                <a:solidFill>
+                  <a:srgbClr val="000000"/>
+                </a:solidFill>
+                <a:latin typeface="Arial"/>
+                <a:ea typeface="DejaVu Sans"/>
+              </a:rPr>
+              <a:t>Product</a:t>
+            </a:r>
+            <a:r>
+              <a:rPr lang="de-DE" sz="2600" b="0" strike="noStrike" spc="-1" dirty="0">
+                <a:solidFill>
+                  <a:srgbClr val="000000"/>
+                </a:solidFill>
+                <a:latin typeface="Arial"/>
+                <a:ea typeface="DejaVu Sans"/>
+              </a:rPr>
+              <a:t>. </a:t>
+            </a:r>
+            <a:r>
+              <a:rPr lang="de-DE" sz="2600" b="0" strike="noStrike" spc="-1" dirty="0" err="1">
+                <a:solidFill>
+                  <a:srgbClr val="000000"/>
+                </a:solidFill>
+                <a:latin typeface="Arial"/>
+                <a:ea typeface="DejaVu Sans"/>
+              </a:rPr>
+              <a:t>You</a:t>
+            </a:r>
+            <a:r>
+              <a:rPr lang="de-DE" sz="2600" b="0" strike="noStrike" spc="-1" dirty="0">
+                <a:solidFill>
+                  <a:srgbClr val="000000"/>
+                </a:solidFill>
+                <a:latin typeface="Arial"/>
+                <a:ea typeface="DejaVu Sans"/>
+              </a:rPr>
+              <a:t> must not </a:t>
+            </a:r>
+            <a:r>
+              <a:rPr lang="de-DE" sz="2600" b="0" strike="noStrike" spc="-1" dirty="0" err="1">
+                <a:solidFill>
+                  <a:srgbClr val="000000"/>
+                </a:solidFill>
+                <a:latin typeface="Arial"/>
+                <a:ea typeface="DejaVu Sans"/>
+              </a:rPr>
+              <a:t>advertise</a:t>
+            </a:r>
+            <a:r>
+              <a:rPr lang="de-DE" sz="2600" b="0" strike="noStrike" spc="-1" dirty="0">
+                <a:solidFill>
+                  <a:srgbClr val="000000"/>
+                </a:solidFill>
+                <a:latin typeface="Arial"/>
+                <a:ea typeface="DejaVu Sans"/>
+              </a:rPr>
+              <a:t>, </a:t>
+            </a:r>
+            <a:r>
+              <a:rPr lang="de-DE" sz="2600" b="0" strike="noStrike" spc="-1" dirty="0" err="1">
+                <a:solidFill>
+                  <a:srgbClr val="000000"/>
+                </a:solidFill>
+                <a:latin typeface="Arial"/>
+                <a:ea typeface="DejaVu Sans"/>
+              </a:rPr>
+              <a:t>provide</a:t>
+            </a:r>
+            <a:r>
+              <a:rPr lang="de-DE" sz="2600" b="0" strike="noStrike" spc="-1" dirty="0">
+                <a:solidFill>
+                  <a:srgbClr val="000000"/>
+                </a:solidFill>
+                <a:latin typeface="Arial"/>
+                <a:ea typeface="DejaVu Sans"/>
+              </a:rPr>
+              <a:t> a separate </a:t>
+            </a:r>
+            <a:r>
+              <a:rPr lang="de-DE" sz="2600" b="0" strike="noStrike" spc="-1" dirty="0" err="1">
+                <a:solidFill>
+                  <a:srgbClr val="000000"/>
+                </a:solidFill>
+                <a:latin typeface="Arial"/>
+                <a:ea typeface="DejaVu Sans"/>
+              </a:rPr>
+              <a:t>price</a:t>
+            </a:r>
+            <a:r>
+              <a:rPr lang="de-DE" sz="2600" b="0" strike="noStrike" spc="-1" dirty="0">
+                <a:solidFill>
+                  <a:srgbClr val="000000"/>
+                </a:solidFill>
+                <a:latin typeface="Arial"/>
+                <a:ea typeface="DejaVu Sans"/>
+              </a:rPr>
+              <a:t> </a:t>
+            </a:r>
+            <a:r>
+              <a:rPr lang="de-DE" sz="2600" b="0" strike="noStrike" spc="-1" dirty="0" err="1">
+                <a:solidFill>
+                  <a:srgbClr val="000000"/>
+                </a:solidFill>
+                <a:latin typeface="Arial"/>
+                <a:ea typeface="DejaVu Sans"/>
+              </a:rPr>
+              <a:t>for</a:t>
+            </a:r>
+            <a:r>
+              <a:rPr lang="de-DE" sz="2600" b="0" strike="noStrike" spc="-1" dirty="0">
+                <a:solidFill>
+                  <a:srgbClr val="000000"/>
+                </a:solidFill>
+                <a:latin typeface="Arial"/>
+                <a:ea typeface="DejaVu Sans"/>
+              </a:rPr>
+              <a:t>, </a:t>
+            </a:r>
+            <a:r>
+              <a:rPr lang="de-DE" sz="2600" b="0" strike="noStrike" spc="-1" dirty="0" err="1">
+                <a:solidFill>
+                  <a:srgbClr val="000000"/>
+                </a:solidFill>
+                <a:latin typeface="Arial"/>
+                <a:ea typeface="DejaVu Sans"/>
+              </a:rPr>
+              <a:t>or</a:t>
+            </a:r>
+            <a:r>
+              <a:rPr lang="de-DE" sz="2600" b="0" strike="noStrike" spc="-1" dirty="0">
+                <a:solidFill>
+                  <a:srgbClr val="000000"/>
+                </a:solidFill>
+                <a:latin typeface="Arial"/>
+                <a:ea typeface="DejaVu Sans"/>
+              </a:rPr>
+              <a:t> </a:t>
+            </a:r>
+            <a:r>
+              <a:rPr lang="de-DE" sz="2600" b="0" strike="noStrike" spc="-1" dirty="0" err="1">
+                <a:solidFill>
+                  <a:srgbClr val="000000"/>
+                </a:solidFill>
+                <a:latin typeface="Arial"/>
+                <a:ea typeface="DejaVu Sans"/>
+              </a:rPr>
+              <a:t>otherwise</a:t>
+            </a:r>
+            <a:r>
+              <a:rPr lang="de-DE" sz="2600" b="0" strike="noStrike" spc="-1" dirty="0">
+                <a:solidFill>
+                  <a:srgbClr val="000000"/>
+                </a:solidFill>
+                <a:latin typeface="Arial"/>
+                <a:ea typeface="DejaVu Sans"/>
+              </a:rPr>
+              <a:t> </a:t>
+            </a:r>
+            <a:r>
+              <a:rPr lang="de-DE" sz="2600" b="0" strike="noStrike" spc="-1" dirty="0" err="1">
+                <a:solidFill>
+                  <a:srgbClr val="000000"/>
+                </a:solidFill>
+                <a:latin typeface="Arial"/>
+                <a:ea typeface="DejaVu Sans"/>
+              </a:rPr>
+              <a:t>market</a:t>
+            </a:r>
+            <a:r>
+              <a:rPr lang="de-DE" sz="2600" b="0" strike="noStrike" spc="-1" dirty="0">
+                <a:solidFill>
+                  <a:srgbClr val="000000"/>
+                </a:solidFill>
+                <a:latin typeface="Arial"/>
+                <a:ea typeface="DejaVu Sans"/>
+              </a:rPr>
+              <a:t> </a:t>
+            </a:r>
+            <a:r>
+              <a:rPr lang="de-DE" sz="2600" b="0" strike="noStrike" spc="-1" dirty="0" err="1">
+                <a:solidFill>
+                  <a:srgbClr val="000000"/>
+                </a:solidFill>
+                <a:latin typeface="Arial"/>
+                <a:ea typeface="DejaVu Sans"/>
+              </a:rPr>
+              <a:t>or</a:t>
+            </a:r>
+            <a:r>
+              <a:rPr lang="de-DE" sz="2600" b="0" strike="noStrike" spc="-1" dirty="0">
+                <a:solidFill>
+                  <a:srgbClr val="000000"/>
+                </a:solidFill>
+                <a:latin typeface="Arial"/>
+                <a:ea typeface="DejaVu Sans"/>
+              </a:rPr>
+              <a:t> </a:t>
+            </a:r>
+            <a:r>
+              <a:rPr lang="de-DE" sz="2600" b="0" strike="noStrike" spc="-1" dirty="0" err="1">
+                <a:solidFill>
+                  <a:srgbClr val="000000"/>
+                </a:solidFill>
+                <a:latin typeface="Arial"/>
+                <a:ea typeface="DejaVu Sans"/>
+              </a:rPr>
+              <a:t>distribute</a:t>
+            </a:r>
+            <a:r>
+              <a:rPr lang="de-DE" sz="2600" b="0" strike="noStrike" spc="-1" dirty="0">
+                <a:solidFill>
+                  <a:srgbClr val="000000"/>
+                </a:solidFill>
+                <a:latin typeface="Arial"/>
+                <a:ea typeface="DejaVu Sans"/>
+              </a:rPr>
+              <a:t> </a:t>
+            </a:r>
+            <a:r>
+              <a:rPr lang="de-DE" sz="2600" b="0" strike="noStrike" spc="-1" dirty="0" err="1">
+                <a:solidFill>
+                  <a:srgbClr val="000000"/>
+                </a:solidFill>
+                <a:latin typeface="Arial"/>
+                <a:ea typeface="DejaVu Sans"/>
+              </a:rPr>
+              <a:t>the</a:t>
+            </a:r>
+            <a:r>
+              <a:rPr lang="de-DE" sz="2600" b="0" strike="noStrike" spc="-1" dirty="0">
+                <a:solidFill>
+                  <a:srgbClr val="000000"/>
+                </a:solidFill>
+                <a:latin typeface="Arial"/>
+                <a:ea typeface="DejaVu Sans"/>
+              </a:rPr>
+              <a:t> Software, </a:t>
+            </a:r>
+            <a:r>
+              <a:rPr lang="de-DE" sz="2600" b="0" strike="noStrike" spc="-1" dirty="0" err="1">
+                <a:solidFill>
+                  <a:srgbClr val="000000"/>
+                </a:solidFill>
+                <a:latin typeface="Arial"/>
+                <a:ea typeface="DejaVu Sans"/>
+              </a:rPr>
+              <a:t>or</a:t>
+            </a:r>
+            <a:r>
+              <a:rPr lang="de-DE" sz="2600" b="0" strike="noStrike" spc="-1" dirty="0">
+                <a:solidFill>
+                  <a:srgbClr val="000000"/>
+                </a:solidFill>
+                <a:latin typeface="Arial"/>
+                <a:ea typeface="DejaVu Sans"/>
+              </a:rPr>
+              <a:t> </a:t>
+            </a:r>
+            <a:r>
+              <a:rPr lang="de-DE" sz="2600" b="0" strike="noStrike" spc="-1" dirty="0" err="1">
+                <a:solidFill>
+                  <a:srgbClr val="000000"/>
+                </a:solidFill>
+                <a:latin typeface="Arial"/>
+                <a:ea typeface="DejaVu Sans"/>
+              </a:rPr>
+              <a:t>any</a:t>
+            </a:r>
+            <a:r>
+              <a:rPr lang="de-DE" sz="2600" b="0" strike="noStrike" spc="-1" dirty="0">
+                <a:solidFill>
+                  <a:srgbClr val="000000"/>
+                </a:solidFill>
+                <a:latin typeface="Arial"/>
+                <a:ea typeface="DejaVu Sans"/>
+              </a:rPr>
+              <a:t> </a:t>
+            </a:r>
+            <a:r>
+              <a:rPr lang="de-DE" sz="2600" b="0" strike="noStrike" spc="-1" dirty="0" err="1">
+                <a:solidFill>
+                  <a:srgbClr val="000000"/>
+                </a:solidFill>
+                <a:latin typeface="Arial"/>
+                <a:ea typeface="DejaVu Sans"/>
+              </a:rPr>
+              <a:t>part</a:t>
+            </a:r>
+            <a:r>
+              <a:rPr lang="de-DE" sz="2600" b="0" strike="noStrike" spc="-1" dirty="0">
+                <a:solidFill>
+                  <a:srgbClr val="000000"/>
+                </a:solidFill>
+                <a:latin typeface="Arial"/>
+                <a:ea typeface="DejaVu Sans"/>
+              </a:rPr>
+              <a:t> </a:t>
+            </a:r>
+            <a:r>
+              <a:rPr lang="de-DE" sz="2600" b="0" strike="noStrike" spc="-1" dirty="0" err="1">
+                <a:solidFill>
+                  <a:srgbClr val="000000"/>
+                </a:solidFill>
+                <a:latin typeface="Arial"/>
+                <a:ea typeface="DejaVu Sans"/>
+              </a:rPr>
+              <a:t>of</a:t>
+            </a:r>
+            <a:r>
+              <a:rPr lang="de-DE" sz="2600" b="0" strike="noStrike" spc="-1" dirty="0">
+                <a:solidFill>
+                  <a:srgbClr val="000000"/>
+                </a:solidFill>
+                <a:latin typeface="Arial"/>
+                <a:ea typeface="DejaVu Sans"/>
+              </a:rPr>
+              <a:t> </a:t>
+            </a:r>
+            <a:r>
+              <a:rPr lang="de-DE" sz="2600" b="0" strike="noStrike" spc="-1" dirty="0" err="1">
+                <a:solidFill>
+                  <a:srgbClr val="000000"/>
+                </a:solidFill>
+                <a:latin typeface="Arial"/>
+                <a:ea typeface="DejaVu Sans"/>
+              </a:rPr>
+              <a:t>the</a:t>
+            </a:r>
+            <a:r>
+              <a:rPr lang="de-DE" sz="2600" b="0" strike="noStrike" spc="-1" dirty="0">
+                <a:solidFill>
+                  <a:srgbClr val="000000"/>
+                </a:solidFill>
+                <a:latin typeface="Arial"/>
+                <a:ea typeface="DejaVu Sans"/>
+              </a:rPr>
+              <a:t> Software, </a:t>
+            </a:r>
+            <a:r>
+              <a:rPr lang="de-DE" sz="2600" b="0" strike="noStrike" spc="-1" dirty="0" err="1">
+                <a:solidFill>
+                  <a:srgbClr val="000000"/>
+                </a:solidFill>
+                <a:latin typeface="Arial"/>
+                <a:ea typeface="DejaVu Sans"/>
+              </a:rPr>
+              <a:t>as</a:t>
+            </a:r>
+            <a:r>
+              <a:rPr lang="de-DE" sz="2600" b="0" strike="noStrike" spc="-1" dirty="0">
+                <a:solidFill>
+                  <a:srgbClr val="000000"/>
+                </a:solidFill>
+                <a:latin typeface="Arial"/>
+                <a:ea typeface="DejaVu Sans"/>
+              </a:rPr>
+              <a:t> a separate item </a:t>
+            </a:r>
+            <a:r>
+              <a:rPr lang="de-DE" sz="2600" b="0" strike="noStrike" spc="-1" dirty="0" err="1">
+                <a:solidFill>
+                  <a:srgbClr val="000000"/>
+                </a:solidFill>
+                <a:latin typeface="Arial"/>
+                <a:ea typeface="DejaVu Sans"/>
+              </a:rPr>
+              <a:t>from</a:t>
+            </a:r>
+            <a:r>
+              <a:rPr lang="de-DE" sz="2600" b="0" strike="noStrike" spc="-1" dirty="0">
+                <a:solidFill>
+                  <a:srgbClr val="000000"/>
+                </a:solidFill>
+                <a:latin typeface="Arial"/>
+                <a:ea typeface="DejaVu Sans"/>
+              </a:rPr>
+              <a:t> an Embedded System.</a:t>
+            </a:r>
+            <a:endParaRPr lang="de-DE" sz="2600" b="0" strike="noStrike" spc="-1" dirty="0">
               <a:latin typeface="Arial"/>
             </a:endParaRPr>
           </a:p>
